--- a/Presentation_03_06_2020.pptx
+++ b/Presentation_03_06_2020.pptx
@@ -8,6 +8,7 @@
     <p:sldId id="256" r:id="rId2"/>
     <p:sldId id="258" r:id="rId3"/>
     <p:sldId id="259" r:id="rId4"/>
+    <p:sldId id="260" r:id="rId5"/>
   </p:sldIdLst>
   <p:sldSz cx="12192000" cy="6858000"/>
   <p:notesSz cx="6858000" cy="9144000"/>
@@ -106,6 +107,11 @@
       </a:defRPr>
     </a:lvl9pPr>
   </p:defaultTextStyle>
+  <p:extLst>
+    <p:ext uri="{EFAFB233-063F-42B5-8137-9DF3F51BA10A}">
+      <p15:sldGuideLst xmlns:p15="http://schemas.microsoft.com/office/powerpoint/2012/main"/>
+    </p:ext>
+  </p:extLst>
 </p:presentation>
 </file>
 
@@ -256,7 +262,7 @@
           <a:p>
             <a:fld id="{F3A718E8-50A8-44FB-9B8C-B3586663F83C}" type="datetimeFigureOut">
               <a:rPr lang="fr-FR" smtClean="0"/>
-              <a:t>01/06/2020</a:t>
+              <a:t>02/06/2020</a:t>
             </a:fld>
             <a:endParaRPr lang="fr-FR"/>
           </a:p>
@@ -454,7 +460,7 @@
           <a:p>
             <a:fld id="{F3A718E8-50A8-44FB-9B8C-B3586663F83C}" type="datetimeFigureOut">
               <a:rPr lang="fr-FR" smtClean="0"/>
-              <a:t>01/06/2020</a:t>
+              <a:t>02/06/2020</a:t>
             </a:fld>
             <a:endParaRPr lang="fr-FR"/>
           </a:p>
@@ -662,7 +668,7 @@
           <a:p>
             <a:fld id="{F3A718E8-50A8-44FB-9B8C-B3586663F83C}" type="datetimeFigureOut">
               <a:rPr lang="fr-FR" smtClean="0"/>
-              <a:t>01/06/2020</a:t>
+              <a:t>02/06/2020</a:t>
             </a:fld>
             <a:endParaRPr lang="fr-FR"/>
           </a:p>
@@ -860,7 +866,7 @@
           <a:p>
             <a:fld id="{F3A718E8-50A8-44FB-9B8C-B3586663F83C}" type="datetimeFigureOut">
               <a:rPr lang="fr-FR" smtClean="0"/>
-              <a:t>01/06/2020</a:t>
+              <a:t>02/06/2020</a:t>
             </a:fld>
             <a:endParaRPr lang="fr-FR"/>
           </a:p>
@@ -1135,7 +1141,7 @@
           <a:p>
             <a:fld id="{F3A718E8-50A8-44FB-9B8C-B3586663F83C}" type="datetimeFigureOut">
               <a:rPr lang="fr-FR" smtClean="0"/>
-              <a:t>01/06/2020</a:t>
+              <a:t>02/06/2020</a:t>
             </a:fld>
             <a:endParaRPr lang="fr-FR"/>
           </a:p>
@@ -1400,7 +1406,7 @@
           <a:p>
             <a:fld id="{F3A718E8-50A8-44FB-9B8C-B3586663F83C}" type="datetimeFigureOut">
               <a:rPr lang="fr-FR" smtClean="0"/>
-              <a:t>01/06/2020</a:t>
+              <a:t>02/06/2020</a:t>
             </a:fld>
             <a:endParaRPr lang="fr-FR"/>
           </a:p>
@@ -1812,7 +1818,7 @@
           <a:p>
             <a:fld id="{F3A718E8-50A8-44FB-9B8C-B3586663F83C}" type="datetimeFigureOut">
               <a:rPr lang="fr-FR" smtClean="0"/>
-              <a:t>01/06/2020</a:t>
+              <a:t>02/06/2020</a:t>
             </a:fld>
             <a:endParaRPr lang="fr-FR"/>
           </a:p>
@@ -1953,7 +1959,7 @@
           <a:p>
             <a:fld id="{F3A718E8-50A8-44FB-9B8C-B3586663F83C}" type="datetimeFigureOut">
               <a:rPr lang="fr-FR" smtClean="0"/>
-              <a:t>01/06/2020</a:t>
+              <a:t>02/06/2020</a:t>
             </a:fld>
             <a:endParaRPr lang="fr-FR"/>
           </a:p>
@@ -2066,7 +2072,7 @@
           <a:p>
             <a:fld id="{F3A718E8-50A8-44FB-9B8C-B3586663F83C}" type="datetimeFigureOut">
               <a:rPr lang="fr-FR" smtClean="0"/>
-              <a:t>01/06/2020</a:t>
+              <a:t>02/06/2020</a:t>
             </a:fld>
             <a:endParaRPr lang="fr-FR"/>
           </a:p>
@@ -2377,7 +2383,7 @@
           <a:p>
             <a:fld id="{F3A718E8-50A8-44FB-9B8C-B3586663F83C}" type="datetimeFigureOut">
               <a:rPr lang="fr-FR" smtClean="0"/>
-              <a:t>01/06/2020</a:t>
+              <a:t>02/06/2020</a:t>
             </a:fld>
             <a:endParaRPr lang="fr-FR"/>
           </a:p>
@@ -2665,7 +2671,7 @@
           <a:p>
             <a:fld id="{F3A718E8-50A8-44FB-9B8C-B3586663F83C}" type="datetimeFigureOut">
               <a:rPr lang="fr-FR" smtClean="0"/>
-              <a:t>01/06/2020</a:t>
+              <a:t>02/06/2020</a:t>
             </a:fld>
             <a:endParaRPr lang="fr-FR"/>
           </a:p>
@@ -2906,7 +2912,7 @@
           <a:p>
             <a:fld id="{F3A718E8-50A8-44FB-9B8C-B3586663F83C}" type="datetimeFigureOut">
               <a:rPr lang="fr-FR" smtClean="0"/>
-              <a:t>01/06/2020</a:t>
+              <a:t>02/06/2020</a:t>
             </a:fld>
             <a:endParaRPr lang="fr-FR"/>
           </a:p>
@@ -3781,267 +3787,141 @@
             <a:pPr algn="ctr"/>
             <a:r>
               <a:rPr lang="fr-FR" b="1" dirty="0"/>
-              <a:t>Compréhension globale du sujet</a:t>
-            </a:r>
-          </a:p>
-        </p:txBody>
-      </p:sp>
-      <p:pic>
-        <p:nvPicPr>
-          <p:cNvPr id="5" name="Espace réservé du contenu 4" descr="Une image contenant alimentation, très coloré, table&#10;&#10;Description générée automatiquement">
-            <a:extLst>
-              <a:ext uri="{FF2B5EF4-FFF2-40B4-BE49-F238E27FC236}">
-                <a16:creationId xmlns:a16="http://schemas.microsoft.com/office/drawing/2014/main" id="{AD68B6D6-A094-475F-9EE6-833D5F520254}"/>
-              </a:ext>
-            </a:extLst>
-          </p:cNvPr>
-          <p:cNvPicPr>
-            <a:picLocks noGrp="1" noChangeAspect="1"/>
-          </p:cNvPicPr>
+              <a:t>Compréhension globale du projet</a:t>
+            </a:r>
+          </a:p>
+        </p:txBody>
+      </p:sp>
+      <p:sp>
+        <p:nvSpPr>
+          <p:cNvPr id="4" name="Espace réservé du contenu 3">
+            <a:extLst>
+              <a:ext uri="{FF2B5EF4-FFF2-40B4-BE49-F238E27FC236}">
+                <a16:creationId xmlns:a16="http://schemas.microsoft.com/office/drawing/2014/main" id="{A02A4B32-7B1F-41F2-9C1A-CB7CA76AF1D1}"/>
+              </a:ext>
+            </a:extLst>
+          </p:cNvPr>
+          <p:cNvSpPr>
+            <a:spLocks noGrp="1"/>
+          </p:cNvSpPr>
           <p:nvPr>
             <p:ph idx="1"/>
           </p:nvPr>
-        </p:nvPicPr>
-        <p:blipFill>
-          <a:blip r:embed="rId2">
-            <a:extLst>
-              <a:ext uri="{28A0092B-C50C-407E-A947-70E740481C1C}">
-                <a14:useLocalDpi xmlns:a14="http://schemas.microsoft.com/office/drawing/2010/main" val="0"/>
-              </a:ext>
-            </a:extLst>
-          </a:blip>
-          <a:stretch>
-            <a:fillRect/>
-          </a:stretch>
-        </p:blipFill>
+        </p:nvSpPr>
         <p:spPr>
           <a:xfrm>
-            <a:off x="455541" y="3005847"/>
-            <a:ext cx="2304866" cy="1702240"/>
+            <a:off x="838199" y="1825625"/>
+            <a:ext cx="10634221" cy="4351338"/>
           </a:xfrm>
         </p:spPr>
-      </p:pic>
-      <p:sp>
-        <p:nvSpPr>
-          <p:cNvPr id="6" name="ZoneTexte 5">
-            <a:extLst>
-              <a:ext uri="{FF2B5EF4-FFF2-40B4-BE49-F238E27FC236}">
-                <a16:creationId xmlns:a16="http://schemas.microsoft.com/office/drawing/2014/main" id="{9565A8CA-95F5-4534-9D90-93B0041D6E7E}"/>
-              </a:ext>
-            </a:extLst>
-          </p:cNvPr>
-          <p:cNvSpPr txBox="1"/>
-          <p:nvPr/>
-        </p:nvSpPr>
-        <p:spPr>
-          <a:xfrm>
-            <a:off x="1111863" y="2451371"/>
-            <a:ext cx="992221" cy="477054"/>
-          </a:xfrm>
-          <a:prstGeom prst="rect">
-            <a:avLst/>
-          </a:prstGeom>
-          <a:noFill/>
-        </p:spPr>
-        <p:txBody>
-          <a:bodyPr wrap="square" rtlCol="0">
-            <a:spAutoFit/>
-          </a:bodyPr>
+        <p:txBody>
+          <a:bodyPr/>
           <a:lstStyle/>
           <a:p>
-            <a:r>
-              <a:rPr lang="fr-FR" sz="2500" b="1" dirty="0"/>
-              <a:t>PILAF</a:t>
-            </a:r>
-          </a:p>
-        </p:txBody>
-      </p:sp>
-      <p:pic>
-        <p:nvPicPr>
-          <p:cNvPr id="8" name="Image 7" descr="Une image contenant alimentation&#10;&#10;Description générée automatiquement">
-            <a:extLst>
-              <a:ext uri="{FF2B5EF4-FFF2-40B4-BE49-F238E27FC236}">
-                <a16:creationId xmlns:a16="http://schemas.microsoft.com/office/drawing/2014/main" id="{56F0FD6E-58F5-49B8-A854-743B76C17318}"/>
-              </a:ext>
-            </a:extLst>
-          </p:cNvPr>
-          <p:cNvPicPr>
-            <a:picLocks noChangeAspect="1"/>
-          </p:cNvPicPr>
-          <p:nvPr/>
-        </p:nvPicPr>
-        <p:blipFill rotWithShape="1">
-          <a:blip r:embed="rId3">
-            <a:extLst>
-              <a:ext uri="{28A0092B-C50C-407E-A947-70E740481C1C}">
-                <a14:useLocalDpi xmlns:a14="http://schemas.microsoft.com/office/drawing/2010/main" val="0"/>
-              </a:ext>
-            </a:extLst>
-          </a:blip>
-          <a:srcRect l="15228" t="23493" r="12065" b="24574"/>
-          <a:stretch/>
-        </p:blipFill>
-        <p:spPr>
-          <a:xfrm>
-            <a:off x="1021402" y="4863829"/>
-            <a:ext cx="885219" cy="632298"/>
-          </a:xfrm>
-          <a:prstGeom prst="rect">
-            <a:avLst/>
-          </a:prstGeom>
-        </p:spPr>
-      </p:pic>
-      <p:cxnSp>
-        <p:nvCxnSpPr>
-          <p:cNvPr id="10" name="Connecteur droit avec flèche 9">
-            <a:extLst>
-              <a:ext uri="{FF2B5EF4-FFF2-40B4-BE49-F238E27FC236}">
-                <a16:creationId xmlns:a16="http://schemas.microsoft.com/office/drawing/2014/main" id="{3ED7EE51-D2FE-40EB-B42A-E330FA7C43AA}"/>
-              </a:ext>
-            </a:extLst>
-          </p:cNvPr>
-          <p:cNvCxnSpPr>
-            <a:cxnSpLocks/>
-          </p:cNvCxnSpPr>
-          <p:nvPr/>
-        </p:nvCxnSpPr>
-        <p:spPr>
-          <a:xfrm>
-            <a:off x="2760407" y="3998417"/>
-            <a:ext cx="1698471" cy="0"/>
-          </a:xfrm>
-          <a:prstGeom prst="straightConnector1">
-            <a:avLst/>
-          </a:prstGeom>
-          <a:ln>
-            <a:tailEnd type="triangle"/>
-          </a:ln>
-        </p:spPr>
-        <p:style>
-          <a:lnRef idx="1">
-            <a:schemeClr val="accent1"/>
-          </a:lnRef>
-          <a:fillRef idx="0">
-            <a:schemeClr val="accent1"/>
-          </a:fillRef>
-          <a:effectRef idx="0">
-            <a:schemeClr val="accent1"/>
-          </a:effectRef>
-          <a:fontRef idx="minor">
-            <a:schemeClr val="tx1"/>
-          </a:fontRef>
-        </p:style>
-      </p:cxnSp>
-      <p:sp>
-        <p:nvSpPr>
-          <p:cNvPr id="11" name="ZoneTexte 10">
-            <a:extLst>
-              <a:ext uri="{FF2B5EF4-FFF2-40B4-BE49-F238E27FC236}">
-                <a16:creationId xmlns:a16="http://schemas.microsoft.com/office/drawing/2014/main" id="{ED127A08-8C68-4D4F-BAD9-93EBBB0CF7A1}"/>
-              </a:ext>
-            </a:extLst>
-          </p:cNvPr>
-          <p:cNvSpPr txBox="1"/>
-          <p:nvPr/>
-        </p:nvSpPr>
-        <p:spPr>
-          <a:xfrm>
-            <a:off x="4534292" y="3536752"/>
-            <a:ext cx="2705493" cy="923330"/>
-          </a:xfrm>
-          <a:prstGeom prst="rect">
-            <a:avLst/>
-          </a:prstGeom>
-          <a:noFill/>
-        </p:spPr>
-        <p:txBody>
-          <a:bodyPr wrap="square" rtlCol="0">
-            <a:spAutoFit/>
-          </a:bodyPr>
-          <a:lstStyle/>
-          <a:p>
-            <a:pPr algn="ctr"/>
-            <a:r>
-              <a:rPr lang="fr-FR" dirty="0"/>
-              <a:t>A besoin d’une application pour la gestion de son magasin</a:t>
-            </a:r>
-          </a:p>
-        </p:txBody>
-      </p:sp>
-      <p:cxnSp>
-        <p:nvCxnSpPr>
-          <p:cNvPr id="14" name="Connecteur droit avec flèche 13">
-            <a:extLst>
-              <a:ext uri="{FF2B5EF4-FFF2-40B4-BE49-F238E27FC236}">
-                <a16:creationId xmlns:a16="http://schemas.microsoft.com/office/drawing/2014/main" id="{59484548-905D-4B43-9F92-BF664DBB8CE8}"/>
-              </a:ext>
-            </a:extLst>
-          </p:cNvPr>
-          <p:cNvCxnSpPr>
-            <a:cxnSpLocks/>
-          </p:cNvCxnSpPr>
-          <p:nvPr/>
-        </p:nvCxnSpPr>
-        <p:spPr>
-          <a:xfrm>
-            <a:off x="7362258" y="3998417"/>
-            <a:ext cx="1698471" cy="0"/>
-          </a:xfrm>
-          <a:prstGeom prst="straightConnector1">
-            <a:avLst/>
-          </a:prstGeom>
-          <a:ln>
-            <a:tailEnd type="triangle"/>
-          </a:ln>
-        </p:spPr>
-        <p:style>
-          <a:lnRef idx="1">
-            <a:schemeClr val="accent1"/>
-          </a:lnRef>
-          <a:fillRef idx="0">
-            <a:schemeClr val="accent1"/>
-          </a:fillRef>
-          <a:effectRef idx="0">
-            <a:schemeClr val="accent1"/>
-          </a:effectRef>
-          <a:fontRef idx="minor">
-            <a:schemeClr val="tx1"/>
-          </a:fontRef>
-        </p:style>
-      </p:cxnSp>
-      <p:sp>
-        <p:nvSpPr>
-          <p:cNvPr id="15" name="ZoneTexte 14">
-            <a:extLst>
-              <a:ext uri="{FF2B5EF4-FFF2-40B4-BE49-F238E27FC236}">
-                <a16:creationId xmlns:a16="http://schemas.microsoft.com/office/drawing/2014/main" id="{CF01D545-7773-4379-BED0-2639C25D123E}"/>
-              </a:ext>
-            </a:extLst>
-          </p:cNvPr>
-          <p:cNvSpPr txBox="1"/>
-          <p:nvPr/>
-        </p:nvSpPr>
-        <p:spPr>
-          <a:xfrm>
-            <a:off x="8919327" y="3536752"/>
-            <a:ext cx="2705493" cy="923330"/>
-          </a:xfrm>
-          <a:prstGeom prst="rect">
-            <a:avLst/>
-          </a:prstGeom>
-          <a:noFill/>
-        </p:spPr>
-        <p:txBody>
-          <a:bodyPr wrap="square" rtlCol="0">
-            <a:spAutoFit/>
-          </a:bodyPr>
-          <a:lstStyle/>
-          <a:p>
-            <a:pPr algn="ctr"/>
-            <a:r>
-              <a:rPr lang="fr-FR" dirty="0"/>
-              <a:t>Nous contacte afin de lui proposer une solution adéquate à ses attentes</a:t>
-            </a:r>
+            <a:pPr marL="0" indent="0">
+              <a:buNone/>
+            </a:pPr>
+            <a:r>
+              <a:rPr lang="fr-FR" sz="3000" dirty="0">
+                <a:solidFill>
+                  <a:srgbClr val="FF0000"/>
+                </a:solidFill>
+              </a:rPr>
+              <a:t>Souhait : </a:t>
+            </a:r>
+            <a:r>
+              <a:rPr lang="fr-FR" sz="2200" dirty="0"/>
+              <a:t>Création d’un système d’information pour votre magasin BIO « Société PILAF »</a:t>
+            </a:r>
+          </a:p>
+          <a:p>
+            <a:pPr marL="0" indent="0">
+              <a:buNone/>
+            </a:pPr>
+            <a:endParaRPr lang="fr-FR" sz="2200" dirty="0"/>
+          </a:p>
+          <a:p>
+            <a:pPr>
+              <a:buFont typeface="Symbol" panose="05050102010706020507" pitchFamily="18" charset="2"/>
+              <a:buChar char="Þ"/>
+            </a:pPr>
+            <a:r>
+              <a:rPr lang="fr-FR" sz="2200" dirty="0"/>
+              <a:t>Simplification du travail pour les employés</a:t>
+            </a:r>
+          </a:p>
+          <a:p>
+            <a:pPr>
+              <a:buFont typeface="Symbol" panose="05050102010706020507" pitchFamily="18" charset="2"/>
+              <a:buChar char="Þ"/>
+            </a:pPr>
+            <a:r>
+              <a:rPr lang="fr-FR" sz="2200" dirty="0"/>
+              <a:t>Amélioration du suivi du stock</a:t>
+            </a:r>
+          </a:p>
+          <a:p>
+            <a:pPr>
+              <a:buFont typeface="Symbol" panose="05050102010706020507" pitchFamily="18" charset="2"/>
+              <a:buChar char="Þ"/>
+            </a:pPr>
+            <a:r>
+              <a:rPr lang="fr-FR" sz="2200" dirty="0"/>
+              <a:t>Amélioration de la communication intra-entreprise</a:t>
+            </a:r>
+          </a:p>
+          <a:p>
+            <a:pPr>
+              <a:buFont typeface="Symbol" panose="05050102010706020507" pitchFamily="18" charset="2"/>
+              <a:buChar char="Þ"/>
+            </a:pPr>
+            <a:r>
+              <a:rPr lang="fr-FR" sz="2200" dirty="0"/>
+              <a:t>Fluidification du passage en caisse</a:t>
+            </a:r>
+          </a:p>
+          <a:p>
+            <a:pPr>
+              <a:buFont typeface="Symbol" panose="05050102010706020507" pitchFamily="18" charset="2"/>
+              <a:buChar char="Þ"/>
+            </a:pPr>
+            <a:endParaRPr lang="fr-FR" sz="2200" dirty="0"/>
+          </a:p>
+          <a:p>
+            <a:pPr>
+              <a:buFont typeface="Symbol" panose="05050102010706020507" pitchFamily="18" charset="2"/>
+              <a:buChar char="Þ"/>
+            </a:pPr>
+            <a:endParaRPr lang="fr-FR" sz="2200" dirty="0"/>
+          </a:p>
+          <a:p>
+            <a:pPr>
+              <a:buFont typeface="Symbol" panose="05050102010706020507" pitchFamily="18" charset="2"/>
+              <a:buChar char="Þ"/>
+            </a:pPr>
+            <a:endParaRPr lang="fr-FR" sz="2200" dirty="0"/>
+          </a:p>
+          <a:p>
+            <a:pPr marL="0" indent="0">
+              <a:buNone/>
+            </a:pPr>
+            <a:endParaRPr lang="fr-FR" sz="2200" dirty="0"/>
+          </a:p>
+          <a:p>
+            <a:pPr marL="457200" lvl="1" indent="0">
+              <a:buNone/>
+            </a:pPr>
+            <a:endParaRPr lang="fr-FR" dirty="0"/>
+          </a:p>
+          <a:p>
+            <a:pPr marL="457200" lvl="1" indent="0">
+              <a:buNone/>
+            </a:pPr>
+            <a:endParaRPr lang="fr-FR" dirty="0"/>
+          </a:p>
+          <a:p>
+            <a:pPr lvl="1"/>
+            <a:endParaRPr lang="fr-FR" dirty="0"/>
           </a:p>
         </p:txBody>
       </p:sp>
@@ -4080,7 +3960,7 @@
           <p:cNvPr id="2" name="Titre 1">
             <a:extLst>
               <a:ext uri="{FF2B5EF4-FFF2-40B4-BE49-F238E27FC236}">
-                <a16:creationId xmlns:a16="http://schemas.microsoft.com/office/drawing/2014/main" id="{7F405C85-A1BB-4DFA-B353-687C6D3DB2DB}"/>
+                <a16:creationId xmlns:a16="http://schemas.microsoft.com/office/drawing/2014/main" id="{C69C88D2-3958-4BB6-8757-16F33B77E655}"/>
               </a:ext>
             </a:extLst>
           </p:cNvPr>
@@ -4098,8 +3978,8 @@
           <a:p>
             <a:pPr algn="ctr"/>
             <a:r>
-              <a:rPr lang="fr-FR" b="1" dirty="0"/>
-              <a:t>Notre ressenti vis-à-vis du sujet</a:t>
+              <a:rPr lang="fr-FR" dirty="0"/>
+              <a:t>Précision du projet</a:t>
             </a:r>
           </a:p>
         </p:txBody>
@@ -4109,7 +3989,7 @@
           <p:cNvPr id="3" name="Espace réservé du contenu 2">
             <a:extLst>
               <a:ext uri="{FF2B5EF4-FFF2-40B4-BE49-F238E27FC236}">
-                <a16:creationId xmlns:a16="http://schemas.microsoft.com/office/drawing/2014/main" id="{4DC45CAF-B3A2-4053-899E-2227279B0D7A}"/>
+                <a16:creationId xmlns:a16="http://schemas.microsoft.com/office/drawing/2014/main" id="{07415187-7011-456D-8777-14467B8A0598}"/>
               </a:ext>
             </a:extLst>
           </p:cNvPr>
@@ -4125,30 +4005,70 @@
           <a:bodyPr/>
           <a:lstStyle/>
           <a:p>
+            <a:pPr marL="0" indent="0">
+              <a:buNone/>
+            </a:pPr>
+            <a:r>
+              <a:rPr lang="fr-FR" b="1" i="1" dirty="0"/>
+              <a:t>Utilisations majeures de l’application : </a:t>
+            </a:r>
+            <a:endParaRPr lang="fr-FR" dirty="0"/>
+          </a:p>
+          <a:p>
+            <a:pPr>
+              <a:buFontTx/>
+              <a:buChar char="-"/>
+            </a:pPr>
             <a:r>
               <a:rPr lang="fr-FR" dirty="0"/>
-              <a:t>Sujet intéressant</a:t>
-            </a:r>
-          </a:p>
-          <a:p>
+              <a:t>Gestion des articles</a:t>
+            </a:r>
+          </a:p>
+          <a:p>
+            <a:pPr>
+              <a:buFontTx/>
+              <a:buChar char="-"/>
+            </a:pPr>
             <a:r>
               <a:rPr lang="fr-FR" dirty="0"/>
-              <a:t>Permet de se mettre dans l’optique d’un vrai projet</a:t>
-            </a:r>
-          </a:p>
-          <a:p>
+              <a:t>Gestion des clients</a:t>
+            </a:r>
+          </a:p>
+          <a:p>
+            <a:pPr>
+              <a:buFontTx/>
+              <a:buChar char="-"/>
+            </a:pPr>
             <a:r>
               <a:rPr lang="fr-FR" dirty="0"/>
-              <a:t>Permet de réfléchir aux fonctionnalités</a:t>
-            </a:r>
-          </a:p>
-          <a:p>
-            <a:endParaRPr lang="fr-FR" dirty="0"/>
-          </a:p>
-          <a:p>
-            <a:endParaRPr lang="fr-FR" dirty="0"/>
-          </a:p>
-          <a:p>
+              <a:t>Gestion des fournisseurs</a:t>
+            </a:r>
+          </a:p>
+          <a:p>
+            <a:pPr>
+              <a:buFontTx/>
+              <a:buChar char="-"/>
+            </a:pPr>
+            <a:r>
+              <a:rPr lang="fr-FR" dirty="0"/>
+              <a:t>Gestion des commandes</a:t>
+            </a:r>
+          </a:p>
+          <a:p>
+            <a:pPr>
+              <a:buFontTx/>
+              <a:buChar char="-"/>
+            </a:pPr>
+            <a:r>
+              <a:rPr lang="fr-FR" dirty="0"/>
+              <a:t>Gestion des horaires</a:t>
+            </a:r>
+          </a:p>
+          <a:p>
+            <a:pPr>
+              <a:buFontTx/>
+              <a:buChar char="-"/>
+            </a:pPr>
             <a:endParaRPr lang="fr-FR" dirty="0"/>
           </a:p>
         </p:txBody>
@@ -4156,7 +4076,1339 @@
     </p:spTree>
     <p:extLst>
       <p:ext uri="{BB962C8B-B14F-4D97-AF65-F5344CB8AC3E}">
-        <p14:creationId xmlns:p14="http://schemas.microsoft.com/office/powerpoint/2010/main" val="1588602172"/>
+        <p14:creationId xmlns:p14="http://schemas.microsoft.com/office/powerpoint/2010/main" val="3552503729"/>
+      </p:ext>
+    </p:extLst>
+  </p:cSld>
+  <p:clrMapOvr>
+    <a:masterClrMapping/>
+  </p:clrMapOvr>
+</p:sld>
+</file>
+
+<file path=ppt/slides/slide4.xml><?xml version="1.0" encoding="utf-8"?>
+<p:sld xmlns:a="http://schemas.openxmlformats.org/drawingml/2006/main" xmlns:r="http://schemas.openxmlformats.org/officeDocument/2006/relationships" xmlns:p="http://schemas.openxmlformats.org/presentationml/2006/main">
+  <p:cSld>
+    <p:bg>
+      <p:bgPr>
+        <a:solidFill>
+          <a:schemeClr val="bg1"/>
+        </a:solidFill>
+        <a:effectLst/>
+      </p:bgPr>
+    </p:bg>
+    <p:spTree>
+      <p:nvGrpSpPr>
+        <p:cNvPr id="1" name=""/>
+        <p:cNvGrpSpPr/>
+        <p:nvPr/>
+      </p:nvGrpSpPr>
+      <p:grpSpPr>
+        <a:xfrm>
+          <a:off x="0" y="0"/>
+          <a:ext cx="0" cy="0"/>
+          <a:chOff x="0" y="0"/>
+          <a:chExt cx="0" cy="0"/>
+        </a:xfrm>
+      </p:grpSpPr>
+      <p:sp>
+        <p:nvSpPr>
+          <p:cNvPr id="2" name="Titre 1">
+            <a:extLst>
+              <a:ext uri="{FF2B5EF4-FFF2-40B4-BE49-F238E27FC236}">
+                <a16:creationId xmlns:a16="http://schemas.microsoft.com/office/drawing/2014/main" id="{231BCB0E-4660-4AF1-B7EB-623BB675989B}"/>
+              </a:ext>
+            </a:extLst>
+          </p:cNvPr>
+          <p:cNvSpPr>
+            <a:spLocks noGrp="1"/>
+          </p:cNvSpPr>
+          <p:nvPr>
+            <p:ph type="title"/>
+          </p:nvPr>
+        </p:nvSpPr>
+        <p:spPr>
+          <a:xfrm>
+            <a:off x="838200" y="365125"/>
+            <a:ext cx="10515600" cy="1325563"/>
+          </a:xfrm>
+        </p:spPr>
+        <p:txBody>
+          <a:bodyPr>
+            <a:normAutofit/>
+          </a:bodyPr>
+          <a:lstStyle/>
+          <a:p>
+            <a:pPr algn="ctr"/>
+            <a:r>
+              <a:rPr lang="fr-FR" dirty="0"/>
+              <a:t>Notre solution en quelques mots…</a:t>
+            </a:r>
+            <a:endParaRPr lang="fr-FR"/>
+          </a:p>
+        </p:txBody>
+      </p:sp>
+      <p:grpSp>
+        <p:nvGrpSpPr>
+          <p:cNvPr id="6" name="Groupe 5">
+            <a:extLst>
+              <a:ext uri="{FF2B5EF4-FFF2-40B4-BE49-F238E27FC236}">
+                <a16:creationId xmlns:a16="http://schemas.microsoft.com/office/drawing/2014/main" id="{03092793-8ECD-4914-85B7-621942F094BF}"/>
+              </a:ext>
+            </a:extLst>
+          </p:cNvPr>
+          <p:cNvGrpSpPr/>
+          <p:nvPr/>
+        </p:nvGrpSpPr>
+        <p:grpSpPr>
+          <a:xfrm>
+            <a:off x="920813" y="2737859"/>
+            <a:ext cx="10350373" cy="2534425"/>
+            <a:chOff x="920813" y="2737859"/>
+            <a:chExt cx="10350373" cy="2534425"/>
+          </a:xfrm>
+        </p:grpSpPr>
+        <p:sp>
+          <p:nvSpPr>
+            <p:cNvPr id="7" name="Ellipse 6">
+              <a:extLst>
+                <a:ext uri="{FF2B5EF4-FFF2-40B4-BE49-F238E27FC236}">
+                  <a16:creationId xmlns:a16="http://schemas.microsoft.com/office/drawing/2014/main" id="{FE96F568-99C3-49CD-82D2-27DB87C30540}"/>
+                </a:ext>
+              </a:extLst>
+            </p:cNvPr>
+            <p:cNvSpPr/>
+            <p:nvPr/>
+          </p:nvSpPr>
+          <p:spPr>
+            <a:xfrm>
+              <a:off x="920813" y="2737859"/>
+              <a:ext cx="897246" cy="897246"/>
+            </a:xfrm>
+            <a:prstGeom prst="ellipse">
+              <a:avLst/>
+            </a:prstGeom>
+          </p:spPr>
+          <p:style>
+            <a:lnRef idx="0">
+              <a:schemeClr val="lt1">
+                <a:alpha val="0"/>
+                <a:hueOff val="0"/>
+                <a:satOff val="0"/>
+                <a:lumOff val="0"/>
+                <a:alphaOff val="0"/>
+              </a:schemeClr>
+            </a:lnRef>
+            <a:fillRef idx="1">
+              <a:schemeClr val="accent4">
+                <a:hueOff val="0"/>
+                <a:satOff val="0"/>
+                <a:lumOff val="0"/>
+                <a:alphaOff val="0"/>
+              </a:schemeClr>
+            </a:fillRef>
+            <a:effectRef idx="2">
+              <a:schemeClr val="accent4">
+                <a:hueOff val="0"/>
+                <a:satOff val="0"/>
+                <a:lumOff val="0"/>
+                <a:alphaOff val="0"/>
+              </a:schemeClr>
+            </a:effectRef>
+            <a:fontRef idx="minor"/>
+          </p:style>
+        </p:sp>
+        <p:sp>
+          <p:nvSpPr>
+            <p:cNvPr id="8" name="Rectangle 7" descr="Stopwatch">
+              <a:extLst>
+                <a:ext uri="{FF2B5EF4-FFF2-40B4-BE49-F238E27FC236}">
+                  <a16:creationId xmlns:a16="http://schemas.microsoft.com/office/drawing/2014/main" id="{B436A1F8-AF5A-406F-BC26-756957CC4522}"/>
+                </a:ext>
+              </a:extLst>
+            </p:cNvPr>
+            <p:cNvSpPr/>
+            <p:nvPr/>
+          </p:nvSpPr>
+          <p:spPr>
+            <a:xfrm>
+              <a:off x="1109234" y="2926281"/>
+              <a:ext cx="520402" cy="520402"/>
+            </a:xfrm>
+            <a:prstGeom prst="rect">
+              <a:avLst/>
+            </a:prstGeom>
+            <a:blipFill>
+              <a:blip r:embed="rId2">
+                <a:extLst>
+                  <a:ext uri="{28A0092B-C50C-407E-A947-70E740481C1C}">
+                    <a14:useLocalDpi xmlns:a14="http://schemas.microsoft.com/office/drawing/2010/main" val="0"/>
+                  </a:ext>
+                  <a:ext uri="{96DAC541-7B7A-43D3-8B79-37D633B846F1}">
+                    <asvg:svgBlip xmlns:asvg="http://schemas.microsoft.com/office/drawing/2016/SVG/main" r:embed="rId3"/>
+                  </a:ext>
+                </a:extLst>
+              </a:blip>
+              <a:stretch>
+                <a:fillRect/>
+              </a:stretch>
+            </a:blipFill>
+          </p:spPr>
+          <p:style>
+            <a:lnRef idx="0">
+              <a:schemeClr val="lt1">
+                <a:alpha val="0"/>
+                <a:hueOff val="0"/>
+                <a:satOff val="0"/>
+                <a:lumOff val="0"/>
+                <a:alphaOff val="0"/>
+              </a:schemeClr>
+            </a:lnRef>
+            <a:fillRef idx="3">
+              <a:scrgbClr r="0" g="0" b="0"/>
+            </a:fillRef>
+            <a:effectRef idx="2">
+              <a:schemeClr val="bg1">
+                <a:hueOff val="0"/>
+                <a:satOff val="0"/>
+                <a:lumOff val="0"/>
+                <a:alphaOff val="0"/>
+              </a:schemeClr>
+            </a:effectRef>
+            <a:fontRef idx="minor">
+              <a:schemeClr val="dk1">
+                <a:hueOff val="0"/>
+                <a:satOff val="0"/>
+                <a:lumOff val="0"/>
+                <a:alphaOff val="0"/>
+              </a:schemeClr>
+            </a:fontRef>
+          </p:style>
+        </p:sp>
+        <p:sp>
+          <p:nvSpPr>
+            <p:cNvPr id="9" name="Forme libre : forme 8">
+              <a:extLst>
+                <a:ext uri="{FF2B5EF4-FFF2-40B4-BE49-F238E27FC236}">
+                  <a16:creationId xmlns:a16="http://schemas.microsoft.com/office/drawing/2014/main" id="{CE87E704-95E4-48F6-AFC3-ABF1A98A3EC1}"/>
+                </a:ext>
+              </a:extLst>
+            </p:cNvPr>
+            <p:cNvSpPr/>
+            <p:nvPr/>
+          </p:nvSpPr>
+          <p:spPr>
+            <a:xfrm>
+              <a:off x="2010326" y="2737859"/>
+              <a:ext cx="2114937" cy="897246"/>
+            </a:xfrm>
+            <a:custGeom>
+              <a:avLst/>
+              <a:gdLst>
+                <a:gd name="connsiteX0" fmla="*/ 0 w 2114937"/>
+                <a:gd name="connsiteY0" fmla="*/ 0 h 897246"/>
+                <a:gd name="connsiteX1" fmla="*/ 2114937 w 2114937"/>
+                <a:gd name="connsiteY1" fmla="*/ 0 h 897246"/>
+                <a:gd name="connsiteX2" fmla="*/ 2114937 w 2114937"/>
+                <a:gd name="connsiteY2" fmla="*/ 897246 h 897246"/>
+                <a:gd name="connsiteX3" fmla="*/ 0 w 2114937"/>
+                <a:gd name="connsiteY3" fmla="*/ 897246 h 897246"/>
+                <a:gd name="connsiteX4" fmla="*/ 0 w 2114937"/>
+                <a:gd name="connsiteY4" fmla="*/ 0 h 897246"/>
+              </a:gdLst>
+              <a:ahLst/>
+              <a:cxnLst>
+                <a:cxn ang="0">
+                  <a:pos x="connsiteX0" y="connsiteY0"/>
+                </a:cxn>
+                <a:cxn ang="0">
+                  <a:pos x="connsiteX1" y="connsiteY1"/>
+                </a:cxn>
+                <a:cxn ang="0">
+                  <a:pos x="connsiteX2" y="connsiteY2"/>
+                </a:cxn>
+                <a:cxn ang="0">
+                  <a:pos x="connsiteX3" y="connsiteY3"/>
+                </a:cxn>
+                <a:cxn ang="0">
+                  <a:pos x="connsiteX4" y="connsiteY4"/>
+                </a:cxn>
+              </a:cxnLst>
+              <a:rect l="l" t="t" r="r" b="b"/>
+              <a:pathLst>
+                <a:path w="2114937" h="897246">
+                  <a:moveTo>
+                    <a:pt x="0" y="0"/>
+                  </a:moveTo>
+                  <a:lnTo>
+                    <a:pt x="2114937" y="0"/>
+                  </a:lnTo>
+                  <a:lnTo>
+                    <a:pt x="2114937" y="897246"/>
+                  </a:lnTo>
+                  <a:lnTo>
+                    <a:pt x="0" y="897246"/>
+                  </a:lnTo>
+                  <a:lnTo>
+                    <a:pt x="0" y="0"/>
+                  </a:lnTo>
+                  <a:close/>
+                </a:path>
+              </a:pathLst>
+            </a:custGeom>
+          </p:spPr>
+          <p:style>
+            <a:lnRef idx="0">
+              <a:schemeClr val="dk1">
+                <a:alpha val="0"/>
+                <a:hueOff val="0"/>
+                <a:satOff val="0"/>
+                <a:lumOff val="0"/>
+                <a:alphaOff val="0"/>
+              </a:schemeClr>
+            </a:lnRef>
+            <a:fillRef idx="0">
+              <a:schemeClr val="lt1">
+                <a:alpha val="0"/>
+                <a:hueOff val="0"/>
+                <a:satOff val="0"/>
+                <a:lumOff val="0"/>
+                <a:alphaOff val="0"/>
+              </a:schemeClr>
+            </a:fillRef>
+            <a:effectRef idx="0">
+              <a:schemeClr val="lt1">
+                <a:alpha val="0"/>
+                <a:hueOff val="0"/>
+                <a:satOff val="0"/>
+                <a:lumOff val="0"/>
+                <a:alphaOff val="0"/>
+              </a:schemeClr>
+            </a:effectRef>
+            <a:fontRef idx="minor">
+              <a:schemeClr val="tx1">
+                <a:hueOff val="0"/>
+                <a:satOff val="0"/>
+                <a:lumOff val="0"/>
+                <a:alphaOff val="0"/>
+              </a:schemeClr>
+            </a:fontRef>
+          </p:style>
+          <p:txBody>
+            <a:bodyPr spcFirstLastPara="0" vert="horz" wrap="square" lIns="0" tIns="0" rIns="0" bIns="0" numCol="1" spcCol="1270" anchor="ctr" anchorCtr="0">
+              <a:noAutofit/>
+            </a:bodyPr>
+            <a:lstStyle/>
+            <a:p>
+              <a:pPr marL="0" lvl="0" indent="0" algn="l" defTabSz="1066800">
+                <a:lnSpc>
+                  <a:spcPct val="100000"/>
+                </a:lnSpc>
+                <a:spcBef>
+                  <a:spcPct val="0"/>
+                </a:spcBef>
+                <a:spcAft>
+                  <a:spcPct val="35000"/>
+                </a:spcAft>
+                <a:buNone/>
+              </a:pPr>
+              <a:r>
+                <a:rPr lang="fr-FR" sz="2400" kern="1200" dirty="0"/>
+                <a:t>Efficace</a:t>
+              </a:r>
+            </a:p>
+          </p:txBody>
+        </p:sp>
+        <p:sp>
+          <p:nvSpPr>
+            <p:cNvPr id="10" name="Ellipse 9">
+              <a:extLst>
+                <a:ext uri="{FF2B5EF4-FFF2-40B4-BE49-F238E27FC236}">
+                  <a16:creationId xmlns:a16="http://schemas.microsoft.com/office/drawing/2014/main" id="{4E38492B-B33E-4115-B8C4-17D9085FC3E9}"/>
+                </a:ext>
+              </a:extLst>
+            </p:cNvPr>
+            <p:cNvSpPr/>
+            <p:nvPr/>
+          </p:nvSpPr>
+          <p:spPr>
+            <a:xfrm>
+              <a:off x="4493775" y="2737859"/>
+              <a:ext cx="897246" cy="897246"/>
+            </a:xfrm>
+            <a:prstGeom prst="ellipse">
+              <a:avLst/>
+            </a:prstGeom>
+          </p:spPr>
+          <p:style>
+            <a:lnRef idx="0">
+              <a:schemeClr val="lt1">
+                <a:alpha val="0"/>
+                <a:hueOff val="0"/>
+                <a:satOff val="0"/>
+                <a:lumOff val="0"/>
+                <a:alphaOff val="0"/>
+              </a:schemeClr>
+            </a:lnRef>
+            <a:fillRef idx="1">
+              <a:schemeClr val="accent4">
+                <a:hueOff val="0"/>
+                <a:satOff val="0"/>
+                <a:lumOff val="0"/>
+                <a:alphaOff val="0"/>
+              </a:schemeClr>
+            </a:fillRef>
+            <a:effectRef idx="2">
+              <a:schemeClr val="accent4">
+                <a:hueOff val="0"/>
+                <a:satOff val="0"/>
+                <a:lumOff val="0"/>
+                <a:alphaOff val="0"/>
+              </a:schemeClr>
+            </a:effectRef>
+            <a:fontRef idx="minor"/>
+          </p:style>
+        </p:sp>
+        <p:sp>
+          <p:nvSpPr>
+            <p:cNvPr id="11" name="Rectangle 10" descr="Head with Gears">
+              <a:extLst>
+                <a:ext uri="{FF2B5EF4-FFF2-40B4-BE49-F238E27FC236}">
+                  <a16:creationId xmlns:a16="http://schemas.microsoft.com/office/drawing/2014/main" id="{7824F1D9-18A5-4261-9352-F216427735D1}"/>
+                </a:ext>
+              </a:extLst>
+            </p:cNvPr>
+            <p:cNvSpPr/>
+            <p:nvPr/>
+          </p:nvSpPr>
+          <p:spPr>
+            <a:xfrm>
+              <a:off x="4682196" y="2926281"/>
+              <a:ext cx="520402" cy="520402"/>
+            </a:xfrm>
+            <a:prstGeom prst="rect">
+              <a:avLst/>
+            </a:prstGeom>
+            <a:blipFill>
+              <a:blip r:embed="rId4">
+                <a:extLst>
+                  <a:ext uri="{28A0092B-C50C-407E-A947-70E740481C1C}">
+                    <a14:useLocalDpi xmlns:a14="http://schemas.microsoft.com/office/drawing/2010/main" val="0"/>
+                  </a:ext>
+                  <a:ext uri="{96DAC541-7B7A-43D3-8B79-37D633B846F1}">
+                    <asvg:svgBlip xmlns:asvg="http://schemas.microsoft.com/office/drawing/2016/SVG/main" r:embed="rId5"/>
+                  </a:ext>
+                </a:extLst>
+              </a:blip>
+              <a:stretch>
+                <a:fillRect/>
+              </a:stretch>
+            </a:blipFill>
+          </p:spPr>
+          <p:style>
+            <a:lnRef idx="0">
+              <a:schemeClr val="lt1">
+                <a:alpha val="0"/>
+                <a:hueOff val="0"/>
+                <a:satOff val="0"/>
+                <a:lumOff val="0"/>
+                <a:alphaOff val="0"/>
+              </a:schemeClr>
+            </a:lnRef>
+            <a:fillRef idx="3">
+              <a:scrgbClr r="0" g="0" b="0"/>
+            </a:fillRef>
+            <a:effectRef idx="2">
+              <a:schemeClr val="bg1">
+                <a:hueOff val="0"/>
+                <a:satOff val="0"/>
+                <a:lumOff val="0"/>
+                <a:alphaOff val="0"/>
+              </a:schemeClr>
+            </a:effectRef>
+            <a:fontRef idx="minor">
+              <a:schemeClr val="dk1">
+                <a:hueOff val="0"/>
+                <a:satOff val="0"/>
+                <a:lumOff val="0"/>
+                <a:alphaOff val="0"/>
+              </a:schemeClr>
+            </a:fontRef>
+          </p:style>
+        </p:sp>
+        <p:sp>
+          <p:nvSpPr>
+            <p:cNvPr id="12" name="Forme libre : forme 11">
+              <a:extLst>
+                <a:ext uri="{FF2B5EF4-FFF2-40B4-BE49-F238E27FC236}">
+                  <a16:creationId xmlns:a16="http://schemas.microsoft.com/office/drawing/2014/main" id="{78C2B517-7378-41A8-9EC6-01CAE1E6819B}"/>
+                </a:ext>
+              </a:extLst>
+            </p:cNvPr>
+            <p:cNvSpPr/>
+            <p:nvPr/>
+          </p:nvSpPr>
+          <p:spPr>
+            <a:xfrm>
+              <a:off x="5583288" y="2737859"/>
+              <a:ext cx="2114937" cy="897246"/>
+            </a:xfrm>
+            <a:custGeom>
+              <a:avLst/>
+              <a:gdLst>
+                <a:gd name="connsiteX0" fmla="*/ 0 w 2114937"/>
+                <a:gd name="connsiteY0" fmla="*/ 0 h 897246"/>
+                <a:gd name="connsiteX1" fmla="*/ 2114937 w 2114937"/>
+                <a:gd name="connsiteY1" fmla="*/ 0 h 897246"/>
+                <a:gd name="connsiteX2" fmla="*/ 2114937 w 2114937"/>
+                <a:gd name="connsiteY2" fmla="*/ 897246 h 897246"/>
+                <a:gd name="connsiteX3" fmla="*/ 0 w 2114937"/>
+                <a:gd name="connsiteY3" fmla="*/ 897246 h 897246"/>
+                <a:gd name="connsiteX4" fmla="*/ 0 w 2114937"/>
+                <a:gd name="connsiteY4" fmla="*/ 0 h 897246"/>
+              </a:gdLst>
+              <a:ahLst/>
+              <a:cxnLst>
+                <a:cxn ang="0">
+                  <a:pos x="connsiteX0" y="connsiteY0"/>
+                </a:cxn>
+                <a:cxn ang="0">
+                  <a:pos x="connsiteX1" y="connsiteY1"/>
+                </a:cxn>
+                <a:cxn ang="0">
+                  <a:pos x="connsiteX2" y="connsiteY2"/>
+                </a:cxn>
+                <a:cxn ang="0">
+                  <a:pos x="connsiteX3" y="connsiteY3"/>
+                </a:cxn>
+                <a:cxn ang="0">
+                  <a:pos x="connsiteX4" y="connsiteY4"/>
+                </a:cxn>
+              </a:cxnLst>
+              <a:rect l="l" t="t" r="r" b="b"/>
+              <a:pathLst>
+                <a:path w="2114937" h="897246">
+                  <a:moveTo>
+                    <a:pt x="0" y="0"/>
+                  </a:moveTo>
+                  <a:lnTo>
+                    <a:pt x="2114937" y="0"/>
+                  </a:lnTo>
+                  <a:lnTo>
+                    <a:pt x="2114937" y="897246"/>
+                  </a:lnTo>
+                  <a:lnTo>
+                    <a:pt x="0" y="897246"/>
+                  </a:lnTo>
+                  <a:lnTo>
+                    <a:pt x="0" y="0"/>
+                  </a:lnTo>
+                  <a:close/>
+                </a:path>
+              </a:pathLst>
+            </a:custGeom>
+          </p:spPr>
+          <p:style>
+            <a:lnRef idx="0">
+              <a:schemeClr val="dk1">
+                <a:alpha val="0"/>
+                <a:hueOff val="0"/>
+                <a:satOff val="0"/>
+                <a:lumOff val="0"/>
+                <a:alphaOff val="0"/>
+              </a:schemeClr>
+            </a:lnRef>
+            <a:fillRef idx="0">
+              <a:schemeClr val="lt1">
+                <a:alpha val="0"/>
+                <a:hueOff val="0"/>
+                <a:satOff val="0"/>
+                <a:lumOff val="0"/>
+                <a:alphaOff val="0"/>
+              </a:schemeClr>
+            </a:fillRef>
+            <a:effectRef idx="0">
+              <a:schemeClr val="lt1">
+                <a:alpha val="0"/>
+                <a:hueOff val="0"/>
+                <a:satOff val="0"/>
+                <a:lumOff val="0"/>
+                <a:alphaOff val="0"/>
+              </a:schemeClr>
+            </a:effectRef>
+            <a:fontRef idx="minor">
+              <a:schemeClr val="tx1">
+                <a:hueOff val="0"/>
+                <a:satOff val="0"/>
+                <a:lumOff val="0"/>
+                <a:alphaOff val="0"/>
+              </a:schemeClr>
+            </a:fontRef>
+          </p:style>
+          <p:txBody>
+            <a:bodyPr spcFirstLastPara="0" vert="horz" wrap="square" lIns="0" tIns="0" rIns="0" bIns="0" numCol="1" spcCol="1270" anchor="ctr" anchorCtr="0">
+              <a:noAutofit/>
+            </a:bodyPr>
+            <a:lstStyle/>
+            <a:p>
+              <a:pPr marL="0" lvl="0" indent="0" algn="l" defTabSz="1066800">
+                <a:lnSpc>
+                  <a:spcPct val="100000"/>
+                </a:lnSpc>
+                <a:spcBef>
+                  <a:spcPct val="0"/>
+                </a:spcBef>
+                <a:spcAft>
+                  <a:spcPct val="35000"/>
+                </a:spcAft>
+                <a:buNone/>
+              </a:pPr>
+              <a:r>
+                <a:rPr lang="fr-FR" sz="2400" kern="1200" dirty="0"/>
+                <a:t>Intuitif</a:t>
+              </a:r>
+            </a:p>
+          </p:txBody>
+        </p:sp>
+        <p:sp>
+          <p:nvSpPr>
+            <p:cNvPr id="13" name="Ellipse 12">
+              <a:extLst>
+                <a:ext uri="{FF2B5EF4-FFF2-40B4-BE49-F238E27FC236}">
+                  <a16:creationId xmlns:a16="http://schemas.microsoft.com/office/drawing/2014/main" id="{49A816FA-EA34-412F-893C-4FA4F5DBDC03}"/>
+                </a:ext>
+              </a:extLst>
+            </p:cNvPr>
+            <p:cNvSpPr/>
+            <p:nvPr/>
+          </p:nvSpPr>
+          <p:spPr>
+            <a:xfrm>
+              <a:off x="8066736" y="2737859"/>
+              <a:ext cx="897246" cy="897246"/>
+            </a:xfrm>
+            <a:prstGeom prst="ellipse">
+              <a:avLst/>
+            </a:prstGeom>
+          </p:spPr>
+          <p:style>
+            <a:lnRef idx="0">
+              <a:schemeClr val="lt1">
+                <a:alpha val="0"/>
+                <a:hueOff val="0"/>
+                <a:satOff val="0"/>
+                <a:lumOff val="0"/>
+                <a:alphaOff val="0"/>
+              </a:schemeClr>
+            </a:lnRef>
+            <a:fillRef idx="1">
+              <a:schemeClr val="accent4">
+                <a:hueOff val="0"/>
+                <a:satOff val="0"/>
+                <a:lumOff val="0"/>
+                <a:alphaOff val="0"/>
+              </a:schemeClr>
+            </a:fillRef>
+            <a:effectRef idx="2">
+              <a:schemeClr val="accent4">
+                <a:hueOff val="0"/>
+                <a:satOff val="0"/>
+                <a:lumOff val="0"/>
+                <a:alphaOff val="0"/>
+              </a:schemeClr>
+            </a:effectRef>
+            <a:fontRef idx="minor"/>
+          </p:style>
+        </p:sp>
+        <p:sp>
+          <p:nvSpPr>
+            <p:cNvPr id="14" name="Rectangle 13" descr="Tools">
+              <a:extLst>
+                <a:ext uri="{FF2B5EF4-FFF2-40B4-BE49-F238E27FC236}">
+                  <a16:creationId xmlns:a16="http://schemas.microsoft.com/office/drawing/2014/main" id="{5A589A0B-0CE6-42D3-B1CA-E46F7B44992F}"/>
+                </a:ext>
+              </a:extLst>
+            </p:cNvPr>
+            <p:cNvSpPr/>
+            <p:nvPr/>
+          </p:nvSpPr>
+          <p:spPr>
+            <a:xfrm>
+              <a:off x="8255158" y="2926281"/>
+              <a:ext cx="520402" cy="520402"/>
+            </a:xfrm>
+            <a:prstGeom prst="rect">
+              <a:avLst/>
+            </a:prstGeom>
+            <a:blipFill>
+              <a:blip r:embed="rId6">
+                <a:extLst>
+                  <a:ext uri="{28A0092B-C50C-407E-A947-70E740481C1C}">
+                    <a14:useLocalDpi xmlns:a14="http://schemas.microsoft.com/office/drawing/2010/main" val="0"/>
+                  </a:ext>
+                  <a:ext uri="{96DAC541-7B7A-43D3-8B79-37D633B846F1}">
+                    <asvg:svgBlip xmlns:asvg="http://schemas.microsoft.com/office/drawing/2016/SVG/main" r:embed="rId7"/>
+                  </a:ext>
+                </a:extLst>
+              </a:blip>
+              <a:stretch>
+                <a:fillRect/>
+              </a:stretch>
+            </a:blipFill>
+          </p:spPr>
+          <p:style>
+            <a:lnRef idx="0">
+              <a:schemeClr val="lt1">
+                <a:alpha val="0"/>
+                <a:hueOff val="0"/>
+                <a:satOff val="0"/>
+                <a:lumOff val="0"/>
+                <a:alphaOff val="0"/>
+              </a:schemeClr>
+            </a:lnRef>
+            <a:fillRef idx="3">
+              <a:scrgbClr r="0" g="0" b="0"/>
+            </a:fillRef>
+            <a:effectRef idx="2">
+              <a:schemeClr val="bg1">
+                <a:hueOff val="0"/>
+                <a:satOff val="0"/>
+                <a:lumOff val="0"/>
+                <a:alphaOff val="0"/>
+              </a:schemeClr>
+            </a:effectRef>
+            <a:fontRef idx="minor">
+              <a:schemeClr val="dk1">
+                <a:hueOff val="0"/>
+                <a:satOff val="0"/>
+                <a:lumOff val="0"/>
+                <a:alphaOff val="0"/>
+              </a:schemeClr>
+            </a:fontRef>
+          </p:style>
+        </p:sp>
+        <p:sp>
+          <p:nvSpPr>
+            <p:cNvPr id="15" name="Forme libre : forme 14">
+              <a:extLst>
+                <a:ext uri="{FF2B5EF4-FFF2-40B4-BE49-F238E27FC236}">
+                  <a16:creationId xmlns:a16="http://schemas.microsoft.com/office/drawing/2014/main" id="{03F86283-9D26-4333-88E2-BFE2832A0D23}"/>
+                </a:ext>
+              </a:extLst>
+            </p:cNvPr>
+            <p:cNvSpPr/>
+            <p:nvPr/>
+          </p:nvSpPr>
+          <p:spPr>
+            <a:xfrm>
+              <a:off x="9156249" y="2737859"/>
+              <a:ext cx="2114937" cy="897246"/>
+            </a:xfrm>
+            <a:custGeom>
+              <a:avLst/>
+              <a:gdLst>
+                <a:gd name="connsiteX0" fmla="*/ 0 w 2114937"/>
+                <a:gd name="connsiteY0" fmla="*/ 0 h 897246"/>
+                <a:gd name="connsiteX1" fmla="*/ 2114937 w 2114937"/>
+                <a:gd name="connsiteY1" fmla="*/ 0 h 897246"/>
+                <a:gd name="connsiteX2" fmla="*/ 2114937 w 2114937"/>
+                <a:gd name="connsiteY2" fmla="*/ 897246 h 897246"/>
+                <a:gd name="connsiteX3" fmla="*/ 0 w 2114937"/>
+                <a:gd name="connsiteY3" fmla="*/ 897246 h 897246"/>
+                <a:gd name="connsiteX4" fmla="*/ 0 w 2114937"/>
+                <a:gd name="connsiteY4" fmla="*/ 0 h 897246"/>
+              </a:gdLst>
+              <a:ahLst/>
+              <a:cxnLst>
+                <a:cxn ang="0">
+                  <a:pos x="connsiteX0" y="connsiteY0"/>
+                </a:cxn>
+                <a:cxn ang="0">
+                  <a:pos x="connsiteX1" y="connsiteY1"/>
+                </a:cxn>
+                <a:cxn ang="0">
+                  <a:pos x="connsiteX2" y="connsiteY2"/>
+                </a:cxn>
+                <a:cxn ang="0">
+                  <a:pos x="connsiteX3" y="connsiteY3"/>
+                </a:cxn>
+                <a:cxn ang="0">
+                  <a:pos x="connsiteX4" y="connsiteY4"/>
+                </a:cxn>
+              </a:cxnLst>
+              <a:rect l="l" t="t" r="r" b="b"/>
+              <a:pathLst>
+                <a:path w="2114937" h="897246">
+                  <a:moveTo>
+                    <a:pt x="0" y="0"/>
+                  </a:moveTo>
+                  <a:lnTo>
+                    <a:pt x="2114937" y="0"/>
+                  </a:lnTo>
+                  <a:lnTo>
+                    <a:pt x="2114937" y="897246"/>
+                  </a:lnTo>
+                  <a:lnTo>
+                    <a:pt x="0" y="897246"/>
+                  </a:lnTo>
+                  <a:lnTo>
+                    <a:pt x="0" y="0"/>
+                  </a:lnTo>
+                  <a:close/>
+                </a:path>
+              </a:pathLst>
+            </a:custGeom>
+          </p:spPr>
+          <p:style>
+            <a:lnRef idx="0">
+              <a:schemeClr val="dk1">
+                <a:alpha val="0"/>
+                <a:hueOff val="0"/>
+                <a:satOff val="0"/>
+                <a:lumOff val="0"/>
+                <a:alphaOff val="0"/>
+              </a:schemeClr>
+            </a:lnRef>
+            <a:fillRef idx="0">
+              <a:schemeClr val="lt1">
+                <a:alpha val="0"/>
+                <a:hueOff val="0"/>
+                <a:satOff val="0"/>
+                <a:lumOff val="0"/>
+                <a:alphaOff val="0"/>
+              </a:schemeClr>
+            </a:fillRef>
+            <a:effectRef idx="0">
+              <a:schemeClr val="lt1">
+                <a:alpha val="0"/>
+                <a:hueOff val="0"/>
+                <a:satOff val="0"/>
+                <a:lumOff val="0"/>
+                <a:alphaOff val="0"/>
+              </a:schemeClr>
+            </a:effectRef>
+            <a:fontRef idx="minor">
+              <a:schemeClr val="tx1">
+                <a:hueOff val="0"/>
+                <a:satOff val="0"/>
+                <a:lumOff val="0"/>
+                <a:alphaOff val="0"/>
+              </a:schemeClr>
+            </a:fontRef>
+          </p:style>
+          <p:txBody>
+            <a:bodyPr spcFirstLastPara="0" vert="horz" wrap="square" lIns="0" tIns="0" rIns="0" bIns="0" numCol="1" spcCol="1270" anchor="ctr" anchorCtr="0">
+              <a:noAutofit/>
+            </a:bodyPr>
+            <a:lstStyle/>
+            <a:p>
+              <a:pPr marL="0" lvl="0" indent="0" algn="l" defTabSz="1066800">
+                <a:lnSpc>
+                  <a:spcPct val="100000"/>
+                </a:lnSpc>
+                <a:spcBef>
+                  <a:spcPct val="0"/>
+                </a:spcBef>
+                <a:spcAft>
+                  <a:spcPct val="35000"/>
+                </a:spcAft>
+                <a:buNone/>
+              </a:pPr>
+              <a:r>
+                <a:rPr lang="fr-FR" sz="2400" kern="1200" dirty="0"/>
+                <a:t>Outil d’aide</a:t>
+              </a:r>
+            </a:p>
+          </p:txBody>
+        </p:sp>
+        <p:sp>
+          <p:nvSpPr>
+            <p:cNvPr id="16" name="Ellipse 15">
+              <a:extLst>
+                <a:ext uri="{FF2B5EF4-FFF2-40B4-BE49-F238E27FC236}">
+                  <a16:creationId xmlns:a16="http://schemas.microsoft.com/office/drawing/2014/main" id="{2D1A3A6D-7C58-4C48-9362-2FDF21E35E1B}"/>
+                </a:ext>
+              </a:extLst>
+            </p:cNvPr>
+            <p:cNvSpPr/>
+            <p:nvPr/>
+          </p:nvSpPr>
+          <p:spPr>
+            <a:xfrm>
+              <a:off x="920813" y="4375038"/>
+              <a:ext cx="897246" cy="897246"/>
+            </a:xfrm>
+            <a:prstGeom prst="ellipse">
+              <a:avLst/>
+            </a:prstGeom>
+          </p:spPr>
+          <p:style>
+            <a:lnRef idx="0">
+              <a:schemeClr val="lt1">
+                <a:alpha val="0"/>
+                <a:hueOff val="0"/>
+                <a:satOff val="0"/>
+                <a:lumOff val="0"/>
+                <a:alphaOff val="0"/>
+              </a:schemeClr>
+            </a:lnRef>
+            <a:fillRef idx="1">
+              <a:schemeClr val="accent4">
+                <a:hueOff val="0"/>
+                <a:satOff val="0"/>
+                <a:lumOff val="0"/>
+                <a:alphaOff val="0"/>
+              </a:schemeClr>
+            </a:fillRef>
+            <a:effectRef idx="2">
+              <a:schemeClr val="accent4">
+                <a:hueOff val="0"/>
+                <a:satOff val="0"/>
+                <a:lumOff val="0"/>
+                <a:alphaOff val="0"/>
+              </a:schemeClr>
+            </a:effectRef>
+            <a:fontRef idx="minor"/>
+          </p:style>
+        </p:sp>
+        <p:sp>
+          <p:nvSpPr>
+            <p:cNvPr id="17" name="Rectangle 16">
+              <a:extLst>
+                <a:ext uri="{FF2B5EF4-FFF2-40B4-BE49-F238E27FC236}">
+                  <a16:creationId xmlns:a16="http://schemas.microsoft.com/office/drawing/2014/main" id="{7DFED9F3-B753-4483-ABDC-81767B243AB8}"/>
+                </a:ext>
+              </a:extLst>
+            </p:cNvPr>
+            <p:cNvSpPr/>
+            <p:nvPr/>
+          </p:nvSpPr>
+          <p:spPr>
+            <a:xfrm>
+              <a:off x="1109234" y="4563459"/>
+              <a:ext cx="520402" cy="520402"/>
+            </a:xfrm>
+            <a:prstGeom prst="rect">
+              <a:avLst/>
+            </a:prstGeom>
+          </p:spPr>
+          <p:style>
+            <a:lnRef idx="0">
+              <a:schemeClr val="lt1">
+                <a:alpha val="0"/>
+                <a:hueOff val="0"/>
+                <a:satOff val="0"/>
+                <a:lumOff val="0"/>
+                <a:alphaOff val="0"/>
+              </a:schemeClr>
+            </a:lnRef>
+            <a:fillRef idx="3">
+              <a:schemeClr val="bg1">
+                <a:hueOff val="0"/>
+                <a:satOff val="0"/>
+                <a:lumOff val="0"/>
+                <a:alphaOff val="0"/>
+              </a:schemeClr>
+            </a:fillRef>
+            <a:effectRef idx="2">
+              <a:schemeClr val="bg1">
+                <a:hueOff val="0"/>
+                <a:satOff val="0"/>
+                <a:lumOff val="0"/>
+                <a:alphaOff val="0"/>
+              </a:schemeClr>
+            </a:effectRef>
+            <a:fontRef idx="minor">
+              <a:schemeClr val="dk1">
+                <a:hueOff val="0"/>
+                <a:satOff val="0"/>
+                <a:lumOff val="0"/>
+                <a:alphaOff val="0"/>
+              </a:schemeClr>
+            </a:fontRef>
+          </p:style>
+        </p:sp>
+        <p:sp>
+          <p:nvSpPr>
+            <p:cNvPr id="18" name="Forme libre : forme 17">
+              <a:extLst>
+                <a:ext uri="{FF2B5EF4-FFF2-40B4-BE49-F238E27FC236}">
+                  <a16:creationId xmlns:a16="http://schemas.microsoft.com/office/drawing/2014/main" id="{7FFB11DE-9C86-4D47-A94E-FC6A9180DBDE}"/>
+                </a:ext>
+              </a:extLst>
+            </p:cNvPr>
+            <p:cNvSpPr/>
+            <p:nvPr/>
+          </p:nvSpPr>
+          <p:spPr>
+            <a:xfrm>
+              <a:off x="2010326" y="4375038"/>
+              <a:ext cx="2114937" cy="897246"/>
+            </a:xfrm>
+            <a:custGeom>
+              <a:avLst/>
+              <a:gdLst>
+                <a:gd name="connsiteX0" fmla="*/ 0 w 2114937"/>
+                <a:gd name="connsiteY0" fmla="*/ 0 h 897246"/>
+                <a:gd name="connsiteX1" fmla="*/ 2114937 w 2114937"/>
+                <a:gd name="connsiteY1" fmla="*/ 0 h 897246"/>
+                <a:gd name="connsiteX2" fmla="*/ 2114937 w 2114937"/>
+                <a:gd name="connsiteY2" fmla="*/ 897246 h 897246"/>
+                <a:gd name="connsiteX3" fmla="*/ 0 w 2114937"/>
+                <a:gd name="connsiteY3" fmla="*/ 897246 h 897246"/>
+                <a:gd name="connsiteX4" fmla="*/ 0 w 2114937"/>
+                <a:gd name="connsiteY4" fmla="*/ 0 h 897246"/>
+              </a:gdLst>
+              <a:ahLst/>
+              <a:cxnLst>
+                <a:cxn ang="0">
+                  <a:pos x="connsiteX0" y="connsiteY0"/>
+                </a:cxn>
+                <a:cxn ang="0">
+                  <a:pos x="connsiteX1" y="connsiteY1"/>
+                </a:cxn>
+                <a:cxn ang="0">
+                  <a:pos x="connsiteX2" y="connsiteY2"/>
+                </a:cxn>
+                <a:cxn ang="0">
+                  <a:pos x="connsiteX3" y="connsiteY3"/>
+                </a:cxn>
+                <a:cxn ang="0">
+                  <a:pos x="connsiteX4" y="connsiteY4"/>
+                </a:cxn>
+              </a:cxnLst>
+              <a:rect l="l" t="t" r="r" b="b"/>
+              <a:pathLst>
+                <a:path w="2114937" h="897246">
+                  <a:moveTo>
+                    <a:pt x="0" y="0"/>
+                  </a:moveTo>
+                  <a:lnTo>
+                    <a:pt x="2114937" y="0"/>
+                  </a:lnTo>
+                  <a:lnTo>
+                    <a:pt x="2114937" y="897246"/>
+                  </a:lnTo>
+                  <a:lnTo>
+                    <a:pt x="0" y="897246"/>
+                  </a:lnTo>
+                  <a:lnTo>
+                    <a:pt x="0" y="0"/>
+                  </a:lnTo>
+                  <a:close/>
+                </a:path>
+              </a:pathLst>
+            </a:custGeom>
+          </p:spPr>
+          <p:style>
+            <a:lnRef idx="0">
+              <a:schemeClr val="dk1">
+                <a:alpha val="0"/>
+                <a:hueOff val="0"/>
+                <a:satOff val="0"/>
+                <a:lumOff val="0"/>
+                <a:alphaOff val="0"/>
+              </a:schemeClr>
+            </a:lnRef>
+            <a:fillRef idx="0">
+              <a:schemeClr val="lt1">
+                <a:alpha val="0"/>
+                <a:hueOff val="0"/>
+                <a:satOff val="0"/>
+                <a:lumOff val="0"/>
+                <a:alphaOff val="0"/>
+              </a:schemeClr>
+            </a:fillRef>
+            <a:effectRef idx="0">
+              <a:schemeClr val="lt1">
+                <a:alpha val="0"/>
+                <a:hueOff val="0"/>
+                <a:satOff val="0"/>
+                <a:lumOff val="0"/>
+                <a:alphaOff val="0"/>
+              </a:schemeClr>
+            </a:effectRef>
+            <a:fontRef idx="minor">
+              <a:schemeClr val="tx1">
+                <a:hueOff val="0"/>
+                <a:satOff val="0"/>
+                <a:lumOff val="0"/>
+                <a:alphaOff val="0"/>
+              </a:schemeClr>
+            </a:fontRef>
+          </p:style>
+          <p:txBody>
+            <a:bodyPr spcFirstLastPara="0" vert="horz" wrap="square" lIns="0" tIns="0" rIns="0" bIns="0" numCol="1" spcCol="1270" anchor="ctr" anchorCtr="0">
+              <a:noAutofit/>
+            </a:bodyPr>
+            <a:lstStyle/>
+            <a:p>
+              <a:pPr marL="0" lvl="0" indent="0" algn="l" defTabSz="1066800">
+                <a:lnSpc>
+                  <a:spcPct val="100000"/>
+                </a:lnSpc>
+                <a:spcBef>
+                  <a:spcPct val="0"/>
+                </a:spcBef>
+                <a:spcAft>
+                  <a:spcPct val="35000"/>
+                </a:spcAft>
+                <a:buNone/>
+              </a:pPr>
+              <a:endParaRPr lang="fr-FR" sz="2400" kern="1200" dirty="0"/>
+            </a:p>
+          </p:txBody>
+        </p:sp>
+        <p:sp>
+          <p:nvSpPr>
+            <p:cNvPr id="19" name="Ellipse 18">
+              <a:extLst>
+                <a:ext uri="{FF2B5EF4-FFF2-40B4-BE49-F238E27FC236}">
+                  <a16:creationId xmlns:a16="http://schemas.microsoft.com/office/drawing/2014/main" id="{D23D3988-0212-4208-B1EA-3259BF227A67}"/>
+                </a:ext>
+              </a:extLst>
+            </p:cNvPr>
+            <p:cNvSpPr/>
+            <p:nvPr/>
+          </p:nvSpPr>
+          <p:spPr>
+            <a:xfrm>
+              <a:off x="4493775" y="4375038"/>
+              <a:ext cx="897246" cy="897246"/>
+            </a:xfrm>
+            <a:prstGeom prst="ellipse">
+              <a:avLst/>
+            </a:prstGeom>
+          </p:spPr>
+          <p:style>
+            <a:lnRef idx="0">
+              <a:schemeClr val="lt1">
+                <a:alpha val="0"/>
+                <a:hueOff val="0"/>
+                <a:satOff val="0"/>
+                <a:lumOff val="0"/>
+                <a:alphaOff val="0"/>
+              </a:schemeClr>
+            </a:lnRef>
+            <a:fillRef idx="1">
+              <a:schemeClr val="accent4">
+                <a:hueOff val="0"/>
+                <a:satOff val="0"/>
+                <a:lumOff val="0"/>
+                <a:alphaOff val="0"/>
+              </a:schemeClr>
+            </a:fillRef>
+            <a:effectRef idx="2">
+              <a:schemeClr val="accent4">
+                <a:hueOff val="0"/>
+                <a:satOff val="0"/>
+                <a:lumOff val="0"/>
+                <a:alphaOff val="0"/>
+              </a:schemeClr>
+            </a:effectRef>
+            <a:fontRef idx="minor"/>
+          </p:style>
+          <p:txBody>
+            <a:bodyPr/>
+            <a:lstStyle/>
+            <a:p>
+              <a:endParaRPr lang="fr-FR" dirty="0"/>
+            </a:p>
+          </p:txBody>
+        </p:sp>
+        <p:sp>
+          <p:nvSpPr>
+            <p:cNvPr id="20" name="Rectangle 19">
+              <a:extLst>
+                <a:ext uri="{FF2B5EF4-FFF2-40B4-BE49-F238E27FC236}">
+                  <a16:creationId xmlns:a16="http://schemas.microsoft.com/office/drawing/2014/main" id="{CC045B25-5D89-4DC0-A8D9-559626B95479}"/>
+                </a:ext>
+              </a:extLst>
+            </p:cNvPr>
+            <p:cNvSpPr/>
+            <p:nvPr/>
+          </p:nvSpPr>
+          <p:spPr>
+            <a:xfrm>
+              <a:off x="4682196" y="4563459"/>
+              <a:ext cx="520402" cy="520402"/>
+            </a:xfrm>
+            <a:prstGeom prst="rect">
+              <a:avLst/>
+            </a:prstGeom>
+          </p:spPr>
+          <p:style>
+            <a:lnRef idx="0">
+              <a:schemeClr val="lt1">
+                <a:alpha val="0"/>
+                <a:hueOff val="0"/>
+                <a:satOff val="0"/>
+                <a:lumOff val="0"/>
+                <a:alphaOff val="0"/>
+              </a:schemeClr>
+            </a:lnRef>
+            <a:fillRef idx="3">
+              <a:schemeClr val="bg1">
+                <a:hueOff val="0"/>
+                <a:satOff val="0"/>
+                <a:lumOff val="0"/>
+                <a:alphaOff val="0"/>
+              </a:schemeClr>
+            </a:fillRef>
+            <a:effectRef idx="2">
+              <a:schemeClr val="bg1">
+                <a:hueOff val="0"/>
+                <a:satOff val="0"/>
+                <a:lumOff val="0"/>
+                <a:alphaOff val="0"/>
+              </a:schemeClr>
+            </a:effectRef>
+            <a:fontRef idx="minor">
+              <a:schemeClr val="dk1">
+                <a:hueOff val="0"/>
+                <a:satOff val="0"/>
+                <a:lumOff val="0"/>
+                <a:alphaOff val="0"/>
+              </a:schemeClr>
+            </a:fontRef>
+          </p:style>
+        </p:sp>
+        <p:sp>
+          <p:nvSpPr>
+            <p:cNvPr id="21" name="Forme libre : forme 20">
+              <a:extLst>
+                <a:ext uri="{FF2B5EF4-FFF2-40B4-BE49-F238E27FC236}">
+                  <a16:creationId xmlns:a16="http://schemas.microsoft.com/office/drawing/2014/main" id="{0D711886-4770-49BD-BA8D-1E43DBA70674}"/>
+                </a:ext>
+              </a:extLst>
+            </p:cNvPr>
+            <p:cNvSpPr/>
+            <p:nvPr/>
+          </p:nvSpPr>
+          <p:spPr>
+            <a:xfrm>
+              <a:off x="5583288" y="4375038"/>
+              <a:ext cx="2114937" cy="897246"/>
+            </a:xfrm>
+            <a:custGeom>
+              <a:avLst/>
+              <a:gdLst>
+                <a:gd name="connsiteX0" fmla="*/ 0 w 2114937"/>
+                <a:gd name="connsiteY0" fmla="*/ 0 h 897246"/>
+                <a:gd name="connsiteX1" fmla="*/ 2114937 w 2114937"/>
+                <a:gd name="connsiteY1" fmla="*/ 0 h 897246"/>
+                <a:gd name="connsiteX2" fmla="*/ 2114937 w 2114937"/>
+                <a:gd name="connsiteY2" fmla="*/ 897246 h 897246"/>
+                <a:gd name="connsiteX3" fmla="*/ 0 w 2114937"/>
+                <a:gd name="connsiteY3" fmla="*/ 897246 h 897246"/>
+                <a:gd name="connsiteX4" fmla="*/ 0 w 2114937"/>
+                <a:gd name="connsiteY4" fmla="*/ 0 h 897246"/>
+              </a:gdLst>
+              <a:ahLst/>
+              <a:cxnLst>
+                <a:cxn ang="0">
+                  <a:pos x="connsiteX0" y="connsiteY0"/>
+                </a:cxn>
+                <a:cxn ang="0">
+                  <a:pos x="connsiteX1" y="connsiteY1"/>
+                </a:cxn>
+                <a:cxn ang="0">
+                  <a:pos x="connsiteX2" y="connsiteY2"/>
+                </a:cxn>
+                <a:cxn ang="0">
+                  <a:pos x="connsiteX3" y="connsiteY3"/>
+                </a:cxn>
+                <a:cxn ang="0">
+                  <a:pos x="connsiteX4" y="connsiteY4"/>
+                </a:cxn>
+              </a:cxnLst>
+              <a:rect l="l" t="t" r="r" b="b"/>
+              <a:pathLst>
+                <a:path w="2114937" h="897246">
+                  <a:moveTo>
+                    <a:pt x="0" y="0"/>
+                  </a:moveTo>
+                  <a:lnTo>
+                    <a:pt x="2114937" y="0"/>
+                  </a:lnTo>
+                  <a:lnTo>
+                    <a:pt x="2114937" y="897246"/>
+                  </a:lnTo>
+                  <a:lnTo>
+                    <a:pt x="0" y="897246"/>
+                  </a:lnTo>
+                  <a:lnTo>
+                    <a:pt x="0" y="0"/>
+                  </a:lnTo>
+                  <a:close/>
+                </a:path>
+              </a:pathLst>
+            </a:custGeom>
+          </p:spPr>
+          <p:style>
+            <a:lnRef idx="0">
+              <a:schemeClr val="dk1">
+                <a:alpha val="0"/>
+                <a:hueOff val="0"/>
+                <a:satOff val="0"/>
+                <a:lumOff val="0"/>
+                <a:alphaOff val="0"/>
+              </a:schemeClr>
+            </a:lnRef>
+            <a:fillRef idx="0">
+              <a:schemeClr val="lt1">
+                <a:alpha val="0"/>
+                <a:hueOff val="0"/>
+                <a:satOff val="0"/>
+                <a:lumOff val="0"/>
+                <a:alphaOff val="0"/>
+              </a:schemeClr>
+            </a:fillRef>
+            <a:effectRef idx="0">
+              <a:schemeClr val="lt1">
+                <a:alpha val="0"/>
+                <a:hueOff val="0"/>
+                <a:satOff val="0"/>
+                <a:lumOff val="0"/>
+                <a:alphaOff val="0"/>
+              </a:schemeClr>
+            </a:effectRef>
+            <a:fontRef idx="minor">
+              <a:schemeClr val="tx1">
+                <a:hueOff val="0"/>
+                <a:satOff val="0"/>
+                <a:lumOff val="0"/>
+                <a:alphaOff val="0"/>
+              </a:schemeClr>
+            </a:fontRef>
+          </p:style>
+          <p:txBody>
+            <a:bodyPr spcFirstLastPara="0" vert="horz" wrap="square" lIns="0" tIns="0" rIns="0" bIns="0" numCol="1" spcCol="1270" anchor="ctr" anchorCtr="0">
+              <a:noAutofit/>
+            </a:bodyPr>
+            <a:lstStyle/>
+            <a:p>
+              <a:pPr marL="0" lvl="0" indent="0" algn="l" defTabSz="1066800">
+                <a:lnSpc>
+                  <a:spcPct val="100000"/>
+                </a:lnSpc>
+                <a:spcBef>
+                  <a:spcPct val="0"/>
+                </a:spcBef>
+                <a:spcAft>
+                  <a:spcPct val="35000"/>
+                </a:spcAft>
+                <a:buNone/>
+              </a:pPr>
+              <a:endParaRPr lang="fr-FR" sz="2400" kern="1200" dirty="0"/>
+            </a:p>
+          </p:txBody>
+        </p:sp>
+      </p:grpSp>
+    </p:spTree>
+    <p:extLst>
+      <p:ext uri="{BB962C8B-B14F-4D97-AF65-F5344CB8AC3E}">
+        <p14:creationId xmlns:p14="http://schemas.microsoft.com/office/powerpoint/2010/main" val="3000210373"/>
       </p:ext>
     </p:extLst>
   </p:cSld>

--- a/Presentation_03_06_2020.pptx
+++ b/Presentation_03_06_2020.pptx
@@ -8,7 +8,8 @@
     <p:sldId id="256" r:id="rId2"/>
     <p:sldId id="258" r:id="rId3"/>
     <p:sldId id="259" r:id="rId4"/>
-    <p:sldId id="260" r:id="rId5"/>
+    <p:sldId id="261" r:id="rId5"/>
+    <p:sldId id="260" r:id="rId6"/>
   </p:sldIdLst>
   <p:sldSz cx="12192000" cy="6858000"/>
   <p:notesSz cx="6858000" cy="9144000"/>
@@ -4069,6 +4070,16 @@
               <a:buFontTx/>
               <a:buChar char="-"/>
             </a:pPr>
+            <a:r>
+              <a:rPr lang="fr-FR" dirty="0"/>
+              <a:t>Gestion des statistiques</a:t>
+            </a:r>
+          </a:p>
+          <a:p>
+            <a:pPr>
+              <a:buFontTx/>
+              <a:buChar char="-"/>
+            </a:pPr>
             <a:endParaRPr lang="fr-FR" dirty="0"/>
           </a:p>
         </p:txBody>
@@ -4087,6 +4098,968 @@
 </file>
 
 <file path=ppt/slides/slide4.xml><?xml version="1.0" encoding="utf-8"?>
+<p:sld xmlns:a="http://schemas.openxmlformats.org/drawingml/2006/main" xmlns:r="http://schemas.openxmlformats.org/officeDocument/2006/relationships" xmlns:p="http://schemas.openxmlformats.org/presentationml/2006/main">
+  <p:cSld>
+    <p:spTree>
+      <p:nvGrpSpPr>
+        <p:cNvPr id="1" name=""/>
+        <p:cNvGrpSpPr/>
+        <p:nvPr/>
+      </p:nvGrpSpPr>
+      <p:grpSpPr>
+        <a:xfrm>
+          <a:off x="0" y="0"/>
+          <a:ext cx="0" cy="0"/>
+          <a:chOff x="0" y="0"/>
+          <a:chExt cx="0" cy="0"/>
+        </a:xfrm>
+      </p:grpSpPr>
+      <p:sp>
+        <p:nvSpPr>
+          <p:cNvPr id="2" name="Titre 1">
+            <a:extLst>
+              <a:ext uri="{FF2B5EF4-FFF2-40B4-BE49-F238E27FC236}">
+                <a16:creationId xmlns:a16="http://schemas.microsoft.com/office/drawing/2014/main" id="{50D587C4-F2FA-4AF0-A71E-DD431D49A32F}"/>
+              </a:ext>
+            </a:extLst>
+          </p:cNvPr>
+          <p:cNvSpPr>
+            <a:spLocks noGrp="1"/>
+          </p:cNvSpPr>
+          <p:nvPr>
+            <p:ph type="title"/>
+          </p:nvPr>
+        </p:nvSpPr>
+        <p:spPr>
+          <a:xfrm>
+            <a:off x="4860696" y="74023"/>
+            <a:ext cx="2470608" cy="1325563"/>
+          </a:xfrm>
+        </p:spPr>
+        <p:txBody>
+          <a:bodyPr/>
+          <a:lstStyle/>
+          <a:p>
+            <a:pPr algn="ctr"/>
+            <a:r>
+              <a:rPr lang="fr-FR" dirty="0"/>
+              <a:t>Logo</a:t>
+            </a:r>
+          </a:p>
+        </p:txBody>
+      </p:sp>
+      <p:sp>
+        <p:nvSpPr>
+          <p:cNvPr id="47" name="Rectangle 44">
+            <a:extLst>
+              <a:ext uri="{FF2B5EF4-FFF2-40B4-BE49-F238E27FC236}">
+                <a16:creationId xmlns:a16="http://schemas.microsoft.com/office/drawing/2014/main" id="{5F46C10E-F27D-41B1-9A89-4CC74AD6B15C}"/>
+              </a:ext>
+            </a:extLst>
+          </p:cNvPr>
+          <p:cNvSpPr>
+            <a:spLocks noChangeArrowheads="1"/>
+          </p:cNvSpPr>
+          <p:nvPr/>
+        </p:nvSpPr>
+        <p:spPr bwMode="auto">
+          <a:xfrm>
+            <a:off x="1098550" y="3759200"/>
+            <a:ext cx="12192000" cy="457200"/>
+          </a:xfrm>
+          <a:prstGeom prst="rect">
+            <a:avLst/>
+          </a:prstGeom>
+          <a:noFill/>
+          <a:ln>
+            <a:noFill/>
+          </a:ln>
+          <a:effectLst/>
+          <a:extLst>
+            <a:ext uri="{909E8E84-426E-40DD-AFC4-6F175D3DCCD1}">
+              <a14:hiddenFill xmlns:a14="http://schemas.microsoft.com/office/drawing/2010/main">
+                <a:solidFill>
+                  <a:schemeClr val="accent1"/>
+                </a:solidFill>
+              </a14:hiddenFill>
+            </a:ext>
+            <a:ext uri="{91240B29-F687-4F45-9708-019B960494DF}">
+              <a14:hiddenLine xmlns:a14="http://schemas.microsoft.com/office/drawing/2010/main" w="9525">
+                <a:solidFill>
+                  <a:schemeClr val="tx1"/>
+                </a:solidFill>
+                <a:miter lim="800000"/>
+                <a:headEnd/>
+                <a:tailEnd/>
+              </a14:hiddenLine>
+            </a:ext>
+            <a:ext uri="{AF507438-7753-43E0-B8FC-AC1667EBCBE1}">
+              <a14:hiddenEffects xmlns:a14="http://schemas.microsoft.com/office/drawing/2010/main">
+                <a:effectLst>
+                  <a:outerShdw dist="35921" dir="2700000" algn="ctr" rotWithShape="0">
+                    <a:schemeClr val="bg2"/>
+                  </a:outerShdw>
+                </a:effectLst>
+              </a14:hiddenEffects>
+            </a:ext>
+          </a:extLst>
+        </p:spPr>
+        <p:txBody>
+          <a:bodyPr vert="horz" wrap="none" lIns="177744" tIns="241224" rIns="139656" bIns="177744" numCol="1" anchor="ctr" anchorCtr="0" compatLnSpc="1">
+            <a:prstTxWarp prst="textNoShape">
+              <a:avLst/>
+            </a:prstTxWarp>
+            <a:spAutoFit/>
+          </a:bodyPr>
+          <a:lstStyle/>
+          <a:p>
+            <a:endParaRPr lang="fr-FR"/>
+          </a:p>
+        </p:txBody>
+      </p:sp>
+      <p:sp>
+        <p:nvSpPr>
+          <p:cNvPr id="48" name="Rectangle 47">
+            <a:extLst>
+              <a:ext uri="{FF2B5EF4-FFF2-40B4-BE49-F238E27FC236}">
+                <a16:creationId xmlns:a16="http://schemas.microsoft.com/office/drawing/2014/main" id="{3F5C1C1C-14EC-4FAF-A9C3-2BE563844E78}"/>
+              </a:ext>
+            </a:extLst>
+          </p:cNvPr>
+          <p:cNvSpPr>
+            <a:spLocks noChangeArrowheads="1"/>
+          </p:cNvSpPr>
+          <p:nvPr/>
+        </p:nvSpPr>
+        <p:spPr bwMode="auto">
+          <a:xfrm>
+            <a:off x="1098550" y="4216400"/>
+            <a:ext cx="12192000" cy="0"/>
+          </a:xfrm>
+          <a:prstGeom prst="rect">
+            <a:avLst/>
+          </a:prstGeom>
+          <a:noFill/>
+          <a:ln>
+            <a:noFill/>
+          </a:ln>
+          <a:effectLst/>
+          <a:extLst>
+            <a:ext uri="{909E8E84-426E-40DD-AFC4-6F175D3DCCD1}">
+              <a14:hiddenFill xmlns:a14="http://schemas.microsoft.com/office/drawing/2010/main">
+                <a:solidFill>
+                  <a:schemeClr val="accent1"/>
+                </a:solidFill>
+              </a14:hiddenFill>
+            </a:ext>
+            <a:ext uri="{91240B29-F687-4F45-9708-019B960494DF}">
+              <a14:hiddenLine xmlns:a14="http://schemas.microsoft.com/office/drawing/2010/main" w="9525">
+                <a:solidFill>
+                  <a:schemeClr val="tx1"/>
+                </a:solidFill>
+                <a:miter lim="800000"/>
+                <a:headEnd/>
+                <a:tailEnd/>
+              </a14:hiddenLine>
+            </a:ext>
+            <a:ext uri="{AF507438-7753-43E0-B8FC-AC1667EBCBE1}">
+              <a14:hiddenEffects xmlns:a14="http://schemas.microsoft.com/office/drawing/2010/main">
+                <a:effectLst>
+                  <a:outerShdw dist="35921" dir="2700000" algn="ctr" rotWithShape="0">
+                    <a:schemeClr val="bg2"/>
+                  </a:outerShdw>
+                </a:effectLst>
+              </a14:hiddenEffects>
+            </a:ext>
+          </a:extLst>
+        </p:spPr>
+        <p:txBody>
+          <a:bodyPr vert="horz" wrap="none" lIns="91440" tIns="45720" rIns="91440" bIns="45720" numCol="1" anchor="ctr" anchorCtr="0" compatLnSpc="1">
+            <a:prstTxWarp prst="textNoShape">
+              <a:avLst/>
+            </a:prstTxWarp>
+            <a:spAutoFit/>
+          </a:bodyPr>
+          <a:lstStyle/>
+          <a:p>
+            <a:pPr marL="0" marR="0" lvl="0" indent="0" algn="l" defTabSz="914400" rtl="0" eaLnBrk="0" fontAlgn="base" latinLnBrk="0" hangingPunct="0">
+              <a:lnSpc>
+                <a:spcPct val="100000"/>
+              </a:lnSpc>
+              <a:spcBef>
+                <a:spcPct val="0"/>
+              </a:spcBef>
+              <a:spcAft>
+                <a:spcPct val="0"/>
+              </a:spcAft>
+              <a:buClrTx/>
+              <a:buSzTx/>
+              <a:buFontTx/>
+              <a:buNone/>
+              <a:tabLst/>
+            </a:pPr>
+            <a:endParaRPr kumimoji="0" lang="en-US" altLang="fr-FR" sz="1100" b="0" i="0" u="none" strike="noStrike" cap="none" normalizeH="0" baseline="0">
+              <a:ln>
+                <a:noFill/>
+              </a:ln>
+              <a:solidFill>
+                <a:schemeClr val="tx1"/>
+              </a:solidFill>
+              <a:effectLst/>
+              <a:latin typeface="Arial" panose="020B0604020202020204" pitchFamily="34" charset="0"/>
+              <a:ea typeface="Arial" panose="020B0604020202020204" pitchFamily="34" charset="0"/>
+            </a:endParaRPr>
+          </a:p>
+          <a:p>
+            <a:pPr marL="0" marR="0" lvl="0" indent="0" algn="l" defTabSz="914400" rtl="0" eaLnBrk="0" fontAlgn="base" latinLnBrk="0" hangingPunct="0">
+              <a:lnSpc>
+                <a:spcPct val="100000"/>
+              </a:lnSpc>
+              <a:spcBef>
+                <a:spcPct val="0"/>
+              </a:spcBef>
+              <a:spcAft>
+                <a:spcPct val="0"/>
+              </a:spcAft>
+              <a:buClrTx/>
+              <a:buSzTx/>
+              <a:buFontTx/>
+              <a:buNone/>
+              <a:tabLst/>
+            </a:pPr>
+            <a:br>
+              <a:rPr kumimoji="0" lang="en-US" altLang="fr-FR" sz="1100" b="0" i="0" u="none" strike="noStrike" cap="none" normalizeH="0" baseline="0">
+                <a:ln>
+                  <a:noFill/>
+                </a:ln>
+                <a:solidFill>
+                  <a:schemeClr val="tx1"/>
+                </a:solidFill>
+                <a:effectLst/>
+                <a:latin typeface="Arial" panose="020B0604020202020204" pitchFamily="34" charset="0"/>
+                <a:ea typeface="Arial" panose="020B0604020202020204" pitchFamily="34" charset="0"/>
+              </a:rPr>
+            </a:br>
+            <a:endParaRPr kumimoji="0" lang="fr-FR" altLang="fr-FR" sz="800" b="0" i="0" u="none" strike="noStrike" cap="none" normalizeH="0" baseline="0">
+              <a:ln>
+                <a:noFill/>
+              </a:ln>
+              <a:solidFill>
+                <a:schemeClr val="tx1"/>
+              </a:solidFill>
+              <a:effectLst/>
+              <a:latin typeface="Arial" panose="020B0604020202020204" pitchFamily="34" charset="0"/>
+            </a:endParaRPr>
+          </a:p>
+          <a:p>
+            <a:pPr marL="0" marR="0" lvl="0" indent="0" algn="l" defTabSz="914400" rtl="0" eaLnBrk="0" fontAlgn="base" latinLnBrk="0" hangingPunct="0">
+              <a:lnSpc>
+                <a:spcPct val="100000"/>
+              </a:lnSpc>
+              <a:spcBef>
+                <a:spcPct val="0"/>
+              </a:spcBef>
+              <a:spcAft>
+                <a:spcPct val="0"/>
+              </a:spcAft>
+              <a:buClrTx/>
+              <a:buSzTx/>
+              <a:buFontTx/>
+              <a:buNone/>
+              <a:tabLst/>
+            </a:pPr>
+            <a:br>
+              <a:rPr kumimoji="0" lang="fr-FR" altLang="fr-FR" sz="1800" b="0" i="0" u="none" strike="noStrike" cap="none" normalizeH="0" baseline="0">
+                <a:ln>
+                  <a:noFill/>
+                </a:ln>
+                <a:solidFill>
+                  <a:schemeClr val="tx1"/>
+                </a:solidFill>
+                <a:effectLst/>
+                <a:latin typeface="Arial" panose="020B0604020202020204" pitchFamily="34" charset="0"/>
+              </a:rPr>
+            </a:br>
+            <a:endParaRPr kumimoji="0" lang="fr-FR" altLang="fr-FR" sz="1800" b="0" i="0" u="none" strike="noStrike" cap="none" normalizeH="0" baseline="0">
+              <a:ln>
+                <a:noFill/>
+              </a:ln>
+              <a:solidFill>
+                <a:schemeClr val="tx1"/>
+              </a:solidFill>
+              <a:effectLst/>
+              <a:latin typeface="Arial" panose="020B0604020202020204" pitchFamily="34" charset="0"/>
+            </a:endParaRPr>
+          </a:p>
+          <a:p>
+            <a:pPr marL="0" marR="0" lvl="0" indent="0" algn="l" defTabSz="914400" rtl="0" eaLnBrk="0" fontAlgn="base" latinLnBrk="0" hangingPunct="0">
+              <a:lnSpc>
+                <a:spcPct val="100000"/>
+              </a:lnSpc>
+              <a:spcBef>
+                <a:spcPct val="0"/>
+              </a:spcBef>
+              <a:spcAft>
+                <a:spcPct val="0"/>
+              </a:spcAft>
+              <a:buClrTx/>
+              <a:buSzTx/>
+              <a:buFontTx/>
+              <a:buNone/>
+              <a:tabLst/>
+            </a:pPr>
+            <a:endParaRPr kumimoji="0" lang="fr-FR" altLang="fr-FR" sz="1800" b="0" i="0" u="none" strike="noStrike" cap="none" normalizeH="0" baseline="0">
+              <a:ln>
+                <a:noFill/>
+              </a:ln>
+              <a:solidFill>
+                <a:schemeClr val="tx1"/>
+              </a:solidFill>
+              <a:effectLst/>
+              <a:latin typeface="Arial" panose="020B0604020202020204" pitchFamily="34" charset="0"/>
+            </a:endParaRPr>
+          </a:p>
+        </p:txBody>
+      </p:sp>
+      <p:sp>
+        <p:nvSpPr>
+          <p:cNvPr id="49" name="Rectangle 50">
+            <a:extLst>
+              <a:ext uri="{FF2B5EF4-FFF2-40B4-BE49-F238E27FC236}">
+                <a16:creationId xmlns:a16="http://schemas.microsoft.com/office/drawing/2014/main" id="{5CF3B27A-4B85-4DF1-A5DD-C9EACDC7CE00}"/>
+              </a:ext>
+            </a:extLst>
+          </p:cNvPr>
+          <p:cNvSpPr>
+            <a:spLocks noChangeArrowheads="1"/>
+          </p:cNvSpPr>
+          <p:nvPr/>
+        </p:nvSpPr>
+        <p:spPr bwMode="auto">
+          <a:xfrm>
+            <a:off x="1098550" y="4216400"/>
+            <a:ext cx="12192000" cy="0"/>
+          </a:xfrm>
+          <a:prstGeom prst="rect">
+            <a:avLst/>
+          </a:prstGeom>
+          <a:noFill/>
+          <a:ln>
+            <a:noFill/>
+          </a:ln>
+          <a:effectLst/>
+          <a:extLst>
+            <a:ext uri="{909E8E84-426E-40DD-AFC4-6F175D3DCCD1}">
+              <a14:hiddenFill xmlns:a14="http://schemas.microsoft.com/office/drawing/2010/main">
+                <a:solidFill>
+                  <a:schemeClr val="accent1"/>
+                </a:solidFill>
+              </a14:hiddenFill>
+            </a:ext>
+            <a:ext uri="{91240B29-F687-4F45-9708-019B960494DF}">
+              <a14:hiddenLine xmlns:a14="http://schemas.microsoft.com/office/drawing/2010/main" w="9525">
+                <a:solidFill>
+                  <a:schemeClr val="tx1"/>
+                </a:solidFill>
+                <a:miter lim="800000"/>
+                <a:headEnd/>
+                <a:tailEnd/>
+              </a14:hiddenLine>
+            </a:ext>
+            <a:ext uri="{AF507438-7753-43E0-B8FC-AC1667EBCBE1}">
+              <a14:hiddenEffects xmlns:a14="http://schemas.microsoft.com/office/drawing/2010/main">
+                <a:effectLst>
+                  <a:outerShdw dist="35921" dir="2700000" algn="ctr" rotWithShape="0">
+                    <a:schemeClr val="bg2"/>
+                  </a:outerShdw>
+                </a:effectLst>
+              </a14:hiddenEffects>
+            </a:ext>
+          </a:extLst>
+        </p:spPr>
+        <p:txBody>
+          <a:bodyPr vert="horz" wrap="none" lIns="91440" tIns="45720" rIns="91440" bIns="45720" numCol="1" anchor="ctr" anchorCtr="0" compatLnSpc="1">
+            <a:prstTxWarp prst="textNoShape">
+              <a:avLst/>
+            </a:prstTxWarp>
+            <a:spAutoFit/>
+          </a:bodyPr>
+          <a:lstStyle/>
+          <a:p>
+            <a:pPr marL="0" marR="0" lvl="0" indent="0" algn="l" defTabSz="914400" rtl="0" eaLnBrk="0" fontAlgn="base" latinLnBrk="0" hangingPunct="0">
+              <a:lnSpc>
+                <a:spcPct val="100000"/>
+              </a:lnSpc>
+              <a:spcBef>
+                <a:spcPct val="0"/>
+              </a:spcBef>
+              <a:spcAft>
+                <a:spcPct val="0"/>
+              </a:spcAft>
+              <a:buClrTx/>
+              <a:buSzTx/>
+              <a:buFontTx/>
+              <a:buNone/>
+              <a:tabLst/>
+            </a:pPr>
+            <a:endParaRPr kumimoji="0" lang="fr-FR" altLang="fr-FR" sz="800" b="0" i="0" u="none" strike="noStrike" cap="none" normalizeH="0" baseline="0">
+              <a:ln>
+                <a:noFill/>
+              </a:ln>
+              <a:solidFill>
+                <a:schemeClr val="tx1"/>
+              </a:solidFill>
+              <a:effectLst/>
+              <a:latin typeface="Arial" panose="020B0604020202020204" pitchFamily="34" charset="0"/>
+            </a:endParaRPr>
+          </a:p>
+          <a:p>
+            <a:pPr marL="0" marR="0" lvl="0" indent="0" algn="l" defTabSz="914400" rtl="0" eaLnBrk="0" fontAlgn="base" latinLnBrk="0" hangingPunct="0">
+              <a:lnSpc>
+                <a:spcPct val="100000"/>
+              </a:lnSpc>
+              <a:spcBef>
+                <a:spcPct val="0"/>
+              </a:spcBef>
+              <a:spcAft>
+                <a:spcPct val="0"/>
+              </a:spcAft>
+              <a:buClrTx/>
+              <a:buSzTx/>
+              <a:buFontTx/>
+              <a:buNone/>
+              <a:tabLst/>
+            </a:pPr>
+            <a:endParaRPr kumimoji="0" lang="fr-FR" altLang="fr-FR" sz="1800" b="0" i="0" u="none" strike="noStrike" cap="none" normalizeH="0" baseline="0">
+              <a:ln>
+                <a:noFill/>
+              </a:ln>
+              <a:solidFill>
+                <a:schemeClr val="tx1"/>
+              </a:solidFill>
+              <a:effectLst/>
+              <a:latin typeface="Arial" panose="020B0604020202020204" pitchFamily="34" charset="0"/>
+            </a:endParaRPr>
+          </a:p>
+        </p:txBody>
+      </p:sp>
+      <p:pic>
+        <p:nvPicPr>
+          <p:cNvPr id="56" name="Image 55" descr="Une image contenant jeu&#10;&#10;Description générée automatiquement">
+            <a:extLst>
+              <a:ext uri="{FF2B5EF4-FFF2-40B4-BE49-F238E27FC236}">
+                <a16:creationId xmlns:a16="http://schemas.microsoft.com/office/drawing/2014/main" id="{3D4EB54E-8D3E-4696-9561-0348C3E52983}"/>
+              </a:ext>
+            </a:extLst>
+          </p:cNvPr>
+          <p:cNvPicPr/>
+          <p:nvPr/>
+        </p:nvPicPr>
+        <p:blipFill>
+          <a:blip r:embed="rId2">
+            <a:extLst>
+              <a:ext uri="{28A0092B-C50C-407E-A947-70E740481C1C}">
+                <a14:useLocalDpi xmlns:a14="http://schemas.microsoft.com/office/drawing/2010/main" val="0"/>
+              </a:ext>
+            </a:extLst>
+          </a:blip>
+          <a:stretch>
+            <a:fillRect/>
+          </a:stretch>
+        </p:blipFill>
+        <p:spPr>
+          <a:xfrm>
+            <a:off x="3627120" y="1375710"/>
+            <a:ext cx="4937760" cy="4596765"/>
+          </a:xfrm>
+          <a:prstGeom prst="rect">
+            <a:avLst/>
+          </a:prstGeom>
+        </p:spPr>
+      </p:pic>
+      <p:pic>
+        <p:nvPicPr>
+          <p:cNvPr id="55" name="Image 54" descr="Une image contenant oiseau, table&#10;&#10;Description générée automatiquement">
+            <a:extLst>
+              <a:ext uri="{FF2B5EF4-FFF2-40B4-BE49-F238E27FC236}">
+                <a16:creationId xmlns:a16="http://schemas.microsoft.com/office/drawing/2014/main" id="{E38C5890-8202-4DB4-931D-8A601A0A241F}"/>
+              </a:ext>
+            </a:extLst>
+          </p:cNvPr>
+          <p:cNvPicPr>
+            <a:picLocks noChangeAspect="1"/>
+          </p:cNvPicPr>
+          <p:nvPr/>
+        </p:nvPicPr>
+        <p:blipFill>
+          <a:blip r:embed="rId3">
+            <a:extLst>
+              <a:ext uri="{28A0092B-C50C-407E-A947-70E740481C1C}">
+                <a14:useLocalDpi xmlns:a14="http://schemas.microsoft.com/office/drawing/2010/main" val="0"/>
+              </a:ext>
+            </a:extLst>
+          </a:blip>
+          <a:stretch>
+            <a:fillRect/>
+          </a:stretch>
+        </p:blipFill>
+        <p:spPr>
+          <a:xfrm>
+            <a:off x="2754181" y="2309557"/>
+            <a:ext cx="1688297" cy="571559"/>
+          </a:xfrm>
+          <a:prstGeom prst="rect">
+            <a:avLst/>
+          </a:prstGeom>
+        </p:spPr>
+      </p:pic>
+      <p:sp>
+        <p:nvSpPr>
+          <p:cNvPr id="57" name="Text Box 53">
+            <a:extLst>
+              <a:ext uri="{FF2B5EF4-FFF2-40B4-BE49-F238E27FC236}">
+                <a16:creationId xmlns:a16="http://schemas.microsoft.com/office/drawing/2014/main" id="{9169D502-E618-4DC2-BA55-702A65DD6322}"/>
+              </a:ext>
+            </a:extLst>
+          </p:cNvPr>
+          <p:cNvSpPr txBox="1">
+            <a:spLocks noChangeArrowheads="1"/>
+          </p:cNvSpPr>
+          <p:nvPr/>
+        </p:nvSpPr>
+        <p:spPr bwMode="auto">
+          <a:xfrm>
+            <a:off x="2229732" y="3759200"/>
+            <a:ext cx="2276476" cy="984250"/>
+          </a:xfrm>
+          <a:prstGeom prst="rect">
+            <a:avLst/>
+          </a:prstGeom>
+          <a:solidFill>
+            <a:srgbClr val="FFFFFF"/>
+          </a:solidFill>
+          <a:ln>
+            <a:noFill/>
+          </a:ln>
+          <a:extLst>
+            <a:ext uri="{91240B29-F687-4F45-9708-019B960494DF}">
+              <a14:hiddenLine xmlns:a14="http://schemas.microsoft.com/office/drawing/2010/main" w="9525">
+                <a:solidFill>
+                  <a:srgbClr val="000000"/>
+                </a:solidFill>
+                <a:miter lim="800000"/>
+                <a:headEnd/>
+                <a:tailEnd/>
+              </a14:hiddenLine>
+            </a:ext>
+          </a:extLst>
+        </p:spPr>
+        <p:txBody>
+          <a:bodyPr vert="horz" wrap="square" lIns="91440" tIns="45720" rIns="91440" bIns="45720" numCol="1" anchor="t" anchorCtr="0" compatLnSpc="1">
+            <a:prstTxWarp prst="textNoShape">
+              <a:avLst/>
+            </a:prstTxWarp>
+          </a:bodyPr>
+          <a:lstStyle/>
+          <a:p>
+            <a:pPr marL="0" marR="0" lvl="0" indent="0" algn="l" defTabSz="914400" rtl="0" eaLnBrk="0" fontAlgn="base" latinLnBrk="0" hangingPunct="0">
+              <a:lnSpc>
+                <a:spcPct val="100000"/>
+              </a:lnSpc>
+              <a:spcBef>
+                <a:spcPct val="0"/>
+              </a:spcBef>
+              <a:spcAft>
+                <a:spcPts val="800"/>
+              </a:spcAft>
+              <a:buClrTx/>
+              <a:buSzTx/>
+              <a:buFontTx/>
+              <a:buNone/>
+              <a:tabLst/>
+            </a:pPr>
+            <a:r>
+              <a:rPr kumimoji="0" lang="fr-FR" altLang="fr-FR" sz="1100" b="0" i="0" u="none" strike="noStrike" cap="none" normalizeH="0" baseline="0" dirty="0">
+                <a:ln>
+                  <a:noFill/>
+                </a:ln>
+                <a:solidFill>
+                  <a:schemeClr val="tx1"/>
+                </a:solidFill>
+                <a:effectLst/>
+                <a:latin typeface="Calibri" panose="020F0502020204030204" pitchFamily="34" charset="0"/>
+              </a:rPr>
+              <a:t>Deux feuilles entrelacées pour rappeler le coté biologique mais aussi pour rappeler la proximité de l'épicerie avec la protection des feuilles sur le client</a:t>
+            </a:r>
+            <a:endParaRPr kumimoji="0" lang="fr-FR" altLang="fr-FR" sz="1800" b="0" i="0" u="none" strike="noStrike" cap="none" normalizeH="0" baseline="0" dirty="0">
+              <a:ln>
+                <a:noFill/>
+              </a:ln>
+              <a:solidFill>
+                <a:schemeClr val="tx1"/>
+              </a:solidFill>
+              <a:effectLst/>
+              <a:latin typeface="Arial" panose="020B0604020202020204" pitchFamily="34" charset="0"/>
+            </a:endParaRPr>
+          </a:p>
+        </p:txBody>
+      </p:sp>
+      <p:sp>
+        <p:nvSpPr>
+          <p:cNvPr id="58" name="Text Box 54">
+            <a:extLst>
+              <a:ext uri="{FF2B5EF4-FFF2-40B4-BE49-F238E27FC236}">
+                <a16:creationId xmlns:a16="http://schemas.microsoft.com/office/drawing/2014/main" id="{0C606254-AF89-48E7-BE74-4414F288D57C}"/>
+              </a:ext>
+            </a:extLst>
+          </p:cNvPr>
+          <p:cNvSpPr txBox="1">
+            <a:spLocks noChangeArrowheads="1"/>
+          </p:cNvSpPr>
+          <p:nvPr/>
+        </p:nvSpPr>
+        <p:spPr bwMode="auto">
+          <a:xfrm>
+            <a:off x="8394954" y="3171949"/>
+            <a:ext cx="1414463" cy="301625"/>
+          </a:xfrm>
+          <a:prstGeom prst="rect">
+            <a:avLst/>
+          </a:prstGeom>
+          <a:solidFill>
+            <a:srgbClr val="FFFFFF"/>
+          </a:solidFill>
+          <a:ln>
+            <a:noFill/>
+          </a:ln>
+          <a:extLst>
+            <a:ext uri="{91240B29-F687-4F45-9708-019B960494DF}">
+              <a14:hiddenLine xmlns:a14="http://schemas.microsoft.com/office/drawing/2010/main" w="9525">
+                <a:solidFill>
+                  <a:srgbClr val="000000"/>
+                </a:solidFill>
+                <a:miter lim="800000"/>
+                <a:headEnd/>
+                <a:tailEnd/>
+              </a14:hiddenLine>
+            </a:ext>
+          </a:extLst>
+        </p:spPr>
+        <p:txBody>
+          <a:bodyPr vert="horz" wrap="square" lIns="91440" tIns="45720" rIns="91440" bIns="45720" numCol="1" anchor="t" anchorCtr="0" compatLnSpc="1">
+            <a:prstTxWarp prst="textNoShape">
+              <a:avLst/>
+            </a:prstTxWarp>
+          </a:bodyPr>
+          <a:lstStyle/>
+          <a:p>
+            <a:pPr marL="0" marR="0" lvl="0" indent="0" algn="l" defTabSz="914400" rtl="0" eaLnBrk="0" fontAlgn="base" latinLnBrk="0" hangingPunct="0">
+              <a:lnSpc>
+                <a:spcPct val="100000"/>
+              </a:lnSpc>
+              <a:spcBef>
+                <a:spcPct val="0"/>
+              </a:spcBef>
+              <a:spcAft>
+                <a:spcPts val="800"/>
+              </a:spcAft>
+              <a:buClrTx/>
+              <a:buSzTx/>
+              <a:buFontTx/>
+              <a:buNone/>
+              <a:tabLst/>
+            </a:pPr>
+            <a:r>
+              <a:rPr kumimoji="0" lang="fr-FR" altLang="fr-FR" sz="1100" b="0" i="0" u="none" strike="noStrike" cap="none" normalizeH="0" baseline="0" dirty="0">
+                <a:ln>
+                  <a:noFill/>
+                </a:ln>
+                <a:solidFill>
+                  <a:schemeClr val="tx1"/>
+                </a:solidFill>
+                <a:effectLst/>
+                <a:latin typeface="Calibri" panose="020F0502020204030204" pitchFamily="34" charset="0"/>
+              </a:rPr>
+              <a:t>Nom de la société</a:t>
+            </a:r>
+            <a:endParaRPr kumimoji="0" lang="fr-FR" altLang="fr-FR" sz="1800" b="0" i="0" u="none" strike="noStrike" cap="none" normalizeH="0" baseline="0" dirty="0">
+              <a:ln>
+                <a:noFill/>
+              </a:ln>
+              <a:solidFill>
+                <a:schemeClr val="tx1"/>
+              </a:solidFill>
+              <a:effectLst/>
+              <a:latin typeface="Arial" panose="020B0604020202020204" pitchFamily="34" charset="0"/>
+            </a:endParaRPr>
+          </a:p>
+        </p:txBody>
+      </p:sp>
+      <p:sp>
+        <p:nvSpPr>
+          <p:cNvPr id="59" name="Text Box 55">
+            <a:extLst>
+              <a:ext uri="{FF2B5EF4-FFF2-40B4-BE49-F238E27FC236}">
+                <a16:creationId xmlns:a16="http://schemas.microsoft.com/office/drawing/2014/main" id="{B82B49BA-FF8A-4E8D-B0D5-7A250F4E1476}"/>
+              </a:ext>
+            </a:extLst>
+          </p:cNvPr>
+          <p:cNvSpPr txBox="1">
+            <a:spLocks noChangeArrowheads="1"/>
+          </p:cNvSpPr>
+          <p:nvPr/>
+        </p:nvSpPr>
+        <p:spPr bwMode="auto">
+          <a:xfrm>
+            <a:off x="8999456" y="5191987"/>
+            <a:ext cx="1587501" cy="500063"/>
+          </a:xfrm>
+          <a:prstGeom prst="rect">
+            <a:avLst/>
+          </a:prstGeom>
+          <a:solidFill>
+            <a:srgbClr val="FFFFFF"/>
+          </a:solidFill>
+          <a:ln>
+            <a:noFill/>
+          </a:ln>
+          <a:extLst>
+            <a:ext uri="{91240B29-F687-4F45-9708-019B960494DF}">
+              <a14:hiddenLine xmlns:a14="http://schemas.microsoft.com/office/drawing/2010/main" w="9525">
+                <a:solidFill>
+                  <a:srgbClr val="000000"/>
+                </a:solidFill>
+                <a:miter lim="800000"/>
+                <a:headEnd/>
+                <a:tailEnd/>
+              </a14:hiddenLine>
+            </a:ext>
+          </a:extLst>
+        </p:spPr>
+        <p:txBody>
+          <a:bodyPr vert="horz" wrap="square" lIns="91440" tIns="45720" rIns="91440" bIns="45720" numCol="1" anchor="t" anchorCtr="0" compatLnSpc="1">
+            <a:prstTxWarp prst="textNoShape">
+              <a:avLst/>
+            </a:prstTxWarp>
+          </a:bodyPr>
+          <a:lstStyle/>
+          <a:p>
+            <a:pPr marL="0" marR="0" lvl="0" indent="0" algn="l" defTabSz="914400" rtl="0" eaLnBrk="0" fontAlgn="base" latinLnBrk="0" hangingPunct="0">
+              <a:lnSpc>
+                <a:spcPct val="100000"/>
+              </a:lnSpc>
+              <a:spcBef>
+                <a:spcPct val="0"/>
+              </a:spcBef>
+              <a:spcAft>
+                <a:spcPts val="800"/>
+              </a:spcAft>
+              <a:buClrTx/>
+              <a:buSzTx/>
+              <a:buFontTx/>
+              <a:buNone/>
+              <a:tabLst/>
+            </a:pPr>
+            <a:r>
+              <a:rPr kumimoji="0" lang="fr-FR" altLang="fr-FR" sz="1100" b="0" i="0" u="none" strike="noStrike" cap="none" normalizeH="0" baseline="0" dirty="0">
+                <a:ln>
+                  <a:noFill/>
+                </a:ln>
+                <a:solidFill>
+                  <a:schemeClr val="tx1"/>
+                </a:solidFill>
+                <a:effectLst/>
+                <a:latin typeface="Calibri" panose="020F0502020204030204" pitchFamily="34" charset="0"/>
+              </a:rPr>
+              <a:t>Logotype du groupe de la société PILAF</a:t>
+            </a:r>
+            <a:endParaRPr kumimoji="0" lang="fr-FR" altLang="fr-FR" sz="1800" b="0" i="0" u="none" strike="noStrike" cap="none" normalizeH="0" baseline="0" dirty="0">
+              <a:ln>
+                <a:noFill/>
+              </a:ln>
+              <a:solidFill>
+                <a:schemeClr val="tx1"/>
+              </a:solidFill>
+              <a:effectLst/>
+              <a:latin typeface="Arial" panose="020B0604020202020204" pitchFamily="34" charset="0"/>
+            </a:endParaRPr>
+          </a:p>
+        </p:txBody>
+      </p:sp>
+      <p:cxnSp>
+        <p:nvCxnSpPr>
+          <p:cNvPr id="2104" name="AutoShape 56">
+            <a:extLst>
+              <a:ext uri="{FF2B5EF4-FFF2-40B4-BE49-F238E27FC236}">
+                <a16:creationId xmlns:a16="http://schemas.microsoft.com/office/drawing/2014/main" id="{9F3024B3-B7CA-4268-AF6C-FBE35D8B1688}"/>
+              </a:ext>
+            </a:extLst>
+          </p:cNvPr>
+          <p:cNvCxnSpPr>
+            <a:cxnSpLocks noChangeShapeType="1"/>
+          </p:cNvCxnSpPr>
+          <p:nvPr/>
+        </p:nvCxnSpPr>
+        <p:spPr bwMode="auto">
+          <a:xfrm>
+            <a:off x="7109708" y="3322761"/>
+            <a:ext cx="1349294" cy="0"/>
+          </a:xfrm>
+          <a:prstGeom prst="straightConnector1">
+            <a:avLst/>
+          </a:prstGeom>
+          <a:noFill/>
+          <a:ln w="9525">
+            <a:solidFill>
+              <a:srgbClr val="000000"/>
+            </a:solidFill>
+            <a:round/>
+            <a:headEnd/>
+            <a:tailEnd/>
+          </a:ln>
+          <a:extLst>
+            <a:ext uri="{909E8E84-426E-40DD-AFC4-6F175D3DCCD1}">
+              <a14:hiddenFill xmlns:a14="http://schemas.microsoft.com/office/drawing/2010/main">
+                <a:noFill/>
+              </a14:hiddenFill>
+            </a:ext>
+          </a:extLst>
+        </p:spPr>
+      </p:cxnSp>
+      <p:cxnSp>
+        <p:nvCxnSpPr>
+          <p:cNvPr id="2105" name="AutoShape 57">
+            <a:extLst>
+              <a:ext uri="{FF2B5EF4-FFF2-40B4-BE49-F238E27FC236}">
+                <a16:creationId xmlns:a16="http://schemas.microsoft.com/office/drawing/2014/main" id="{19567C4E-2D89-4AF1-A476-F0C9837EF0F7}"/>
+              </a:ext>
+            </a:extLst>
+          </p:cNvPr>
+          <p:cNvCxnSpPr>
+            <a:cxnSpLocks noChangeShapeType="1"/>
+          </p:cNvCxnSpPr>
+          <p:nvPr/>
+        </p:nvCxnSpPr>
+        <p:spPr bwMode="auto">
+          <a:xfrm>
+            <a:off x="7506045" y="5341377"/>
+            <a:ext cx="1527993" cy="0"/>
+          </a:xfrm>
+          <a:prstGeom prst="straightConnector1">
+            <a:avLst/>
+          </a:prstGeom>
+          <a:noFill/>
+          <a:ln w="9525">
+            <a:solidFill>
+              <a:srgbClr val="000000"/>
+            </a:solidFill>
+            <a:round/>
+            <a:headEnd/>
+            <a:tailEnd/>
+          </a:ln>
+          <a:extLst>
+            <a:ext uri="{909E8E84-426E-40DD-AFC4-6F175D3DCCD1}">
+              <a14:hiddenFill xmlns:a14="http://schemas.microsoft.com/office/drawing/2010/main">
+                <a:noFill/>
+              </a14:hiddenFill>
+            </a:ext>
+          </a:extLst>
+        </p:spPr>
+      </p:cxnSp>
+      <p:cxnSp>
+        <p:nvCxnSpPr>
+          <p:cNvPr id="2106" name="AutoShape 58">
+            <a:extLst>
+              <a:ext uri="{FF2B5EF4-FFF2-40B4-BE49-F238E27FC236}">
+                <a16:creationId xmlns:a16="http://schemas.microsoft.com/office/drawing/2014/main" id="{B9B2A6F6-1873-47FA-917D-C289A47D93B7}"/>
+              </a:ext>
+            </a:extLst>
+          </p:cNvPr>
+          <p:cNvCxnSpPr>
+            <a:cxnSpLocks noChangeShapeType="1"/>
+          </p:cNvCxnSpPr>
+          <p:nvPr/>
+        </p:nvCxnSpPr>
+        <p:spPr bwMode="auto">
+          <a:xfrm>
+            <a:off x="4151569" y="2595336"/>
+            <a:ext cx="1697038" cy="0"/>
+          </a:xfrm>
+          <a:prstGeom prst="straightConnector1">
+            <a:avLst/>
+          </a:prstGeom>
+          <a:noFill/>
+          <a:ln w="9525">
+            <a:solidFill>
+              <a:srgbClr val="000000"/>
+            </a:solidFill>
+            <a:round/>
+            <a:headEnd/>
+            <a:tailEnd/>
+          </a:ln>
+          <a:extLst>
+            <a:ext uri="{909E8E84-426E-40DD-AFC4-6F175D3DCCD1}">
+              <a14:hiddenFill xmlns:a14="http://schemas.microsoft.com/office/drawing/2010/main">
+                <a:noFill/>
+              </a14:hiddenFill>
+            </a:ext>
+          </a:extLst>
+        </p:spPr>
+      </p:cxnSp>
+      <p:cxnSp>
+        <p:nvCxnSpPr>
+          <p:cNvPr id="2107" name="AutoShape 59">
+            <a:extLst>
+              <a:ext uri="{FF2B5EF4-FFF2-40B4-BE49-F238E27FC236}">
+                <a16:creationId xmlns:a16="http://schemas.microsoft.com/office/drawing/2014/main" id="{083F88BE-AE13-4BFF-8C21-DE07342F67B9}"/>
+              </a:ext>
+            </a:extLst>
+          </p:cNvPr>
+          <p:cNvCxnSpPr>
+            <a:cxnSpLocks noChangeShapeType="1"/>
+          </p:cNvCxnSpPr>
+          <p:nvPr/>
+        </p:nvCxnSpPr>
+        <p:spPr bwMode="auto">
+          <a:xfrm>
+            <a:off x="4250638" y="4033205"/>
+            <a:ext cx="1697038" cy="0"/>
+          </a:xfrm>
+          <a:prstGeom prst="straightConnector1">
+            <a:avLst/>
+          </a:prstGeom>
+          <a:noFill/>
+          <a:ln w="9525">
+            <a:solidFill>
+              <a:srgbClr val="000000"/>
+            </a:solidFill>
+            <a:round/>
+            <a:headEnd/>
+            <a:tailEnd/>
+          </a:ln>
+          <a:extLst>
+            <a:ext uri="{909E8E84-426E-40DD-AFC4-6F175D3DCCD1}">
+              <a14:hiddenFill xmlns:a14="http://schemas.microsoft.com/office/drawing/2010/main">
+                <a:noFill/>
+              </a14:hiddenFill>
+            </a:ext>
+          </a:extLst>
+        </p:spPr>
+      </p:cxnSp>
+    </p:spTree>
+    <p:extLst>
+      <p:ext uri="{BB962C8B-B14F-4D97-AF65-F5344CB8AC3E}">
+        <p14:creationId xmlns:p14="http://schemas.microsoft.com/office/powerpoint/2010/main" val="3021868333"/>
+      </p:ext>
+    </p:extLst>
+  </p:cSld>
+  <p:clrMapOvr>
+    <a:masterClrMapping/>
+  </p:clrMapOvr>
+</p:sld>
+</file>
+
+<file path=ppt/slides/slide5.xml><?xml version="1.0" encoding="utf-8"?>
 <p:sld xmlns:a="http://schemas.openxmlformats.org/drawingml/2006/main" xmlns:r="http://schemas.openxmlformats.org/officeDocument/2006/relationships" xmlns:p="http://schemas.openxmlformats.org/presentationml/2006/main">
   <p:cSld>
     <p:bg>
@@ -4665,7 +5638,7 @@
               </a:pPr>
               <a:r>
                 <a:rPr lang="fr-FR" sz="2400" kern="1200" dirty="0"/>
-                <a:t>Intuitif</a:t>
+                <a:t>Intuitive</a:t>
               </a:r>
             </a:p>
           </p:txBody>
@@ -5155,6 +6128,10 @@
                 </a:spcAft>
                 <a:buNone/>
               </a:pPr>
+              <a:r>
+                <a:rPr lang="fr-FR" sz="2400" dirty="0"/>
+                <a:t>Accessible</a:t>
+              </a:r>
               <a:endParaRPr lang="fr-FR" sz="2400" kern="1200" dirty="0"/>
             </a:p>
           </p:txBody>
@@ -5400,7 +6377,10 @@
                 </a:spcAft>
                 <a:buNone/>
               </a:pPr>
-              <a:endParaRPr lang="fr-FR" sz="2400" kern="1200" dirty="0"/>
+              <a:r>
+                <a:rPr lang="fr-FR" sz="2400" kern="1200" dirty="0"/>
+                <a:t>Sobre</a:t>
+              </a:r>
             </a:p>
           </p:txBody>
         </p:sp>

--- a/Presentation_03_06_2020.pptx
+++ b/Presentation_03_06_2020.pptx
@@ -9,7 +9,7 @@
     <p:sldId id="258" r:id="rId3"/>
     <p:sldId id="259" r:id="rId4"/>
     <p:sldId id="261" r:id="rId5"/>
-    <p:sldId id="260" r:id="rId6"/>
+    <p:sldId id="262" r:id="rId6"/>
   </p:sldIdLst>
   <p:sldSz cx="12192000" cy="6858000"/>
   <p:notesSz cx="6858000" cy="9144000"/>
@@ -116,6 +116,3473 @@
 </p:presentation>
 </file>
 
+<file path=ppt/diagrams/colors1.xml><?xml version="1.0" encoding="utf-8"?>
+<dgm:colorsDef xmlns:dgm="http://schemas.openxmlformats.org/drawingml/2006/diagram" xmlns:a="http://schemas.openxmlformats.org/drawingml/2006/main" uniqueId="urn:microsoft.com/office/officeart/2018/5/colors/Iconchunking_neutralicon_colorful1">
+  <dgm:title val=""/>
+  <dgm:desc val=""/>
+  <dgm:catLst>
+    <dgm:cat type="colorful" pri="10100"/>
+  </dgm:catLst>
+  <dgm:styleLbl name="node0">
+    <dgm:fillClrLst meth="repeat">
+      <a:schemeClr val="accent1"/>
+    </dgm:fillClrLst>
+    <dgm:linClrLst meth="repeat">
+      <a:schemeClr val="lt1"/>
+    </dgm:linClrLst>
+    <dgm:effectClrLst/>
+    <dgm:txLinClrLst/>
+    <dgm:txFillClrLst/>
+    <dgm:txEffectClrLst/>
+  </dgm:styleLbl>
+  <dgm:styleLbl name="node1">
+    <dgm:fillClrLst meth="repeat">
+      <a:schemeClr val="bg1"/>
+    </dgm:fillClrLst>
+    <dgm:linClrLst meth="repeat">
+      <a:schemeClr val="lt1">
+        <a:alpha val="0"/>
+      </a:schemeClr>
+    </dgm:linClrLst>
+    <dgm:effectClrLst/>
+    <dgm:txLinClrLst/>
+    <dgm:txFillClrLst meth="repeat">
+      <a:schemeClr val="dk1"/>
+    </dgm:txFillClrLst>
+    <dgm:txEffectClrLst/>
+  </dgm:styleLbl>
+  <dgm:styleLbl name="alignNode1">
+    <dgm:fillClrLst meth="repeat">
+      <a:schemeClr val="accent2"/>
+      <a:schemeClr val="accent3"/>
+      <a:schemeClr val="accent4"/>
+      <a:schemeClr val="accent5"/>
+      <a:schemeClr val="accent6"/>
+    </dgm:fillClrLst>
+    <dgm:linClrLst meth="repeat">
+      <a:schemeClr val="accent2"/>
+      <a:schemeClr val="accent3"/>
+      <a:schemeClr val="accent4"/>
+      <a:schemeClr val="accent5"/>
+      <a:schemeClr val="accent6"/>
+    </dgm:linClrLst>
+    <dgm:effectClrLst/>
+    <dgm:txLinClrLst/>
+    <dgm:txFillClrLst/>
+    <dgm:txEffectClrLst/>
+  </dgm:styleLbl>
+  <dgm:styleLbl name="lnNode1">
+    <dgm:fillClrLst meth="repeat">
+      <a:schemeClr val="accent2"/>
+      <a:schemeClr val="accent3"/>
+      <a:schemeClr val="accent4"/>
+      <a:schemeClr val="accent5"/>
+      <a:schemeClr val="accent6"/>
+    </dgm:fillClrLst>
+    <dgm:linClrLst meth="repeat">
+      <a:schemeClr val="lt1"/>
+    </dgm:linClrLst>
+    <dgm:effectClrLst/>
+    <dgm:txLinClrLst/>
+    <dgm:txFillClrLst/>
+    <dgm:txEffectClrLst/>
+  </dgm:styleLbl>
+  <dgm:styleLbl name="vennNode1">
+    <dgm:fillClrLst meth="repeat">
+      <a:schemeClr val="accent2">
+        <a:alpha val="50000"/>
+      </a:schemeClr>
+      <a:schemeClr val="accent3">
+        <a:alpha val="50000"/>
+      </a:schemeClr>
+      <a:schemeClr val="accent4">
+        <a:alpha val="50000"/>
+      </a:schemeClr>
+      <a:schemeClr val="accent5">
+        <a:alpha val="50000"/>
+      </a:schemeClr>
+      <a:schemeClr val="accent6">
+        <a:alpha val="50000"/>
+      </a:schemeClr>
+    </dgm:fillClrLst>
+    <dgm:linClrLst meth="repeat">
+      <a:schemeClr val="lt1"/>
+    </dgm:linClrLst>
+    <dgm:effectClrLst/>
+    <dgm:txLinClrLst/>
+    <dgm:txFillClrLst/>
+    <dgm:txEffectClrLst/>
+  </dgm:styleLbl>
+  <dgm:styleLbl name="node2">
+    <dgm:fillClrLst>
+      <a:schemeClr val="accent2"/>
+    </dgm:fillClrLst>
+    <dgm:linClrLst meth="repeat">
+      <a:schemeClr val="lt1"/>
+    </dgm:linClrLst>
+    <dgm:effectClrLst/>
+    <dgm:txLinClrLst/>
+    <dgm:txFillClrLst/>
+    <dgm:txEffectClrLst/>
+  </dgm:styleLbl>
+  <dgm:styleLbl name="node3">
+    <dgm:fillClrLst>
+      <a:schemeClr val="accent3"/>
+    </dgm:fillClrLst>
+    <dgm:linClrLst meth="repeat">
+      <a:schemeClr val="lt1"/>
+    </dgm:linClrLst>
+    <dgm:effectClrLst/>
+    <dgm:txLinClrLst/>
+    <dgm:txFillClrLst/>
+    <dgm:txEffectClrLst/>
+  </dgm:styleLbl>
+  <dgm:styleLbl name="node4">
+    <dgm:fillClrLst>
+      <a:schemeClr val="accent4"/>
+    </dgm:fillClrLst>
+    <dgm:linClrLst meth="repeat">
+      <a:schemeClr val="lt1"/>
+    </dgm:linClrLst>
+    <dgm:effectClrLst/>
+    <dgm:txLinClrLst/>
+    <dgm:txFillClrLst/>
+    <dgm:txEffectClrLst/>
+  </dgm:styleLbl>
+  <dgm:styleLbl name="fgImgPlace1">
+    <dgm:fillClrLst meth="repeat">
+      <a:schemeClr val="accent2">
+        <a:tint val="50000"/>
+      </a:schemeClr>
+      <a:schemeClr val="accent3">
+        <a:tint val="50000"/>
+      </a:schemeClr>
+      <a:schemeClr val="accent4">
+        <a:tint val="50000"/>
+      </a:schemeClr>
+      <a:schemeClr val="accent5">
+        <a:tint val="50000"/>
+      </a:schemeClr>
+      <a:schemeClr val="accent6">
+        <a:tint val="50000"/>
+      </a:schemeClr>
+    </dgm:fillClrLst>
+    <dgm:linClrLst meth="repeat">
+      <a:schemeClr val="lt1"/>
+    </dgm:linClrLst>
+    <dgm:effectClrLst/>
+    <dgm:txLinClrLst/>
+    <dgm:txFillClrLst meth="repeat">
+      <a:schemeClr val="lt1"/>
+    </dgm:txFillClrLst>
+    <dgm:txEffectClrLst/>
+  </dgm:styleLbl>
+  <dgm:styleLbl name="alignImgPlace1">
+    <dgm:fillClrLst>
+      <a:schemeClr val="accent1">
+        <a:tint val="50000"/>
+      </a:schemeClr>
+      <a:schemeClr val="accent2">
+        <a:tint val="20000"/>
+      </a:schemeClr>
+    </dgm:fillClrLst>
+    <dgm:linClrLst meth="repeat">
+      <a:schemeClr val="lt1"/>
+    </dgm:linClrLst>
+    <dgm:effectClrLst/>
+    <dgm:txLinClrLst/>
+    <dgm:txFillClrLst meth="repeat">
+      <a:schemeClr val="lt1"/>
+    </dgm:txFillClrLst>
+    <dgm:txEffectClrLst/>
+  </dgm:styleLbl>
+  <dgm:styleLbl name="bgImgPlace1">
+    <dgm:fillClrLst>
+      <a:schemeClr val="accent1">
+        <a:tint val="50000"/>
+      </a:schemeClr>
+      <a:schemeClr val="accent2">
+        <a:tint val="20000"/>
+      </a:schemeClr>
+    </dgm:fillClrLst>
+    <dgm:linClrLst meth="repeat">
+      <a:schemeClr val="lt1"/>
+    </dgm:linClrLst>
+    <dgm:effectClrLst/>
+    <dgm:txLinClrLst/>
+    <dgm:txFillClrLst meth="repeat">
+      <a:schemeClr val="lt1"/>
+    </dgm:txFillClrLst>
+    <dgm:txEffectClrLst/>
+  </dgm:styleLbl>
+  <dgm:styleLbl name="sibTrans2D1">
+    <dgm:fillClrLst meth="repeat">
+      <a:schemeClr val="accent2"/>
+      <a:schemeClr val="accent3"/>
+      <a:schemeClr val="accent4"/>
+      <a:schemeClr val="accent5"/>
+      <a:schemeClr val="accent6"/>
+    </dgm:fillClrLst>
+    <dgm:linClrLst meth="cycle">
+      <a:schemeClr val="lt1"/>
+    </dgm:linClrLst>
+    <dgm:effectClrLst/>
+    <dgm:txLinClrLst/>
+    <dgm:txFillClrLst/>
+    <dgm:txEffectClrLst/>
+  </dgm:styleLbl>
+  <dgm:styleLbl name="fgSibTrans2D1">
+    <dgm:fillClrLst meth="repeat">
+      <a:schemeClr val="accent2"/>
+      <a:schemeClr val="accent3"/>
+      <a:schemeClr val="accent4"/>
+      <a:schemeClr val="accent5"/>
+      <a:schemeClr val="accent6"/>
+    </dgm:fillClrLst>
+    <dgm:linClrLst meth="cycle">
+      <a:schemeClr val="lt1"/>
+    </dgm:linClrLst>
+    <dgm:effectClrLst/>
+    <dgm:txLinClrLst/>
+    <dgm:txFillClrLst meth="repeat">
+      <a:schemeClr val="lt1"/>
+    </dgm:txFillClrLst>
+    <dgm:txEffectClrLst/>
+  </dgm:styleLbl>
+  <dgm:styleLbl name="bgSibTrans2D1">
+    <dgm:fillClrLst meth="repeat">
+      <a:schemeClr val="accent2"/>
+      <a:schemeClr val="accent3"/>
+      <a:schemeClr val="accent4"/>
+      <a:schemeClr val="accent5"/>
+      <a:schemeClr val="accent6"/>
+    </dgm:fillClrLst>
+    <dgm:linClrLst meth="cycle">
+      <a:schemeClr val="lt1"/>
+    </dgm:linClrLst>
+    <dgm:effectClrLst/>
+    <dgm:txLinClrLst/>
+    <dgm:txFillClrLst meth="repeat">
+      <a:schemeClr val="lt1"/>
+    </dgm:txFillClrLst>
+    <dgm:txEffectClrLst/>
+  </dgm:styleLbl>
+  <dgm:styleLbl name="sibTrans1D1">
+    <dgm:fillClrLst meth="repeat">
+      <a:schemeClr val="accent2"/>
+      <a:schemeClr val="accent3"/>
+      <a:schemeClr val="accent4"/>
+      <a:schemeClr val="accent5"/>
+      <a:schemeClr val="accent6"/>
+    </dgm:fillClrLst>
+    <dgm:linClrLst meth="repeat">
+      <a:schemeClr val="accent2"/>
+      <a:schemeClr val="accent3"/>
+      <a:schemeClr val="accent4"/>
+      <a:schemeClr val="accent5"/>
+      <a:schemeClr val="accent6"/>
+    </dgm:linClrLst>
+    <dgm:effectClrLst/>
+    <dgm:txLinClrLst/>
+    <dgm:txFillClrLst meth="repeat">
+      <a:schemeClr val="tx1"/>
+    </dgm:txFillClrLst>
+    <dgm:txEffectClrLst/>
+  </dgm:styleLbl>
+  <dgm:styleLbl name="callout">
+    <dgm:fillClrLst meth="repeat">
+      <a:schemeClr val="accent2"/>
+    </dgm:fillClrLst>
+    <dgm:linClrLst meth="repeat">
+      <a:schemeClr val="accent2">
+        <a:tint val="50000"/>
+      </a:schemeClr>
+    </dgm:linClrLst>
+    <dgm:effectClrLst/>
+    <dgm:txLinClrLst/>
+    <dgm:txFillClrLst meth="repeat">
+      <a:schemeClr val="tx1"/>
+    </dgm:txFillClrLst>
+    <dgm:txEffectClrLst/>
+  </dgm:styleLbl>
+  <dgm:styleLbl name="asst0">
+    <dgm:fillClrLst meth="repeat">
+      <a:schemeClr val="accent1"/>
+    </dgm:fillClrLst>
+    <dgm:linClrLst meth="repeat">
+      <a:schemeClr val="lt1"/>
+    </dgm:linClrLst>
+    <dgm:effectClrLst/>
+    <dgm:txLinClrLst/>
+    <dgm:txFillClrLst/>
+    <dgm:txEffectClrLst/>
+  </dgm:styleLbl>
+  <dgm:styleLbl name="asst1">
+    <dgm:fillClrLst meth="repeat">
+      <a:schemeClr val="accent2"/>
+    </dgm:fillClrLst>
+    <dgm:linClrLst meth="repeat">
+      <a:schemeClr val="lt1"/>
+    </dgm:linClrLst>
+    <dgm:effectClrLst/>
+    <dgm:txLinClrLst/>
+    <dgm:txFillClrLst/>
+    <dgm:txEffectClrLst/>
+  </dgm:styleLbl>
+  <dgm:styleLbl name="asst2">
+    <dgm:fillClrLst>
+      <a:schemeClr val="accent3"/>
+    </dgm:fillClrLst>
+    <dgm:linClrLst meth="repeat">
+      <a:schemeClr val="lt1"/>
+    </dgm:linClrLst>
+    <dgm:effectClrLst/>
+    <dgm:txLinClrLst/>
+    <dgm:txFillClrLst/>
+    <dgm:txEffectClrLst/>
+  </dgm:styleLbl>
+  <dgm:styleLbl name="asst3">
+    <dgm:fillClrLst>
+      <a:schemeClr val="accent4"/>
+    </dgm:fillClrLst>
+    <dgm:linClrLst meth="repeat">
+      <a:schemeClr val="lt1"/>
+    </dgm:linClrLst>
+    <dgm:effectClrLst/>
+    <dgm:txLinClrLst/>
+    <dgm:txFillClrLst/>
+    <dgm:txEffectClrLst/>
+  </dgm:styleLbl>
+  <dgm:styleLbl name="asst4">
+    <dgm:fillClrLst>
+      <a:schemeClr val="accent5"/>
+    </dgm:fillClrLst>
+    <dgm:linClrLst meth="repeat">
+      <a:schemeClr val="lt1"/>
+    </dgm:linClrLst>
+    <dgm:effectClrLst/>
+    <dgm:txLinClrLst/>
+    <dgm:txFillClrLst/>
+    <dgm:txEffectClrLst/>
+  </dgm:styleLbl>
+  <dgm:styleLbl name="parChTrans2D1">
+    <dgm:fillClrLst meth="repeat">
+      <a:schemeClr val="accent2"/>
+    </dgm:fillClrLst>
+    <dgm:linClrLst meth="repeat">
+      <a:schemeClr val="lt1"/>
+    </dgm:linClrLst>
+    <dgm:effectClrLst/>
+    <dgm:txLinClrLst/>
+    <dgm:txFillClrLst meth="repeat">
+      <a:schemeClr val="lt1"/>
+    </dgm:txFillClrLst>
+    <dgm:txEffectClrLst/>
+  </dgm:styleLbl>
+  <dgm:styleLbl name="parChTrans2D2">
+    <dgm:fillClrLst meth="repeat">
+      <a:schemeClr val="accent3"/>
+    </dgm:fillClrLst>
+    <dgm:linClrLst meth="repeat">
+      <a:schemeClr val="lt1"/>
+    </dgm:linClrLst>
+    <dgm:effectClrLst/>
+    <dgm:txLinClrLst/>
+    <dgm:txFillClrLst/>
+    <dgm:txEffectClrLst/>
+  </dgm:styleLbl>
+  <dgm:styleLbl name="parChTrans2D3">
+    <dgm:fillClrLst meth="repeat">
+      <a:schemeClr val="accent4"/>
+    </dgm:fillClrLst>
+    <dgm:linClrLst meth="repeat">
+      <a:schemeClr val="lt1"/>
+    </dgm:linClrLst>
+    <dgm:effectClrLst/>
+    <dgm:txLinClrLst/>
+    <dgm:txFillClrLst/>
+    <dgm:txEffectClrLst/>
+  </dgm:styleLbl>
+  <dgm:styleLbl name="parChTrans2D4">
+    <dgm:fillClrLst meth="repeat">
+      <a:schemeClr val="accent5"/>
+    </dgm:fillClrLst>
+    <dgm:linClrLst meth="repeat">
+      <a:schemeClr val="lt1"/>
+    </dgm:linClrLst>
+    <dgm:effectClrLst/>
+    <dgm:txLinClrLst/>
+    <dgm:txFillClrLst meth="repeat">
+      <a:schemeClr val="lt1"/>
+    </dgm:txFillClrLst>
+    <dgm:txEffectClrLst/>
+  </dgm:styleLbl>
+  <dgm:styleLbl name="parChTrans1D1">
+    <dgm:fillClrLst meth="repeat">
+      <a:schemeClr val="accent2"/>
+    </dgm:fillClrLst>
+    <dgm:linClrLst meth="repeat">
+      <a:schemeClr val="accent1"/>
+    </dgm:linClrLst>
+    <dgm:effectClrLst/>
+    <dgm:txLinClrLst/>
+    <dgm:txFillClrLst meth="repeat">
+      <a:schemeClr val="tx1"/>
+    </dgm:txFillClrLst>
+    <dgm:txEffectClrLst/>
+  </dgm:styleLbl>
+  <dgm:styleLbl name="parChTrans1D2">
+    <dgm:fillClrLst meth="repeat">
+      <a:schemeClr val="accent3">
+        <a:tint val="90000"/>
+      </a:schemeClr>
+    </dgm:fillClrLst>
+    <dgm:linClrLst meth="repeat">
+      <a:schemeClr val="accent2"/>
+    </dgm:linClrLst>
+    <dgm:effectClrLst/>
+    <dgm:txLinClrLst/>
+    <dgm:txFillClrLst meth="repeat">
+      <a:schemeClr val="tx1"/>
+    </dgm:txFillClrLst>
+    <dgm:txEffectClrLst/>
+  </dgm:styleLbl>
+  <dgm:styleLbl name="parChTrans1D3">
+    <dgm:fillClrLst meth="repeat">
+      <a:schemeClr val="accent4">
+        <a:tint val="70000"/>
+      </a:schemeClr>
+    </dgm:fillClrLst>
+    <dgm:linClrLst meth="repeat">
+      <a:schemeClr val="accent3"/>
+    </dgm:linClrLst>
+    <dgm:effectClrLst/>
+    <dgm:txLinClrLst/>
+    <dgm:txFillClrLst meth="repeat">
+      <a:schemeClr val="tx1"/>
+    </dgm:txFillClrLst>
+    <dgm:txEffectClrLst/>
+  </dgm:styleLbl>
+  <dgm:styleLbl name="parChTrans1D4">
+    <dgm:fillClrLst meth="repeat">
+      <a:schemeClr val="accent5">
+        <a:tint val="50000"/>
+      </a:schemeClr>
+    </dgm:fillClrLst>
+    <dgm:linClrLst meth="repeat">
+      <a:schemeClr val="accent4"/>
+    </dgm:linClrLst>
+    <dgm:effectClrLst/>
+    <dgm:txLinClrLst/>
+    <dgm:txFillClrLst meth="repeat">
+      <a:schemeClr val="tx1"/>
+    </dgm:txFillClrLst>
+    <dgm:txEffectClrLst/>
+  </dgm:styleLbl>
+  <dgm:styleLbl name="fgAcc1">
+    <dgm:fillClrLst meth="repeat">
+      <a:schemeClr val="lt1">
+        <a:alpha val="90000"/>
+      </a:schemeClr>
+    </dgm:fillClrLst>
+    <dgm:linClrLst meth="repeat">
+      <a:schemeClr val="accent2"/>
+      <a:schemeClr val="accent3"/>
+      <a:schemeClr val="accent4"/>
+      <a:schemeClr val="accent5"/>
+      <a:schemeClr val="accent6"/>
+    </dgm:linClrLst>
+    <dgm:effectClrLst/>
+    <dgm:txLinClrLst/>
+    <dgm:txFillClrLst meth="repeat">
+      <a:schemeClr val="dk1"/>
+    </dgm:txFillClrLst>
+    <dgm:txEffectClrLst/>
+  </dgm:styleLbl>
+  <dgm:styleLbl name="conFgAcc1">
+    <dgm:fillClrLst meth="repeat">
+      <a:schemeClr val="lt1">
+        <a:alpha val="90000"/>
+      </a:schemeClr>
+    </dgm:fillClrLst>
+    <dgm:linClrLst meth="repeat">
+      <a:schemeClr val="accent2"/>
+      <a:schemeClr val="accent3"/>
+      <a:schemeClr val="accent4"/>
+      <a:schemeClr val="accent5"/>
+      <a:schemeClr val="accent6"/>
+    </dgm:linClrLst>
+    <dgm:effectClrLst/>
+    <dgm:txLinClrLst/>
+    <dgm:txFillClrLst meth="repeat">
+      <a:schemeClr val="dk1"/>
+    </dgm:txFillClrLst>
+    <dgm:txEffectClrLst/>
+  </dgm:styleLbl>
+  <dgm:styleLbl name="alignAcc1">
+    <dgm:fillClrLst meth="repeat">
+      <a:schemeClr val="lt1">
+        <a:alpha val="90000"/>
+      </a:schemeClr>
+    </dgm:fillClrLst>
+    <dgm:linClrLst meth="repeat">
+      <a:schemeClr val="accent2"/>
+      <a:schemeClr val="accent3"/>
+      <a:schemeClr val="accent4"/>
+      <a:schemeClr val="accent5"/>
+      <a:schemeClr val="accent6"/>
+    </dgm:linClrLst>
+    <dgm:effectClrLst/>
+    <dgm:txLinClrLst/>
+    <dgm:txFillClrLst meth="repeat">
+      <a:schemeClr val="dk1"/>
+    </dgm:txFillClrLst>
+    <dgm:txEffectClrLst/>
+  </dgm:styleLbl>
+  <dgm:styleLbl name="trAlignAcc1">
+    <dgm:fillClrLst meth="repeat">
+      <a:schemeClr val="lt1">
+        <a:alpha val="40000"/>
+      </a:schemeClr>
+    </dgm:fillClrLst>
+    <dgm:linClrLst meth="repeat">
+      <a:schemeClr val="accent1"/>
+    </dgm:linClrLst>
+    <dgm:effectClrLst/>
+    <dgm:txLinClrLst/>
+    <dgm:txFillClrLst meth="repeat">
+      <a:schemeClr val="dk1"/>
+    </dgm:txFillClrLst>
+    <dgm:txEffectClrLst/>
+  </dgm:styleLbl>
+  <dgm:styleLbl name="bgAcc1">
+    <dgm:fillClrLst meth="repeat">
+      <a:schemeClr val="lt1">
+        <a:alpha val="90000"/>
+      </a:schemeClr>
+    </dgm:fillClrLst>
+    <dgm:linClrLst meth="repeat">
+      <a:schemeClr val="accent2"/>
+      <a:schemeClr val="accent3"/>
+      <a:schemeClr val="accent4"/>
+      <a:schemeClr val="accent5"/>
+      <a:schemeClr val="accent6"/>
+    </dgm:linClrLst>
+    <dgm:effectClrLst/>
+    <dgm:txLinClrLst/>
+    <dgm:txFillClrLst meth="repeat">
+      <a:schemeClr val="dk1"/>
+    </dgm:txFillClrLst>
+    <dgm:txEffectClrLst/>
+  </dgm:styleLbl>
+  <dgm:styleLbl name="solidFgAcc1">
+    <dgm:fillClrLst meth="repeat">
+      <a:schemeClr val="lt1"/>
+    </dgm:fillClrLst>
+    <dgm:linClrLst meth="repeat">
+      <a:schemeClr val="accent2"/>
+      <a:schemeClr val="accent3"/>
+      <a:schemeClr val="accent4"/>
+      <a:schemeClr val="accent5"/>
+      <a:schemeClr val="accent6"/>
+    </dgm:linClrLst>
+    <dgm:effectClrLst/>
+    <dgm:txLinClrLst/>
+    <dgm:txFillClrLst meth="repeat">
+      <a:schemeClr val="dk1"/>
+    </dgm:txFillClrLst>
+    <dgm:txEffectClrLst/>
+  </dgm:styleLbl>
+  <dgm:styleLbl name="solidAlignAcc1">
+    <dgm:fillClrLst meth="repeat">
+      <a:schemeClr val="lt1"/>
+    </dgm:fillClrLst>
+    <dgm:linClrLst meth="repeat">
+      <a:schemeClr val="accent2"/>
+      <a:schemeClr val="accent3"/>
+      <a:schemeClr val="accent4"/>
+      <a:schemeClr val="accent5"/>
+      <a:schemeClr val="accent6"/>
+    </dgm:linClrLst>
+    <dgm:effectClrLst/>
+    <dgm:txLinClrLst/>
+    <dgm:txFillClrLst meth="repeat">
+      <a:schemeClr val="dk1"/>
+    </dgm:txFillClrLst>
+    <dgm:txEffectClrLst/>
+  </dgm:styleLbl>
+  <dgm:styleLbl name="solidBgAcc1">
+    <dgm:fillClrLst meth="repeat">
+      <a:schemeClr val="lt1"/>
+    </dgm:fillClrLst>
+    <dgm:linClrLst meth="repeat">
+      <a:schemeClr val="accent2"/>
+      <a:schemeClr val="accent3"/>
+      <a:schemeClr val="accent4"/>
+      <a:schemeClr val="accent5"/>
+      <a:schemeClr val="accent6"/>
+    </dgm:linClrLst>
+    <dgm:effectClrLst/>
+    <dgm:txLinClrLst/>
+    <dgm:txFillClrLst meth="repeat">
+      <a:schemeClr val="dk1"/>
+    </dgm:txFillClrLst>
+    <dgm:txEffectClrLst/>
+  </dgm:styleLbl>
+  <dgm:styleLbl name="fgAccFollowNode1">
+    <dgm:fillClrLst meth="repeat">
+      <a:schemeClr val="accent2">
+        <a:tint val="40000"/>
+        <a:alpha val="90000"/>
+      </a:schemeClr>
+      <a:schemeClr val="accent3">
+        <a:tint val="40000"/>
+        <a:alpha val="90000"/>
+      </a:schemeClr>
+      <a:schemeClr val="accent4">
+        <a:tint val="40000"/>
+        <a:alpha val="90000"/>
+      </a:schemeClr>
+      <a:schemeClr val="accent5">
+        <a:tint val="40000"/>
+        <a:alpha val="90000"/>
+      </a:schemeClr>
+      <a:schemeClr val="accent6">
+        <a:tint val="40000"/>
+        <a:alpha val="90000"/>
+      </a:schemeClr>
+    </dgm:fillClrLst>
+    <dgm:linClrLst meth="repeat">
+      <a:schemeClr val="accent2">
+        <a:tint val="40000"/>
+        <a:alpha val="90000"/>
+      </a:schemeClr>
+      <a:schemeClr val="accent3">
+        <a:tint val="40000"/>
+        <a:alpha val="90000"/>
+      </a:schemeClr>
+      <a:schemeClr val="accent4">
+        <a:tint val="40000"/>
+        <a:alpha val="90000"/>
+      </a:schemeClr>
+      <a:schemeClr val="accent5">
+        <a:tint val="40000"/>
+        <a:alpha val="90000"/>
+      </a:schemeClr>
+      <a:schemeClr val="accent6">
+        <a:tint val="40000"/>
+        <a:alpha val="90000"/>
+      </a:schemeClr>
+    </dgm:linClrLst>
+    <dgm:effectClrLst/>
+    <dgm:txLinClrLst/>
+    <dgm:txFillClrLst meth="repeat">
+      <a:schemeClr val="dk1"/>
+    </dgm:txFillClrLst>
+    <dgm:txEffectClrLst/>
+  </dgm:styleLbl>
+  <dgm:styleLbl name="alignAccFollowNode1">
+    <dgm:fillClrLst meth="repeat">
+      <a:schemeClr val="accent2">
+        <a:tint val="40000"/>
+        <a:alpha val="90000"/>
+      </a:schemeClr>
+      <a:schemeClr val="accent3">
+        <a:tint val="40000"/>
+        <a:alpha val="90000"/>
+      </a:schemeClr>
+      <a:schemeClr val="accent4">
+        <a:tint val="40000"/>
+        <a:alpha val="90000"/>
+      </a:schemeClr>
+      <a:schemeClr val="accent5">
+        <a:tint val="40000"/>
+        <a:alpha val="90000"/>
+      </a:schemeClr>
+      <a:schemeClr val="accent6">
+        <a:tint val="40000"/>
+        <a:alpha val="90000"/>
+      </a:schemeClr>
+    </dgm:fillClrLst>
+    <dgm:linClrLst meth="repeat">
+      <a:schemeClr val="accent2">
+        <a:tint val="40000"/>
+        <a:alpha val="90000"/>
+      </a:schemeClr>
+      <a:schemeClr val="accent3">
+        <a:tint val="40000"/>
+        <a:alpha val="90000"/>
+      </a:schemeClr>
+      <a:schemeClr val="accent4">
+        <a:tint val="40000"/>
+        <a:alpha val="90000"/>
+      </a:schemeClr>
+      <a:schemeClr val="accent5">
+        <a:tint val="40000"/>
+        <a:alpha val="90000"/>
+      </a:schemeClr>
+      <a:schemeClr val="accent6">
+        <a:tint val="40000"/>
+        <a:alpha val="90000"/>
+      </a:schemeClr>
+    </dgm:linClrLst>
+    <dgm:effectClrLst/>
+    <dgm:txLinClrLst/>
+    <dgm:txFillClrLst meth="repeat">
+      <a:schemeClr val="dk1"/>
+    </dgm:txFillClrLst>
+    <dgm:txEffectClrLst/>
+  </dgm:styleLbl>
+  <dgm:styleLbl name="bgAccFollowNode1">
+    <dgm:fillClrLst meth="repeat">
+      <a:schemeClr val="accent2">
+        <a:tint val="40000"/>
+        <a:alpha val="90000"/>
+      </a:schemeClr>
+      <a:schemeClr val="accent3">
+        <a:tint val="40000"/>
+        <a:alpha val="90000"/>
+      </a:schemeClr>
+      <a:schemeClr val="accent4">
+        <a:tint val="40000"/>
+        <a:alpha val="90000"/>
+      </a:schemeClr>
+      <a:schemeClr val="accent5">
+        <a:tint val="40000"/>
+        <a:alpha val="90000"/>
+      </a:schemeClr>
+      <a:schemeClr val="accent6">
+        <a:tint val="40000"/>
+        <a:alpha val="90000"/>
+      </a:schemeClr>
+    </dgm:fillClrLst>
+    <dgm:linClrLst meth="repeat">
+      <a:schemeClr val="accent2">
+        <a:tint val="40000"/>
+        <a:alpha val="90000"/>
+      </a:schemeClr>
+      <a:schemeClr val="accent3">
+        <a:tint val="40000"/>
+        <a:alpha val="90000"/>
+      </a:schemeClr>
+      <a:schemeClr val="accent4">
+        <a:tint val="40000"/>
+        <a:alpha val="90000"/>
+      </a:schemeClr>
+      <a:schemeClr val="accent5">
+        <a:tint val="40000"/>
+        <a:alpha val="90000"/>
+      </a:schemeClr>
+      <a:schemeClr val="accent6">
+        <a:tint val="40000"/>
+        <a:alpha val="90000"/>
+      </a:schemeClr>
+    </dgm:linClrLst>
+    <dgm:effectClrLst/>
+    <dgm:txLinClrLst/>
+    <dgm:txFillClrLst meth="repeat">
+      <a:schemeClr val="dk1"/>
+    </dgm:txFillClrLst>
+    <dgm:txEffectClrLst/>
+  </dgm:styleLbl>
+  <dgm:styleLbl name="fgAcc0">
+    <dgm:fillClrLst meth="repeat">
+      <a:schemeClr val="lt1">
+        <a:alpha val="90000"/>
+      </a:schemeClr>
+    </dgm:fillClrLst>
+    <dgm:linClrLst>
+      <a:schemeClr val="accent1"/>
+    </dgm:linClrLst>
+    <dgm:effectClrLst/>
+    <dgm:txLinClrLst/>
+    <dgm:txFillClrLst meth="repeat">
+      <a:schemeClr val="dk1"/>
+    </dgm:txFillClrLst>
+    <dgm:txEffectClrLst/>
+  </dgm:styleLbl>
+  <dgm:styleLbl name="fgAcc2">
+    <dgm:fillClrLst meth="repeat">
+      <a:schemeClr val="lt1">
+        <a:alpha val="90000"/>
+      </a:schemeClr>
+    </dgm:fillClrLst>
+    <dgm:linClrLst>
+      <a:schemeClr val="accent2"/>
+    </dgm:linClrLst>
+    <dgm:effectClrLst/>
+    <dgm:txLinClrLst/>
+    <dgm:txFillClrLst meth="repeat">
+      <a:schemeClr val="dk1"/>
+    </dgm:txFillClrLst>
+    <dgm:txEffectClrLst/>
+  </dgm:styleLbl>
+  <dgm:styleLbl name="fgAcc3">
+    <dgm:fillClrLst meth="repeat">
+      <a:schemeClr val="lt1">
+        <a:alpha val="90000"/>
+      </a:schemeClr>
+    </dgm:fillClrLst>
+    <dgm:linClrLst>
+      <a:schemeClr val="accent3"/>
+    </dgm:linClrLst>
+    <dgm:effectClrLst/>
+    <dgm:txLinClrLst/>
+    <dgm:txFillClrLst meth="repeat">
+      <a:schemeClr val="dk1"/>
+    </dgm:txFillClrLst>
+    <dgm:txEffectClrLst/>
+  </dgm:styleLbl>
+  <dgm:styleLbl name="fgAcc4">
+    <dgm:fillClrLst meth="repeat">
+      <a:schemeClr val="lt1">
+        <a:alpha val="90000"/>
+      </a:schemeClr>
+    </dgm:fillClrLst>
+    <dgm:linClrLst>
+      <a:schemeClr val="accent4"/>
+    </dgm:linClrLst>
+    <dgm:effectClrLst/>
+    <dgm:txLinClrLst/>
+    <dgm:txFillClrLst meth="repeat">
+      <a:schemeClr val="dk1"/>
+    </dgm:txFillClrLst>
+    <dgm:txEffectClrLst/>
+  </dgm:styleLbl>
+  <dgm:styleLbl name="bgShp">
+    <dgm:fillClrLst meth="repeat">
+      <a:schemeClr val="accent2"/>
+      <a:schemeClr val="accent3"/>
+      <a:schemeClr val="accent4"/>
+      <a:schemeClr val="accent5"/>
+      <a:schemeClr val="accent6"/>
+    </dgm:fillClrLst>
+    <dgm:linClrLst meth="repeat">
+      <a:schemeClr val="lt1">
+        <a:alpha val="0"/>
+      </a:schemeClr>
+    </dgm:linClrLst>
+    <dgm:effectClrLst/>
+    <dgm:txLinClrLst/>
+    <dgm:txFillClrLst/>
+    <dgm:txEffectClrLst/>
+  </dgm:styleLbl>
+  <dgm:styleLbl name="dkBgShp">
+    <dgm:fillClrLst meth="repeat">
+      <a:schemeClr val="accent2">
+        <a:shade val="90000"/>
+      </a:schemeClr>
+    </dgm:fillClrLst>
+    <dgm:linClrLst meth="repeat">
+      <a:schemeClr val="dk1"/>
+    </dgm:linClrLst>
+    <dgm:effectClrLst/>
+    <dgm:txLinClrLst/>
+    <dgm:txFillClrLst meth="repeat">
+      <a:schemeClr val="lt1"/>
+    </dgm:txFillClrLst>
+    <dgm:txEffectClrLst/>
+  </dgm:styleLbl>
+  <dgm:styleLbl name="trBgShp">
+    <dgm:fillClrLst meth="repeat">
+      <a:schemeClr val="accent1">
+        <a:tint val="50000"/>
+        <a:alpha val="40000"/>
+      </a:schemeClr>
+    </dgm:fillClrLst>
+    <dgm:linClrLst meth="repeat">
+      <a:schemeClr val="accent2"/>
+    </dgm:linClrLst>
+    <dgm:effectClrLst/>
+    <dgm:txLinClrLst/>
+    <dgm:txFillClrLst meth="repeat">
+      <a:schemeClr val="lt1"/>
+    </dgm:txFillClrLst>
+    <dgm:txEffectClrLst/>
+  </dgm:styleLbl>
+  <dgm:styleLbl name="fgShp">
+    <dgm:fillClrLst meth="repeat">
+      <a:schemeClr val="accent2">
+        <a:tint val="40000"/>
+      </a:schemeClr>
+    </dgm:fillClrLst>
+    <dgm:linClrLst meth="repeat">
+      <a:schemeClr val="lt1"/>
+    </dgm:linClrLst>
+    <dgm:effectClrLst/>
+    <dgm:txLinClrLst/>
+    <dgm:txFillClrLst meth="repeat">
+      <a:schemeClr val="dk1"/>
+    </dgm:txFillClrLst>
+    <dgm:txEffectClrLst/>
+  </dgm:styleLbl>
+  <dgm:styleLbl name="revTx">
+    <dgm:fillClrLst meth="repeat">
+      <a:schemeClr val="lt1">
+        <a:alpha val="0"/>
+      </a:schemeClr>
+    </dgm:fillClrLst>
+    <dgm:linClrLst meth="repeat">
+      <a:schemeClr val="dk1">
+        <a:alpha val="0"/>
+      </a:schemeClr>
+    </dgm:linClrLst>
+    <dgm:effectClrLst/>
+    <dgm:txLinClrLst/>
+    <dgm:txFillClrLst meth="repeat">
+      <a:schemeClr val="tx1"/>
+    </dgm:txFillClrLst>
+    <dgm:txEffectClrLst/>
+  </dgm:styleLbl>
+</dgm:colorsDef>
+</file>
+
+<file path=ppt/diagrams/data1.xml><?xml version="1.0" encoding="utf-8"?>
+<dgm:dataModel xmlns:dgm="http://schemas.openxmlformats.org/drawingml/2006/diagram" xmlns:a="http://schemas.openxmlformats.org/drawingml/2006/main">
+  <dgm:ptLst>
+    <dgm:pt modelId="{0B102121-826F-45CD-B491-FC2EA590FAE9}" type="doc">
+      <dgm:prSet loTypeId="urn:microsoft.com/office/officeart/2018/2/layout/IconCircleList" loCatId="icon" qsTypeId="urn:microsoft.com/office/officeart/2005/8/quickstyle/simple1" qsCatId="simple" csTypeId="urn:microsoft.com/office/officeart/2018/5/colors/Iconchunking_neutralicon_colorful1" csCatId="colorful" phldr="1"/>
+      <dgm:spPr/>
+      <dgm:t>
+        <a:bodyPr/>
+        <a:lstStyle/>
+        <a:p>
+          <a:endParaRPr lang="en-US"/>
+        </a:p>
+      </dgm:t>
+    </dgm:pt>
+    <dgm:pt modelId="{583C0B5D-CAA0-4EAD-877A-BB03B3010D64}">
+      <dgm:prSet/>
+      <dgm:spPr/>
+      <dgm:t>
+        <a:bodyPr/>
+        <a:lstStyle/>
+        <a:p>
+          <a:r>
+            <a:rPr lang="fr-FR"/>
+            <a:t>Efficace</a:t>
+          </a:r>
+          <a:endParaRPr lang="en-US"/>
+        </a:p>
+      </dgm:t>
+    </dgm:pt>
+    <dgm:pt modelId="{0ABDE4D5-1825-4812-B36A-53B8BF86E9A6}" type="parTrans" cxnId="{96F5C403-5F21-476C-91C6-F38CA2DB7C07}">
+      <dgm:prSet/>
+      <dgm:spPr/>
+      <dgm:t>
+        <a:bodyPr/>
+        <a:lstStyle/>
+        <a:p>
+          <a:endParaRPr lang="en-US"/>
+        </a:p>
+      </dgm:t>
+    </dgm:pt>
+    <dgm:pt modelId="{748BD688-C03E-4D2C-8928-43A1D94DA7F6}" type="sibTrans" cxnId="{96F5C403-5F21-476C-91C6-F38CA2DB7C07}">
+      <dgm:prSet/>
+      <dgm:spPr/>
+      <dgm:t>
+        <a:bodyPr/>
+        <a:lstStyle/>
+        <a:p>
+          <a:endParaRPr lang="en-US"/>
+        </a:p>
+      </dgm:t>
+    </dgm:pt>
+    <dgm:pt modelId="{F880505A-0A47-4A0E-A038-3B8701A6009E}">
+      <dgm:prSet/>
+      <dgm:spPr/>
+      <dgm:t>
+        <a:bodyPr/>
+        <a:lstStyle/>
+        <a:p>
+          <a:r>
+            <a:rPr lang="fr-FR"/>
+            <a:t>Intuitive</a:t>
+          </a:r>
+          <a:endParaRPr lang="en-US"/>
+        </a:p>
+      </dgm:t>
+    </dgm:pt>
+    <dgm:pt modelId="{64F06981-C249-4694-A508-2907A64E7505}" type="parTrans" cxnId="{A436C0FE-2B31-4B74-80EE-862D8C6EC8B3}">
+      <dgm:prSet/>
+      <dgm:spPr/>
+      <dgm:t>
+        <a:bodyPr/>
+        <a:lstStyle/>
+        <a:p>
+          <a:endParaRPr lang="en-US"/>
+        </a:p>
+      </dgm:t>
+    </dgm:pt>
+    <dgm:pt modelId="{51BAA304-29E9-4220-B785-F464F8C76F78}" type="sibTrans" cxnId="{A436C0FE-2B31-4B74-80EE-862D8C6EC8B3}">
+      <dgm:prSet/>
+      <dgm:spPr/>
+      <dgm:t>
+        <a:bodyPr/>
+        <a:lstStyle/>
+        <a:p>
+          <a:endParaRPr lang="en-US"/>
+        </a:p>
+      </dgm:t>
+    </dgm:pt>
+    <dgm:pt modelId="{FCE3982F-05E2-4129-BD29-F4FEF91D3A0C}">
+      <dgm:prSet/>
+      <dgm:spPr/>
+      <dgm:t>
+        <a:bodyPr/>
+        <a:lstStyle/>
+        <a:p>
+          <a:r>
+            <a:rPr lang="fr-FR"/>
+            <a:t>Outil d’aide</a:t>
+          </a:r>
+          <a:endParaRPr lang="en-US"/>
+        </a:p>
+      </dgm:t>
+    </dgm:pt>
+    <dgm:pt modelId="{9AAAC94B-261B-4C63-98F1-15B5783AE957}" type="parTrans" cxnId="{FBFD2997-35FA-47A3-A69D-8F14A98B35C5}">
+      <dgm:prSet/>
+      <dgm:spPr/>
+      <dgm:t>
+        <a:bodyPr/>
+        <a:lstStyle/>
+        <a:p>
+          <a:endParaRPr lang="en-US"/>
+        </a:p>
+      </dgm:t>
+    </dgm:pt>
+    <dgm:pt modelId="{9654741B-5219-466A-8C71-E9DF1F57E863}" type="sibTrans" cxnId="{FBFD2997-35FA-47A3-A69D-8F14A98B35C5}">
+      <dgm:prSet/>
+      <dgm:spPr/>
+      <dgm:t>
+        <a:bodyPr/>
+        <a:lstStyle/>
+        <a:p>
+          <a:endParaRPr lang="en-US"/>
+        </a:p>
+      </dgm:t>
+    </dgm:pt>
+    <dgm:pt modelId="{A193BB00-CA6A-44F0-B3CA-E0767A09776D}">
+      <dgm:prSet/>
+      <dgm:spPr/>
+      <dgm:t>
+        <a:bodyPr/>
+        <a:lstStyle/>
+        <a:p>
+          <a:r>
+            <a:rPr lang="fr-FR"/>
+            <a:t>Accessible</a:t>
+          </a:r>
+          <a:endParaRPr lang="en-US"/>
+        </a:p>
+      </dgm:t>
+    </dgm:pt>
+    <dgm:pt modelId="{CC21C487-C56F-43DD-B5DB-C3E977B48C78}" type="parTrans" cxnId="{AD576F80-7F3B-4977-BDC8-1A8BD3D7DD85}">
+      <dgm:prSet/>
+      <dgm:spPr/>
+      <dgm:t>
+        <a:bodyPr/>
+        <a:lstStyle/>
+        <a:p>
+          <a:endParaRPr lang="en-US"/>
+        </a:p>
+      </dgm:t>
+    </dgm:pt>
+    <dgm:pt modelId="{4CB00661-41CE-44F4-ACA0-1ED056EC7844}" type="sibTrans" cxnId="{AD576F80-7F3B-4977-BDC8-1A8BD3D7DD85}">
+      <dgm:prSet/>
+      <dgm:spPr/>
+      <dgm:t>
+        <a:bodyPr/>
+        <a:lstStyle/>
+        <a:p>
+          <a:endParaRPr lang="en-US"/>
+        </a:p>
+      </dgm:t>
+    </dgm:pt>
+    <dgm:pt modelId="{F6DC559D-359C-4F66-BCC9-51D3E78974B9}">
+      <dgm:prSet/>
+      <dgm:spPr/>
+      <dgm:t>
+        <a:bodyPr/>
+        <a:lstStyle/>
+        <a:p>
+          <a:r>
+            <a:rPr lang="fr-FR"/>
+            <a:t>Sobre</a:t>
+          </a:r>
+          <a:endParaRPr lang="en-US"/>
+        </a:p>
+      </dgm:t>
+    </dgm:pt>
+    <dgm:pt modelId="{220EC191-DED0-4625-ADFD-685094D6C493}" type="parTrans" cxnId="{08D1BF0F-E602-443D-9F27-864A356D5307}">
+      <dgm:prSet/>
+      <dgm:spPr/>
+      <dgm:t>
+        <a:bodyPr/>
+        <a:lstStyle/>
+        <a:p>
+          <a:endParaRPr lang="en-US"/>
+        </a:p>
+      </dgm:t>
+    </dgm:pt>
+    <dgm:pt modelId="{C163D741-2649-436F-B4A1-8E01009E2870}" type="sibTrans" cxnId="{08D1BF0F-E602-443D-9F27-864A356D5307}">
+      <dgm:prSet/>
+      <dgm:spPr/>
+      <dgm:t>
+        <a:bodyPr/>
+        <a:lstStyle/>
+        <a:p>
+          <a:endParaRPr lang="en-US"/>
+        </a:p>
+      </dgm:t>
+    </dgm:pt>
+    <dgm:pt modelId="{DE974BC1-42B3-434D-86F3-AC50DD54E03D}" type="pres">
+      <dgm:prSet presAssocID="{0B102121-826F-45CD-B491-FC2EA590FAE9}" presName="root" presStyleCnt="0">
+        <dgm:presLayoutVars>
+          <dgm:dir/>
+          <dgm:resizeHandles val="exact"/>
+        </dgm:presLayoutVars>
+      </dgm:prSet>
+      <dgm:spPr/>
+    </dgm:pt>
+    <dgm:pt modelId="{8D78EDB2-F573-48FC-8F0E-9BA287DF8590}" type="pres">
+      <dgm:prSet presAssocID="{0B102121-826F-45CD-B491-FC2EA590FAE9}" presName="container" presStyleCnt="0">
+        <dgm:presLayoutVars>
+          <dgm:dir/>
+          <dgm:resizeHandles val="exact"/>
+        </dgm:presLayoutVars>
+      </dgm:prSet>
+      <dgm:spPr/>
+    </dgm:pt>
+    <dgm:pt modelId="{E31AD6B8-8CC7-43F2-9232-BDEE17B1FE29}" type="pres">
+      <dgm:prSet presAssocID="{583C0B5D-CAA0-4EAD-877A-BB03B3010D64}" presName="compNode" presStyleCnt="0"/>
+      <dgm:spPr/>
+    </dgm:pt>
+    <dgm:pt modelId="{A99B2098-1F3D-4FE6-8BA4-10174B7B3A9A}" type="pres">
+      <dgm:prSet presAssocID="{583C0B5D-CAA0-4EAD-877A-BB03B3010D64}" presName="iconBgRect" presStyleLbl="bgShp" presStyleIdx="0" presStyleCnt="5"/>
+      <dgm:spPr/>
+    </dgm:pt>
+    <dgm:pt modelId="{2C23B9F1-2617-4D6B-A223-D60CC1641ED0}" type="pres">
+      <dgm:prSet presAssocID="{583C0B5D-CAA0-4EAD-877A-BB03B3010D64}" presName="iconRect" presStyleLbl="node1" presStyleIdx="0" presStyleCnt="5"/>
+      <dgm:spPr>
+        <a:blipFill>
+          <a:blip xmlns:r="http://schemas.openxmlformats.org/officeDocument/2006/relationships" r:embed="rId1">
+            <a:extLst>
+              <a:ext uri="{28A0092B-C50C-407E-A947-70E740481C1C}">
+                <a14:useLocalDpi xmlns:a14="http://schemas.microsoft.com/office/drawing/2010/main" val="0"/>
+              </a:ext>
+              <a:ext uri="{96DAC541-7B7A-43D3-8B79-37D633B846F1}">
+                <asvg:svgBlip xmlns:asvg="http://schemas.microsoft.com/office/drawing/2016/SVG/main" r:embed="rId2"/>
+              </a:ext>
+            </a:extLst>
+          </a:blip>
+          <a:stretch>
+            <a:fillRect/>
+          </a:stretch>
+        </a:blipFill>
+        <a:ln>
+          <a:noFill/>
+        </a:ln>
+      </dgm:spPr>
+      <dgm:extLst>
+        <a:ext uri="{E40237B7-FDA0-4F09-8148-C483321AD2D9}">
+          <dgm14:cNvPr xmlns:dgm14="http://schemas.microsoft.com/office/drawing/2010/diagram" id="0" name="" descr="Stopwatch"/>
+        </a:ext>
+      </dgm:extLst>
+    </dgm:pt>
+    <dgm:pt modelId="{F1280B65-21E6-4E0B-8F3E-BA52A267D654}" type="pres">
+      <dgm:prSet presAssocID="{583C0B5D-CAA0-4EAD-877A-BB03B3010D64}" presName="spaceRect" presStyleCnt="0"/>
+      <dgm:spPr/>
+    </dgm:pt>
+    <dgm:pt modelId="{0165AD21-A549-4907-9CE6-72040A0C20CA}" type="pres">
+      <dgm:prSet presAssocID="{583C0B5D-CAA0-4EAD-877A-BB03B3010D64}" presName="textRect" presStyleLbl="revTx" presStyleIdx="0" presStyleCnt="5">
+        <dgm:presLayoutVars>
+          <dgm:chMax val="1"/>
+          <dgm:chPref val="1"/>
+        </dgm:presLayoutVars>
+      </dgm:prSet>
+      <dgm:spPr/>
+    </dgm:pt>
+    <dgm:pt modelId="{2AF4CDA4-BEB1-451E-B6CD-A38646385907}" type="pres">
+      <dgm:prSet presAssocID="{748BD688-C03E-4D2C-8928-43A1D94DA7F6}" presName="sibTrans" presStyleLbl="sibTrans2D1" presStyleIdx="0" presStyleCnt="0"/>
+      <dgm:spPr/>
+    </dgm:pt>
+    <dgm:pt modelId="{132126C5-0A5A-46EA-A741-EFF72DFB56E4}" type="pres">
+      <dgm:prSet presAssocID="{F880505A-0A47-4A0E-A038-3B8701A6009E}" presName="compNode" presStyleCnt="0"/>
+      <dgm:spPr/>
+    </dgm:pt>
+    <dgm:pt modelId="{648A43FF-F9C7-47F6-9001-17D449DA8056}" type="pres">
+      <dgm:prSet presAssocID="{F880505A-0A47-4A0E-A038-3B8701A6009E}" presName="iconBgRect" presStyleLbl="bgShp" presStyleIdx="1" presStyleCnt="5"/>
+      <dgm:spPr/>
+    </dgm:pt>
+    <dgm:pt modelId="{1F215167-F9D8-458C-848D-96220660DD7A}" type="pres">
+      <dgm:prSet presAssocID="{F880505A-0A47-4A0E-A038-3B8701A6009E}" presName="iconRect" presStyleLbl="node1" presStyleIdx="1" presStyleCnt="5"/>
+      <dgm:spPr>
+        <a:blipFill>
+          <a:blip xmlns:r="http://schemas.openxmlformats.org/officeDocument/2006/relationships" r:embed="rId3">
+            <a:extLst>
+              <a:ext uri="{28A0092B-C50C-407E-A947-70E740481C1C}">
+                <a14:useLocalDpi xmlns:a14="http://schemas.microsoft.com/office/drawing/2010/main" val="0"/>
+              </a:ext>
+              <a:ext uri="{96DAC541-7B7A-43D3-8B79-37D633B846F1}">
+                <asvg:svgBlip xmlns:asvg="http://schemas.microsoft.com/office/drawing/2016/SVG/main" r:embed="rId4"/>
+              </a:ext>
+            </a:extLst>
+          </a:blip>
+          <a:stretch>
+            <a:fillRect/>
+          </a:stretch>
+        </a:blipFill>
+        <a:ln>
+          <a:noFill/>
+        </a:ln>
+      </dgm:spPr>
+      <dgm:extLst>
+        <a:ext uri="{E40237B7-FDA0-4F09-8148-C483321AD2D9}">
+          <dgm14:cNvPr xmlns:dgm14="http://schemas.microsoft.com/office/drawing/2010/diagram" id="0" name="" descr="Head with Gears"/>
+        </a:ext>
+      </dgm:extLst>
+    </dgm:pt>
+    <dgm:pt modelId="{BA7AA733-15A2-4B07-BA1E-22BED77E5625}" type="pres">
+      <dgm:prSet presAssocID="{F880505A-0A47-4A0E-A038-3B8701A6009E}" presName="spaceRect" presStyleCnt="0"/>
+      <dgm:spPr/>
+    </dgm:pt>
+    <dgm:pt modelId="{54F5D4B0-E3F9-42D0-B052-70832FAA163B}" type="pres">
+      <dgm:prSet presAssocID="{F880505A-0A47-4A0E-A038-3B8701A6009E}" presName="textRect" presStyleLbl="revTx" presStyleIdx="1" presStyleCnt="5">
+        <dgm:presLayoutVars>
+          <dgm:chMax val="1"/>
+          <dgm:chPref val="1"/>
+        </dgm:presLayoutVars>
+      </dgm:prSet>
+      <dgm:spPr/>
+    </dgm:pt>
+    <dgm:pt modelId="{B86ECC1E-F300-453B-99F4-B44AEEA326E9}" type="pres">
+      <dgm:prSet presAssocID="{51BAA304-29E9-4220-B785-F464F8C76F78}" presName="sibTrans" presStyleLbl="sibTrans2D1" presStyleIdx="0" presStyleCnt="0"/>
+      <dgm:spPr/>
+    </dgm:pt>
+    <dgm:pt modelId="{30C9DD1F-1A3A-45DA-B63E-892219F458B3}" type="pres">
+      <dgm:prSet presAssocID="{FCE3982F-05E2-4129-BD29-F4FEF91D3A0C}" presName="compNode" presStyleCnt="0"/>
+      <dgm:spPr/>
+    </dgm:pt>
+    <dgm:pt modelId="{E4C867B0-4182-4DE5-96F3-776338440ADA}" type="pres">
+      <dgm:prSet presAssocID="{FCE3982F-05E2-4129-BD29-F4FEF91D3A0C}" presName="iconBgRect" presStyleLbl="bgShp" presStyleIdx="2" presStyleCnt="5"/>
+      <dgm:spPr/>
+    </dgm:pt>
+    <dgm:pt modelId="{4D21B2BC-3D02-49A3-AC0E-3D1A0E33BB6C}" type="pres">
+      <dgm:prSet presAssocID="{FCE3982F-05E2-4129-BD29-F4FEF91D3A0C}" presName="iconRect" presStyleLbl="node1" presStyleIdx="2" presStyleCnt="5"/>
+      <dgm:spPr>
+        <a:blipFill>
+          <a:blip xmlns:r="http://schemas.openxmlformats.org/officeDocument/2006/relationships" r:embed="rId5">
+            <a:extLst>
+              <a:ext uri="{28A0092B-C50C-407E-A947-70E740481C1C}">
+                <a14:useLocalDpi xmlns:a14="http://schemas.microsoft.com/office/drawing/2010/main" val="0"/>
+              </a:ext>
+              <a:ext uri="{96DAC541-7B7A-43D3-8B79-37D633B846F1}">
+                <asvg:svgBlip xmlns:asvg="http://schemas.microsoft.com/office/drawing/2016/SVG/main" r:embed="rId6"/>
+              </a:ext>
+            </a:extLst>
+          </a:blip>
+          <a:stretch>
+            <a:fillRect/>
+          </a:stretch>
+        </a:blipFill>
+        <a:ln>
+          <a:noFill/>
+        </a:ln>
+      </dgm:spPr>
+      <dgm:extLst>
+        <a:ext uri="{E40237B7-FDA0-4F09-8148-C483321AD2D9}">
+          <dgm14:cNvPr xmlns:dgm14="http://schemas.microsoft.com/office/drawing/2010/diagram" id="0" name="" descr="Tools"/>
+        </a:ext>
+      </dgm:extLst>
+    </dgm:pt>
+    <dgm:pt modelId="{059DEA6C-9F55-4540-A256-B324AAF5136B}" type="pres">
+      <dgm:prSet presAssocID="{FCE3982F-05E2-4129-BD29-F4FEF91D3A0C}" presName="spaceRect" presStyleCnt="0"/>
+      <dgm:spPr/>
+    </dgm:pt>
+    <dgm:pt modelId="{2CB6AF59-6D4F-45FC-B529-2ABF1199C84D}" type="pres">
+      <dgm:prSet presAssocID="{FCE3982F-05E2-4129-BD29-F4FEF91D3A0C}" presName="textRect" presStyleLbl="revTx" presStyleIdx="2" presStyleCnt="5">
+        <dgm:presLayoutVars>
+          <dgm:chMax val="1"/>
+          <dgm:chPref val="1"/>
+        </dgm:presLayoutVars>
+      </dgm:prSet>
+      <dgm:spPr/>
+    </dgm:pt>
+    <dgm:pt modelId="{54D25258-0E1E-490E-8D67-8A29C72EC19E}" type="pres">
+      <dgm:prSet presAssocID="{9654741B-5219-466A-8C71-E9DF1F57E863}" presName="sibTrans" presStyleLbl="sibTrans2D1" presStyleIdx="0" presStyleCnt="0"/>
+      <dgm:spPr/>
+    </dgm:pt>
+    <dgm:pt modelId="{34EEF53B-0FBF-4E94-A36E-3E96A612FB6E}" type="pres">
+      <dgm:prSet presAssocID="{A193BB00-CA6A-44F0-B3CA-E0767A09776D}" presName="compNode" presStyleCnt="0"/>
+      <dgm:spPr/>
+    </dgm:pt>
+    <dgm:pt modelId="{05E76196-C469-4380-9D7D-37EB8CC00BB8}" type="pres">
+      <dgm:prSet presAssocID="{A193BB00-CA6A-44F0-B3CA-E0767A09776D}" presName="iconBgRect" presStyleLbl="bgShp" presStyleIdx="3" presStyleCnt="5"/>
+      <dgm:spPr/>
+    </dgm:pt>
+    <dgm:pt modelId="{737A906D-A760-48AA-8C74-75ACD62F8E30}" type="pres">
+      <dgm:prSet presAssocID="{A193BB00-CA6A-44F0-B3CA-E0767A09776D}" presName="iconRect" presStyleLbl="node1" presStyleIdx="3" presStyleCnt="5"/>
+      <dgm:spPr>
+        <a:blipFill>
+          <a:blip xmlns:r="http://schemas.openxmlformats.org/officeDocument/2006/relationships" r:embed="rId7">
+            <a:extLst>
+              <a:ext uri="{28A0092B-C50C-407E-A947-70E740481C1C}">
+                <a14:useLocalDpi xmlns:a14="http://schemas.microsoft.com/office/drawing/2010/main" val="0"/>
+              </a:ext>
+              <a:ext uri="{96DAC541-7B7A-43D3-8B79-37D633B846F1}">
+                <asvg:svgBlip xmlns:asvg="http://schemas.microsoft.com/office/drawing/2016/SVG/main" r:embed="rId8"/>
+              </a:ext>
+            </a:extLst>
+          </a:blip>
+          <a:stretch>
+            <a:fillRect/>
+          </a:stretch>
+        </a:blipFill>
+        <a:ln>
+          <a:noFill/>
+        </a:ln>
+      </dgm:spPr>
+      <dgm:extLst>
+        <a:ext uri="{E40237B7-FDA0-4F09-8148-C483321AD2D9}">
+          <dgm14:cNvPr xmlns:dgm14="http://schemas.microsoft.com/office/drawing/2010/diagram" id="0" name="" descr="Sign Language"/>
+        </a:ext>
+      </dgm:extLst>
+    </dgm:pt>
+    <dgm:pt modelId="{2B0BF14A-42B2-4764-B4D9-E692558A1C96}" type="pres">
+      <dgm:prSet presAssocID="{A193BB00-CA6A-44F0-B3CA-E0767A09776D}" presName="spaceRect" presStyleCnt="0"/>
+      <dgm:spPr/>
+    </dgm:pt>
+    <dgm:pt modelId="{5CA19AC0-B8E8-41F8-A10A-3DAF2C3ACDDC}" type="pres">
+      <dgm:prSet presAssocID="{A193BB00-CA6A-44F0-B3CA-E0767A09776D}" presName="textRect" presStyleLbl="revTx" presStyleIdx="3" presStyleCnt="5">
+        <dgm:presLayoutVars>
+          <dgm:chMax val="1"/>
+          <dgm:chPref val="1"/>
+        </dgm:presLayoutVars>
+      </dgm:prSet>
+      <dgm:spPr/>
+    </dgm:pt>
+    <dgm:pt modelId="{C1AF9C19-A139-4E7A-A924-36D3D378B986}" type="pres">
+      <dgm:prSet presAssocID="{4CB00661-41CE-44F4-ACA0-1ED056EC7844}" presName="sibTrans" presStyleLbl="sibTrans2D1" presStyleIdx="0" presStyleCnt="0"/>
+      <dgm:spPr/>
+    </dgm:pt>
+    <dgm:pt modelId="{4CE4442C-E514-4DFB-8851-DEB0157C2BDA}" type="pres">
+      <dgm:prSet presAssocID="{F6DC559D-359C-4F66-BCC9-51D3E78974B9}" presName="compNode" presStyleCnt="0"/>
+      <dgm:spPr/>
+    </dgm:pt>
+    <dgm:pt modelId="{2FCF2518-5A89-428D-B395-29900094400F}" type="pres">
+      <dgm:prSet presAssocID="{F6DC559D-359C-4F66-BCC9-51D3E78974B9}" presName="iconBgRect" presStyleLbl="bgShp" presStyleIdx="4" presStyleCnt="5"/>
+      <dgm:spPr/>
+    </dgm:pt>
+    <dgm:pt modelId="{88B0DC60-E0DA-4DB0-924C-3B6A4A966CAE}" type="pres">
+      <dgm:prSet presAssocID="{F6DC559D-359C-4F66-BCC9-51D3E78974B9}" presName="iconRect" presStyleLbl="node1" presStyleIdx="4" presStyleCnt="5"/>
+      <dgm:spPr>
+        <a:blipFill>
+          <a:blip xmlns:r="http://schemas.openxmlformats.org/officeDocument/2006/relationships" r:embed="rId9">
+            <a:extLst>
+              <a:ext uri="{28A0092B-C50C-407E-A947-70E740481C1C}">
+                <a14:useLocalDpi xmlns:a14="http://schemas.microsoft.com/office/drawing/2010/main" val="0"/>
+              </a:ext>
+              <a:ext uri="{96DAC541-7B7A-43D3-8B79-37D633B846F1}">
+                <asvg:svgBlip xmlns:asvg="http://schemas.microsoft.com/office/drawing/2016/SVG/main" r:embed="rId10"/>
+              </a:ext>
+            </a:extLst>
+          </a:blip>
+          <a:srcRect/>
+          <a:stretch>
+            <a:fillRect/>
+          </a:stretch>
+        </a:blipFill>
+        <a:ln>
+          <a:noFill/>
+        </a:ln>
+      </dgm:spPr>
+      <dgm:extLst>
+        <a:ext uri="{E40237B7-FDA0-4F09-8148-C483321AD2D9}">
+          <dgm14:cNvPr xmlns:dgm14="http://schemas.microsoft.com/office/drawing/2010/diagram" id="0" name="" descr="Fenêtre de navigateur"/>
+        </a:ext>
+      </dgm:extLst>
+    </dgm:pt>
+    <dgm:pt modelId="{BEF1A339-1BB0-4A33-B06A-5EC30CA5124F}" type="pres">
+      <dgm:prSet presAssocID="{F6DC559D-359C-4F66-BCC9-51D3E78974B9}" presName="spaceRect" presStyleCnt="0"/>
+      <dgm:spPr/>
+    </dgm:pt>
+    <dgm:pt modelId="{0261555F-44F7-49EE-9D4B-C8314EEB1ABB}" type="pres">
+      <dgm:prSet presAssocID="{F6DC559D-359C-4F66-BCC9-51D3E78974B9}" presName="textRect" presStyleLbl="revTx" presStyleIdx="4" presStyleCnt="5">
+        <dgm:presLayoutVars>
+          <dgm:chMax val="1"/>
+          <dgm:chPref val="1"/>
+        </dgm:presLayoutVars>
+      </dgm:prSet>
+      <dgm:spPr/>
+    </dgm:pt>
+  </dgm:ptLst>
+  <dgm:cxnLst>
+    <dgm:cxn modelId="{96F5C403-5F21-476C-91C6-F38CA2DB7C07}" srcId="{0B102121-826F-45CD-B491-FC2EA590FAE9}" destId="{583C0B5D-CAA0-4EAD-877A-BB03B3010D64}" srcOrd="0" destOrd="0" parTransId="{0ABDE4D5-1825-4812-B36A-53B8BF86E9A6}" sibTransId="{748BD688-C03E-4D2C-8928-43A1D94DA7F6}"/>
+    <dgm:cxn modelId="{08D1BF0F-E602-443D-9F27-864A356D5307}" srcId="{0B102121-826F-45CD-B491-FC2EA590FAE9}" destId="{F6DC559D-359C-4F66-BCC9-51D3E78974B9}" srcOrd="4" destOrd="0" parTransId="{220EC191-DED0-4625-ADFD-685094D6C493}" sibTransId="{C163D741-2649-436F-B4A1-8E01009E2870}"/>
+    <dgm:cxn modelId="{1AE4E915-1848-4BC4-A2CB-34C8C93E6687}" type="presOf" srcId="{F6DC559D-359C-4F66-BCC9-51D3E78974B9}" destId="{0261555F-44F7-49EE-9D4B-C8314EEB1ABB}" srcOrd="0" destOrd="0" presId="urn:microsoft.com/office/officeart/2018/2/layout/IconCircleList"/>
+    <dgm:cxn modelId="{3A24C01C-61F7-4146-8F28-4581EB69E95C}" type="presOf" srcId="{748BD688-C03E-4D2C-8928-43A1D94DA7F6}" destId="{2AF4CDA4-BEB1-451E-B6CD-A38646385907}" srcOrd="0" destOrd="0" presId="urn:microsoft.com/office/officeart/2018/2/layout/IconCircleList"/>
+    <dgm:cxn modelId="{7D6C5631-1D7C-45F4-B27E-AE414E333D05}" type="presOf" srcId="{9654741B-5219-466A-8C71-E9DF1F57E863}" destId="{54D25258-0E1E-490E-8D67-8A29C72EC19E}" srcOrd="0" destOrd="0" presId="urn:microsoft.com/office/officeart/2018/2/layout/IconCircleList"/>
+    <dgm:cxn modelId="{6CD78637-92E7-47D5-9891-EE18B59B2A24}" type="presOf" srcId="{583C0B5D-CAA0-4EAD-877A-BB03B3010D64}" destId="{0165AD21-A549-4907-9CE6-72040A0C20CA}" srcOrd="0" destOrd="0" presId="urn:microsoft.com/office/officeart/2018/2/layout/IconCircleList"/>
+    <dgm:cxn modelId="{B36C805E-8EB8-4FE2-ABC4-772A889707B0}" type="presOf" srcId="{51BAA304-29E9-4220-B785-F464F8C76F78}" destId="{B86ECC1E-F300-453B-99F4-B44AEEA326E9}" srcOrd="0" destOrd="0" presId="urn:microsoft.com/office/officeart/2018/2/layout/IconCircleList"/>
+    <dgm:cxn modelId="{AD576F80-7F3B-4977-BDC8-1A8BD3D7DD85}" srcId="{0B102121-826F-45CD-B491-FC2EA590FAE9}" destId="{A193BB00-CA6A-44F0-B3CA-E0767A09776D}" srcOrd="3" destOrd="0" parTransId="{CC21C487-C56F-43DD-B5DB-C3E977B48C78}" sibTransId="{4CB00661-41CE-44F4-ACA0-1ED056EC7844}"/>
+    <dgm:cxn modelId="{2EAE2887-9450-483B-8E90-54E1626CA4D0}" type="presOf" srcId="{4CB00661-41CE-44F4-ACA0-1ED056EC7844}" destId="{C1AF9C19-A139-4E7A-A924-36D3D378B986}" srcOrd="0" destOrd="0" presId="urn:microsoft.com/office/officeart/2018/2/layout/IconCircleList"/>
+    <dgm:cxn modelId="{FBFD2997-35FA-47A3-A69D-8F14A98B35C5}" srcId="{0B102121-826F-45CD-B491-FC2EA590FAE9}" destId="{FCE3982F-05E2-4129-BD29-F4FEF91D3A0C}" srcOrd="2" destOrd="0" parTransId="{9AAAC94B-261B-4C63-98F1-15B5783AE957}" sibTransId="{9654741B-5219-466A-8C71-E9DF1F57E863}"/>
+    <dgm:cxn modelId="{9A4920B2-DD02-49D9-BC00-840224A16B71}" type="presOf" srcId="{A193BB00-CA6A-44F0-B3CA-E0767A09776D}" destId="{5CA19AC0-B8E8-41F8-A10A-3DAF2C3ACDDC}" srcOrd="0" destOrd="0" presId="urn:microsoft.com/office/officeart/2018/2/layout/IconCircleList"/>
+    <dgm:cxn modelId="{D3688ABA-4DEE-436A-A2D7-75741BF11169}" type="presOf" srcId="{F880505A-0A47-4A0E-A038-3B8701A6009E}" destId="{54F5D4B0-E3F9-42D0-B052-70832FAA163B}" srcOrd="0" destOrd="0" presId="urn:microsoft.com/office/officeart/2018/2/layout/IconCircleList"/>
+    <dgm:cxn modelId="{5EA515D9-B429-4FF4-BB52-70FEC4A2E127}" type="presOf" srcId="{0B102121-826F-45CD-B491-FC2EA590FAE9}" destId="{DE974BC1-42B3-434D-86F3-AC50DD54E03D}" srcOrd="0" destOrd="0" presId="urn:microsoft.com/office/officeart/2018/2/layout/IconCircleList"/>
+    <dgm:cxn modelId="{115A0FDD-C775-4BF8-AA3D-A489D44AF183}" type="presOf" srcId="{FCE3982F-05E2-4129-BD29-F4FEF91D3A0C}" destId="{2CB6AF59-6D4F-45FC-B529-2ABF1199C84D}" srcOrd="0" destOrd="0" presId="urn:microsoft.com/office/officeart/2018/2/layout/IconCircleList"/>
+    <dgm:cxn modelId="{A436C0FE-2B31-4B74-80EE-862D8C6EC8B3}" srcId="{0B102121-826F-45CD-B491-FC2EA590FAE9}" destId="{F880505A-0A47-4A0E-A038-3B8701A6009E}" srcOrd="1" destOrd="0" parTransId="{64F06981-C249-4694-A508-2907A64E7505}" sibTransId="{51BAA304-29E9-4220-B785-F464F8C76F78}"/>
+    <dgm:cxn modelId="{5F7D2673-AD44-44DE-AC49-E9E0D01BB0D2}" type="presParOf" srcId="{DE974BC1-42B3-434D-86F3-AC50DD54E03D}" destId="{8D78EDB2-F573-48FC-8F0E-9BA287DF8590}" srcOrd="0" destOrd="0" presId="urn:microsoft.com/office/officeart/2018/2/layout/IconCircleList"/>
+    <dgm:cxn modelId="{9D046C5A-B01B-44B8-B351-49A937D1998E}" type="presParOf" srcId="{8D78EDB2-F573-48FC-8F0E-9BA287DF8590}" destId="{E31AD6B8-8CC7-43F2-9232-BDEE17B1FE29}" srcOrd="0" destOrd="0" presId="urn:microsoft.com/office/officeart/2018/2/layout/IconCircleList"/>
+    <dgm:cxn modelId="{38542BC9-1F92-48C9-88C2-3078B0DBF24C}" type="presParOf" srcId="{E31AD6B8-8CC7-43F2-9232-BDEE17B1FE29}" destId="{A99B2098-1F3D-4FE6-8BA4-10174B7B3A9A}" srcOrd="0" destOrd="0" presId="urn:microsoft.com/office/officeart/2018/2/layout/IconCircleList"/>
+    <dgm:cxn modelId="{E6127AE0-B7A8-45C1-8AE2-F6A1CE6353DB}" type="presParOf" srcId="{E31AD6B8-8CC7-43F2-9232-BDEE17B1FE29}" destId="{2C23B9F1-2617-4D6B-A223-D60CC1641ED0}" srcOrd="1" destOrd="0" presId="urn:microsoft.com/office/officeart/2018/2/layout/IconCircleList"/>
+    <dgm:cxn modelId="{3A314E63-3223-458C-99D5-737B9D1B0209}" type="presParOf" srcId="{E31AD6B8-8CC7-43F2-9232-BDEE17B1FE29}" destId="{F1280B65-21E6-4E0B-8F3E-BA52A267D654}" srcOrd="2" destOrd="0" presId="urn:microsoft.com/office/officeart/2018/2/layout/IconCircleList"/>
+    <dgm:cxn modelId="{EE5F20F7-CF64-49A5-B03B-D919361668B3}" type="presParOf" srcId="{E31AD6B8-8CC7-43F2-9232-BDEE17B1FE29}" destId="{0165AD21-A549-4907-9CE6-72040A0C20CA}" srcOrd="3" destOrd="0" presId="urn:microsoft.com/office/officeart/2018/2/layout/IconCircleList"/>
+    <dgm:cxn modelId="{F5B3F2B9-F472-47E0-BF49-CA5C697BC1B3}" type="presParOf" srcId="{8D78EDB2-F573-48FC-8F0E-9BA287DF8590}" destId="{2AF4CDA4-BEB1-451E-B6CD-A38646385907}" srcOrd="1" destOrd="0" presId="urn:microsoft.com/office/officeart/2018/2/layout/IconCircleList"/>
+    <dgm:cxn modelId="{68946168-F25E-4D49-B4AC-FFCAFCF0DBB7}" type="presParOf" srcId="{8D78EDB2-F573-48FC-8F0E-9BA287DF8590}" destId="{132126C5-0A5A-46EA-A741-EFF72DFB56E4}" srcOrd="2" destOrd="0" presId="urn:microsoft.com/office/officeart/2018/2/layout/IconCircleList"/>
+    <dgm:cxn modelId="{FCE44455-4C5D-4A0C-B5F1-DBEDE67F08E9}" type="presParOf" srcId="{132126C5-0A5A-46EA-A741-EFF72DFB56E4}" destId="{648A43FF-F9C7-47F6-9001-17D449DA8056}" srcOrd="0" destOrd="0" presId="urn:microsoft.com/office/officeart/2018/2/layout/IconCircleList"/>
+    <dgm:cxn modelId="{FA68D484-F356-4252-A589-8DCB257A93F5}" type="presParOf" srcId="{132126C5-0A5A-46EA-A741-EFF72DFB56E4}" destId="{1F215167-F9D8-458C-848D-96220660DD7A}" srcOrd="1" destOrd="0" presId="urn:microsoft.com/office/officeart/2018/2/layout/IconCircleList"/>
+    <dgm:cxn modelId="{7F14B621-CA8C-4764-AADD-B604129D98D8}" type="presParOf" srcId="{132126C5-0A5A-46EA-A741-EFF72DFB56E4}" destId="{BA7AA733-15A2-4B07-BA1E-22BED77E5625}" srcOrd="2" destOrd="0" presId="urn:microsoft.com/office/officeart/2018/2/layout/IconCircleList"/>
+    <dgm:cxn modelId="{9D9718EA-AF09-46BC-9691-5566B4AD2C27}" type="presParOf" srcId="{132126C5-0A5A-46EA-A741-EFF72DFB56E4}" destId="{54F5D4B0-E3F9-42D0-B052-70832FAA163B}" srcOrd="3" destOrd="0" presId="urn:microsoft.com/office/officeart/2018/2/layout/IconCircleList"/>
+    <dgm:cxn modelId="{3890ECC3-AF15-4414-B3C0-09583C1A69EF}" type="presParOf" srcId="{8D78EDB2-F573-48FC-8F0E-9BA287DF8590}" destId="{B86ECC1E-F300-453B-99F4-B44AEEA326E9}" srcOrd="3" destOrd="0" presId="urn:microsoft.com/office/officeart/2018/2/layout/IconCircleList"/>
+    <dgm:cxn modelId="{00743C4F-8DD2-4BF1-A485-EA164D349C24}" type="presParOf" srcId="{8D78EDB2-F573-48FC-8F0E-9BA287DF8590}" destId="{30C9DD1F-1A3A-45DA-B63E-892219F458B3}" srcOrd="4" destOrd="0" presId="urn:microsoft.com/office/officeart/2018/2/layout/IconCircleList"/>
+    <dgm:cxn modelId="{56EEF517-6E56-4A7B-A030-C3B173DB01B4}" type="presParOf" srcId="{30C9DD1F-1A3A-45DA-B63E-892219F458B3}" destId="{E4C867B0-4182-4DE5-96F3-776338440ADA}" srcOrd="0" destOrd="0" presId="urn:microsoft.com/office/officeart/2018/2/layout/IconCircleList"/>
+    <dgm:cxn modelId="{99269C4F-8E58-4B9A-BE94-19F11B639D77}" type="presParOf" srcId="{30C9DD1F-1A3A-45DA-B63E-892219F458B3}" destId="{4D21B2BC-3D02-49A3-AC0E-3D1A0E33BB6C}" srcOrd="1" destOrd="0" presId="urn:microsoft.com/office/officeart/2018/2/layout/IconCircleList"/>
+    <dgm:cxn modelId="{E2188F4F-538A-48CC-ABF0-BE0C2CBD2622}" type="presParOf" srcId="{30C9DD1F-1A3A-45DA-B63E-892219F458B3}" destId="{059DEA6C-9F55-4540-A256-B324AAF5136B}" srcOrd="2" destOrd="0" presId="urn:microsoft.com/office/officeart/2018/2/layout/IconCircleList"/>
+    <dgm:cxn modelId="{2C0EDE93-8278-4C70-9550-08887E9B3785}" type="presParOf" srcId="{30C9DD1F-1A3A-45DA-B63E-892219F458B3}" destId="{2CB6AF59-6D4F-45FC-B529-2ABF1199C84D}" srcOrd="3" destOrd="0" presId="urn:microsoft.com/office/officeart/2018/2/layout/IconCircleList"/>
+    <dgm:cxn modelId="{F60F13C3-608B-4F76-9ED5-D4AFACAB2F6E}" type="presParOf" srcId="{8D78EDB2-F573-48FC-8F0E-9BA287DF8590}" destId="{54D25258-0E1E-490E-8D67-8A29C72EC19E}" srcOrd="5" destOrd="0" presId="urn:microsoft.com/office/officeart/2018/2/layout/IconCircleList"/>
+    <dgm:cxn modelId="{C98198C4-DA64-41EE-9038-D63B07992415}" type="presParOf" srcId="{8D78EDB2-F573-48FC-8F0E-9BA287DF8590}" destId="{34EEF53B-0FBF-4E94-A36E-3E96A612FB6E}" srcOrd="6" destOrd="0" presId="urn:microsoft.com/office/officeart/2018/2/layout/IconCircleList"/>
+    <dgm:cxn modelId="{D133A4C4-EBDB-4075-A511-8B7E5AC515FC}" type="presParOf" srcId="{34EEF53B-0FBF-4E94-A36E-3E96A612FB6E}" destId="{05E76196-C469-4380-9D7D-37EB8CC00BB8}" srcOrd="0" destOrd="0" presId="urn:microsoft.com/office/officeart/2018/2/layout/IconCircleList"/>
+    <dgm:cxn modelId="{F936DE99-2ACB-4638-A74A-218BCBA4FEE7}" type="presParOf" srcId="{34EEF53B-0FBF-4E94-A36E-3E96A612FB6E}" destId="{737A906D-A760-48AA-8C74-75ACD62F8E30}" srcOrd="1" destOrd="0" presId="urn:microsoft.com/office/officeart/2018/2/layout/IconCircleList"/>
+    <dgm:cxn modelId="{BC9E35EF-DD91-4CF4-AD72-8D86D39DD4C4}" type="presParOf" srcId="{34EEF53B-0FBF-4E94-A36E-3E96A612FB6E}" destId="{2B0BF14A-42B2-4764-B4D9-E692558A1C96}" srcOrd="2" destOrd="0" presId="urn:microsoft.com/office/officeart/2018/2/layout/IconCircleList"/>
+    <dgm:cxn modelId="{F21A66E7-AF11-46E7-AB31-068D1F32E0AB}" type="presParOf" srcId="{34EEF53B-0FBF-4E94-A36E-3E96A612FB6E}" destId="{5CA19AC0-B8E8-41F8-A10A-3DAF2C3ACDDC}" srcOrd="3" destOrd="0" presId="urn:microsoft.com/office/officeart/2018/2/layout/IconCircleList"/>
+    <dgm:cxn modelId="{2D52C60C-97C2-40E3-97BE-7F469BEC2D08}" type="presParOf" srcId="{8D78EDB2-F573-48FC-8F0E-9BA287DF8590}" destId="{C1AF9C19-A139-4E7A-A924-36D3D378B986}" srcOrd="7" destOrd="0" presId="urn:microsoft.com/office/officeart/2018/2/layout/IconCircleList"/>
+    <dgm:cxn modelId="{7B48D61B-6E0D-4A5E-A2D8-7244E1D77B90}" type="presParOf" srcId="{8D78EDB2-F573-48FC-8F0E-9BA287DF8590}" destId="{4CE4442C-E514-4DFB-8851-DEB0157C2BDA}" srcOrd="8" destOrd="0" presId="urn:microsoft.com/office/officeart/2018/2/layout/IconCircleList"/>
+    <dgm:cxn modelId="{52AF6F3F-848F-43BC-BDA5-D45FB4960F55}" type="presParOf" srcId="{4CE4442C-E514-4DFB-8851-DEB0157C2BDA}" destId="{2FCF2518-5A89-428D-B395-29900094400F}" srcOrd="0" destOrd="0" presId="urn:microsoft.com/office/officeart/2018/2/layout/IconCircleList"/>
+    <dgm:cxn modelId="{AB7A9A77-B6B4-49BF-BF5B-D0F5FFBD0036}" type="presParOf" srcId="{4CE4442C-E514-4DFB-8851-DEB0157C2BDA}" destId="{88B0DC60-E0DA-4DB0-924C-3B6A4A966CAE}" srcOrd="1" destOrd="0" presId="urn:microsoft.com/office/officeart/2018/2/layout/IconCircleList"/>
+    <dgm:cxn modelId="{F007A1F8-B7FC-4207-BA74-31A4BA65C03B}" type="presParOf" srcId="{4CE4442C-E514-4DFB-8851-DEB0157C2BDA}" destId="{BEF1A339-1BB0-4A33-B06A-5EC30CA5124F}" srcOrd="2" destOrd="0" presId="urn:microsoft.com/office/officeart/2018/2/layout/IconCircleList"/>
+    <dgm:cxn modelId="{241D3F43-B377-40BB-83ED-02DBC2DED37A}" type="presParOf" srcId="{4CE4442C-E514-4DFB-8851-DEB0157C2BDA}" destId="{0261555F-44F7-49EE-9D4B-C8314EEB1ABB}" srcOrd="3" destOrd="0" presId="urn:microsoft.com/office/officeart/2018/2/layout/IconCircleList"/>
+  </dgm:cxnLst>
+  <dgm:bg/>
+  <dgm:whole/>
+  <dgm:extLst>
+    <a:ext uri="http://schemas.microsoft.com/office/drawing/2008/diagram">
+      <dsp:dataModelExt xmlns:dsp="http://schemas.microsoft.com/office/drawing/2008/diagram" relId="rId6" minVer="http://schemas.openxmlformats.org/drawingml/2006/diagram"/>
+    </a:ext>
+  </dgm:extLst>
+</dgm:dataModel>
+</file>
+
+<file path=ppt/diagrams/drawing1.xml><?xml version="1.0" encoding="utf-8"?>
+<dsp:drawing xmlns:dgm="http://schemas.openxmlformats.org/drawingml/2006/diagram" xmlns:dsp="http://schemas.microsoft.com/office/drawing/2008/diagram" xmlns:a="http://schemas.openxmlformats.org/drawingml/2006/main">
+  <dsp:spTree>
+    <dsp:nvGrpSpPr>
+      <dsp:cNvPr id="0" name=""/>
+      <dsp:cNvGrpSpPr/>
+    </dsp:nvGrpSpPr>
+    <dsp:grpSpPr/>
+    <dsp:sp modelId="{A99B2098-1F3D-4FE6-8BA4-10174B7B3A9A}">
+      <dsp:nvSpPr>
+        <dsp:cNvPr id="0" name=""/>
+        <dsp:cNvSpPr/>
+      </dsp:nvSpPr>
+      <dsp:spPr>
+        <a:xfrm>
+          <a:off x="82613" y="908559"/>
+          <a:ext cx="897246" cy="897246"/>
+        </a:xfrm>
+        <a:prstGeom prst="ellipse">
+          <a:avLst/>
+        </a:prstGeom>
+        <a:solidFill>
+          <a:schemeClr val="accent2">
+            <a:hueOff val="0"/>
+            <a:satOff val="0"/>
+            <a:lumOff val="0"/>
+            <a:alphaOff val="0"/>
+          </a:schemeClr>
+        </a:solidFill>
+        <a:ln>
+          <a:noFill/>
+        </a:ln>
+        <a:effectLst/>
+      </dsp:spPr>
+      <dsp:style>
+        <a:lnRef idx="0">
+          <a:scrgbClr r="0" g="0" b="0"/>
+        </a:lnRef>
+        <a:fillRef idx="1">
+          <a:scrgbClr r="0" g="0" b="0"/>
+        </a:fillRef>
+        <a:effectRef idx="0">
+          <a:scrgbClr r="0" g="0" b="0"/>
+        </a:effectRef>
+        <a:fontRef idx="minor"/>
+      </dsp:style>
+    </dsp:sp>
+    <dsp:sp modelId="{2C23B9F1-2617-4D6B-A223-D60CC1641ED0}">
+      <dsp:nvSpPr>
+        <dsp:cNvPr id="0" name=""/>
+        <dsp:cNvSpPr/>
+      </dsp:nvSpPr>
+      <dsp:spPr>
+        <a:xfrm>
+          <a:off x="271034" y="1096980"/>
+          <a:ext cx="520402" cy="520402"/>
+        </a:xfrm>
+        <a:prstGeom prst="rect">
+          <a:avLst/>
+        </a:prstGeom>
+        <a:blipFill>
+          <a:blip xmlns:r="http://schemas.openxmlformats.org/officeDocument/2006/relationships" r:embed="rId1">
+            <a:extLst>
+              <a:ext uri="{28A0092B-C50C-407E-A947-70E740481C1C}">
+                <a14:useLocalDpi xmlns:a14="http://schemas.microsoft.com/office/drawing/2010/main" val="0"/>
+              </a:ext>
+              <a:ext uri="{96DAC541-7B7A-43D3-8B79-37D633B846F1}">
+                <asvg:svgBlip xmlns:asvg="http://schemas.microsoft.com/office/drawing/2016/SVG/main" r:embed="rId2"/>
+              </a:ext>
+            </a:extLst>
+          </a:blip>
+          <a:stretch>
+            <a:fillRect/>
+          </a:stretch>
+        </a:blipFill>
+        <a:ln w="12700" cap="flat" cmpd="sng" algn="ctr">
+          <a:noFill/>
+          <a:prstDash val="solid"/>
+          <a:miter lim="800000"/>
+        </a:ln>
+        <a:effectLst/>
+      </dsp:spPr>
+      <dsp:style>
+        <a:lnRef idx="2">
+          <a:scrgbClr r="0" g="0" b="0"/>
+        </a:lnRef>
+        <a:fillRef idx="1">
+          <a:scrgbClr r="0" g="0" b="0"/>
+        </a:fillRef>
+        <a:effectRef idx="0">
+          <a:scrgbClr r="0" g="0" b="0"/>
+        </a:effectRef>
+        <a:fontRef idx="minor">
+          <a:schemeClr val="lt1"/>
+        </a:fontRef>
+      </dsp:style>
+    </dsp:sp>
+    <dsp:sp modelId="{0165AD21-A549-4907-9CE6-72040A0C20CA}">
+      <dsp:nvSpPr>
+        <dsp:cNvPr id="0" name=""/>
+        <dsp:cNvSpPr/>
+      </dsp:nvSpPr>
+      <dsp:spPr>
+        <a:xfrm>
+          <a:off x="1172126" y="908559"/>
+          <a:ext cx="2114937" cy="897246"/>
+        </a:xfrm>
+        <a:prstGeom prst="rect">
+          <a:avLst/>
+        </a:prstGeom>
+        <a:noFill/>
+        <a:ln>
+          <a:noFill/>
+        </a:ln>
+        <a:effectLst/>
+      </dsp:spPr>
+      <dsp:style>
+        <a:lnRef idx="0">
+          <a:scrgbClr r="0" g="0" b="0"/>
+        </a:lnRef>
+        <a:fillRef idx="0">
+          <a:scrgbClr r="0" g="0" b="0"/>
+        </a:fillRef>
+        <a:effectRef idx="0">
+          <a:scrgbClr r="0" g="0" b="0"/>
+        </a:effectRef>
+        <a:fontRef idx="minor"/>
+      </dsp:style>
+      <dsp:txBody>
+        <a:bodyPr spcFirstLastPara="0" vert="horz" wrap="square" lIns="0" tIns="0" rIns="0" bIns="0" numCol="1" spcCol="1270" anchor="ctr" anchorCtr="0">
+          <a:noAutofit/>
+        </a:bodyPr>
+        <a:lstStyle/>
+        <a:p>
+          <a:pPr marL="0" lvl="0" indent="0" algn="l" defTabSz="1066800">
+            <a:lnSpc>
+              <a:spcPct val="90000"/>
+            </a:lnSpc>
+            <a:spcBef>
+              <a:spcPct val="0"/>
+            </a:spcBef>
+            <a:spcAft>
+              <a:spcPct val="35000"/>
+            </a:spcAft>
+            <a:buNone/>
+          </a:pPr>
+          <a:r>
+            <a:rPr lang="fr-FR" sz="2400" kern="1200"/>
+            <a:t>Efficace</a:t>
+          </a:r>
+          <a:endParaRPr lang="en-US" sz="2400" kern="1200"/>
+        </a:p>
+      </dsp:txBody>
+      <dsp:txXfrm>
+        <a:off x="1172126" y="908559"/>
+        <a:ext cx="2114937" cy="897246"/>
+      </dsp:txXfrm>
+    </dsp:sp>
+    <dsp:sp modelId="{648A43FF-F9C7-47F6-9001-17D449DA8056}">
+      <dsp:nvSpPr>
+        <dsp:cNvPr id="0" name=""/>
+        <dsp:cNvSpPr/>
+      </dsp:nvSpPr>
+      <dsp:spPr>
+        <a:xfrm>
+          <a:off x="3655575" y="908559"/>
+          <a:ext cx="897246" cy="897246"/>
+        </a:xfrm>
+        <a:prstGeom prst="ellipse">
+          <a:avLst/>
+        </a:prstGeom>
+        <a:solidFill>
+          <a:schemeClr val="accent3">
+            <a:hueOff val="0"/>
+            <a:satOff val="0"/>
+            <a:lumOff val="0"/>
+            <a:alphaOff val="0"/>
+          </a:schemeClr>
+        </a:solidFill>
+        <a:ln>
+          <a:noFill/>
+        </a:ln>
+        <a:effectLst/>
+      </dsp:spPr>
+      <dsp:style>
+        <a:lnRef idx="0">
+          <a:scrgbClr r="0" g="0" b="0"/>
+        </a:lnRef>
+        <a:fillRef idx="1">
+          <a:scrgbClr r="0" g="0" b="0"/>
+        </a:fillRef>
+        <a:effectRef idx="0">
+          <a:scrgbClr r="0" g="0" b="0"/>
+        </a:effectRef>
+        <a:fontRef idx="minor"/>
+      </dsp:style>
+    </dsp:sp>
+    <dsp:sp modelId="{1F215167-F9D8-458C-848D-96220660DD7A}">
+      <dsp:nvSpPr>
+        <dsp:cNvPr id="0" name=""/>
+        <dsp:cNvSpPr/>
+      </dsp:nvSpPr>
+      <dsp:spPr>
+        <a:xfrm>
+          <a:off x="3843996" y="1096980"/>
+          <a:ext cx="520402" cy="520402"/>
+        </a:xfrm>
+        <a:prstGeom prst="rect">
+          <a:avLst/>
+        </a:prstGeom>
+        <a:blipFill>
+          <a:blip xmlns:r="http://schemas.openxmlformats.org/officeDocument/2006/relationships" r:embed="rId3">
+            <a:extLst>
+              <a:ext uri="{28A0092B-C50C-407E-A947-70E740481C1C}">
+                <a14:useLocalDpi xmlns:a14="http://schemas.microsoft.com/office/drawing/2010/main" val="0"/>
+              </a:ext>
+              <a:ext uri="{96DAC541-7B7A-43D3-8B79-37D633B846F1}">
+                <asvg:svgBlip xmlns:asvg="http://schemas.microsoft.com/office/drawing/2016/SVG/main" r:embed="rId4"/>
+              </a:ext>
+            </a:extLst>
+          </a:blip>
+          <a:stretch>
+            <a:fillRect/>
+          </a:stretch>
+        </a:blipFill>
+        <a:ln w="12700" cap="flat" cmpd="sng" algn="ctr">
+          <a:noFill/>
+          <a:prstDash val="solid"/>
+          <a:miter lim="800000"/>
+        </a:ln>
+        <a:effectLst/>
+      </dsp:spPr>
+      <dsp:style>
+        <a:lnRef idx="2">
+          <a:scrgbClr r="0" g="0" b="0"/>
+        </a:lnRef>
+        <a:fillRef idx="1">
+          <a:scrgbClr r="0" g="0" b="0"/>
+        </a:fillRef>
+        <a:effectRef idx="0">
+          <a:scrgbClr r="0" g="0" b="0"/>
+        </a:effectRef>
+        <a:fontRef idx="minor">
+          <a:schemeClr val="lt1"/>
+        </a:fontRef>
+      </dsp:style>
+    </dsp:sp>
+    <dsp:sp modelId="{54F5D4B0-E3F9-42D0-B052-70832FAA163B}">
+      <dsp:nvSpPr>
+        <dsp:cNvPr id="0" name=""/>
+        <dsp:cNvSpPr/>
+      </dsp:nvSpPr>
+      <dsp:spPr>
+        <a:xfrm>
+          <a:off x="4745088" y="908559"/>
+          <a:ext cx="2114937" cy="897246"/>
+        </a:xfrm>
+        <a:prstGeom prst="rect">
+          <a:avLst/>
+        </a:prstGeom>
+        <a:noFill/>
+        <a:ln>
+          <a:noFill/>
+        </a:ln>
+        <a:effectLst/>
+      </dsp:spPr>
+      <dsp:style>
+        <a:lnRef idx="0">
+          <a:scrgbClr r="0" g="0" b="0"/>
+        </a:lnRef>
+        <a:fillRef idx="0">
+          <a:scrgbClr r="0" g="0" b="0"/>
+        </a:fillRef>
+        <a:effectRef idx="0">
+          <a:scrgbClr r="0" g="0" b="0"/>
+        </a:effectRef>
+        <a:fontRef idx="minor"/>
+      </dsp:style>
+      <dsp:txBody>
+        <a:bodyPr spcFirstLastPara="0" vert="horz" wrap="square" lIns="0" tIns="0" rIns="0" bIns="0" numCol="1" spcCol="1270" anchor="ctr" anchorCtr="0">
+          <a:noAutofit/>
+        </a:bodyPr>
+        <a:lstStyle/>
+        <a:p>
+          <a:pPr marL="0" lvl="0" indent="0" algn="l" defTabSz="1066800">
+            <a:lnSpc>
+              <a:spcPct val="90000"/>
+            </a:lnSpc>
+            <a:spcBef>
+              <a:spcPct val="0"/>
+            </a:spcBef>
+            <a:spcAft>
+              <a:spcPct val="35000"/>
+            </a:spcAft>
+            <a:buNone/>
+          </a:pPr>
+          <a:r>
+            <a:rPr lang="fr-FR" sz="2400" kern="1200"/>
+            <a:t>Intuitive</a:t>
+          </a:r>
+          <a:endParaRPr lang="en-US" sz="2400" kern="1200"/>
+        </a:p>
+      </dsp:txBody>
+      <dsp:txXfrm>
+        <a:off x="4745088" y="908559"/>
+        <a:ext cx="2114937" cy="897246"/>
+      </dsp:txXfrm>
+    </dsp:sp>
+    <dsp:sp modelId="{E4C867B0-4182-4DE5-96F3-776338440ADA}">
+      <dsp:nvSpPr>
+        <dsp:cNvPr id="0" name=""/>
+        <dsp:cNvSpPr/>
+      </dsp:nvSpPr>
+      <dsp:spPr>
+        <a:xfrm>
+          <a:off x="7228536" y="908559"/>
+          <a:ext cx="897246" cy="897246"/>
+        </a:xfrm>
+        <a:prstGeom prst="ellipse">
+          <a:avLst/>
+        </a:prstGeom>
+        <a:solidFill>
+          <a:schemeClr val="accent4">
+            <a:hueOff val="0"/>
+            <a:satOff val="0"/>
+            <a:lumOff val="0"/>
+            <a:alphaOff val="0"/>
+          </a:schemeClr>
+        </a:solidFill>
+        <a:ln>
+          <a:noFill/>
+        </a:ln>
+        <a:effectLst/>
+      </dsp:spPr>
+      <dsp:style>
+        <a:lnRef idx="0">
+          <a:scrgbClr r="0" g="0" b="0"/>
+        </a:lnRef>
+        <a:fillRef idx="1">
+          <a:scrgbClr r="0" g="0" b="0"/>
+        </a:fillRef>
+        <a:effectRef idx="0">
+          <a:scrgbClr r="0" g="0" b="0"/>
+        </a:effectRef>
+        <a:fontRef idx="minor"/>
+      </dsp:style>
+    </dsp:sp>
+    <dsp:sp modelId="{4D21B2BC-3D02-49A3-AC0E-3D1A0E33BB6C}">
+      <dsp:nvSpPr>
+        <dsp:cNvPr id="0" name=""/>
+        <dsp:cNvSpPr/>
+      </dsp:nvSpPr>
+      <dsp:spPr>
+        <a:xfrm>
+          <a:off x="7416958" y="1096980"/>
+          <a:ext cx="520402" cy="520402"/>
+        </a:xfrm>
+        <a:prstGeom prst="rect">
+          <a:avLst/>
+        </a:prstGeom>
+        <a:blipFill>
+          <a:blip xmlns:r="http://schemas.openxmlformats.org/officeDocument/2006/relationships" r:embed="rId5">
+            <a:extLst>
+              <a:ext uri="{28A0092B-C50C-407E-A947-70E740481C1C}">
+                <a14:useLocalDpi xmlns:a14="http://schemas.microsoft.com/office/drawing/2010/main" val="0"/>
+              </a:ext>
+              <a:ext uri="{96DAC541-7B7A-43D3-8B79-37D633B846F1}">
+                <asvg:svgBlip xmlns:asvg="http://schemas.microsoft.com/office/drawing/2016/SVG/main" r:embed="rId6"/>
+              </a:ext>
+            </a:extLst>
+          </a:blip>
+          <a:stretch>
+            <a:fillRect/>
+          </a:stretch>
+        </a:blipFill>
+        <a:ln w="12700" cap="flat" cmpd="sng" algn="ctr">
+          <a:noFill/>
+          <a:prstDash val="solid"/>
+          <a:miter lim="800000"/>
+        </a:ln>
+        <a:effectLst/>
+      </dsp:spPr>
+      <dsp:style>
+        <a:lnRef idx="2">
+          <a:scrgbClr r="0" g="0" b="0"/>
+        </a:lnRef>
+        <a:fillRef idx="1">
+          <a:scrgbClr r="0" g="0" b="0"/>
+        </a:fillRef>
+        <a:effectRef idx="0">
+          <a:scrgbClr r="0" g="0" b="0"/>
+        </a:effectRef>
+        <a:fontRef idx="minor">
+          <a:schemeClr val="lt1"/>
+        </a:fontRef>
+      </dsp:style>
+    </dsp:sp>
+    <dsp:sp modelId="{2CB6AF59-6D4F-45FC-B529-2ABF1199C84D}">
+      <dsp:nvSpPr>
+        <dsp:cNvPr id="0" name=""/>
+        <dsp:cNvSpPr/>
+      </dsp:nvSpPr>
+      <dsp:spPr>
+        <a:xfrm>
+          <a:off x="8318049" y="908559"/>
+          <a:ext cx="2114937" cy="897246"/>
+        </a:xfrm>
+        <a:prstGeom prst="rect">
+          <a:avLst/>
+        </a:prstGeom>
+        <a:noFill/>
+        <a:ln>
+          <a:noFill/>
+        </a:ln>
+        <a:effectLst/>
+      </dsp:spPr>
+      <dsp:style>
+        <a:lnRef idx="0">
+          <a:scrgbClr r="0" g="0" b="0"/>
+        </a:lnRef>
+        <a:fillRef idx="0">
+          <a:scrgbClr r="0" g="0" b="0"/>
+        </a:fillRef>
+        <a:effectRef idx="0">
+          <a:scrgbClr r="0" g="0" b="0"/>
+        </a:effectRef>
+        <a:fontRef idx="minor"/>
+      </dsp:style>
+      <dsp:txBody>
+        <a:bodyPr spcFirstLastPara="0" vert="horz" wrap="square" lIns="0" tIns="0" rIns="0" bIns="0" numCol="1" spcCol="1270" anchor="ctr" anchorCtr="0">
+          <a:noAutofit/>
+        </a:bodyPr>
+        <a:lstStyle/>
+        <a:p>
+          <a:pPr marL="0" lvl="0" indent="0" algn="l" defTabSz="1066800">
+            <a:lnSpc>
+              <a:spcPct val="90000"/>
+            </a:lnSpc>
+            <a:spcBef>
+              <a:spcPct val="0"/>
+            </a:spcBef>
+            <a:spcAft>
+              <a:spcPct val="35000"/>
+            </a:spcAft>
+            <a:buNone/>
+          </a:pPr>
+          <a:r>
+            <a:rPr lang="fr-FR" sz="2400" kern="1200"/>
+            <a:t>Outil d’aide</a:t>
+          </a:r>
+          <a:endParaRPr lang="en-US" sz="2400" kern="1200"/>
+        </a:p>
+      </dsp:txBody>
+      <dsp:txXfrm>
+        <a:off x="8318049" y="908559"/>
+        <a:ext cx="2114937" cy="897246"/>
+      </dsp:txXfrm>
+    </dsp:sp>
+    <dsp:sp modelId="{05E76196-C469-4380-9D7D-37EB8CC00BB8}">
+      <dsp:nvSpPr>
+        <dsp:cNvPr id="0" name=""/>
+        <dsp:cNvSpPr/>
+      </dsp:nvSpPr>
+      <dsp:spPr>
+        <a:xfrm>
+          <a:off x="82613" y="2545532"/>
+          <a:ext cx="897246" cy="897246"/>
+        </a:xfrm>
+        <a:prstGeom prst="ellipse">
+          <a:avLst/>
+        </a:prstGeom>
+        <a:solidFill>
+          <a:schemeClr val="accent5">
+            <a:hueOff val="0"/>
+            <a:satOff val="0"/>
+            <a:lumOff val="0"/>
+            <a:alphaOff val="0"/>
+          </a:schemeClr>
+        </a:solidFill>
+        <a:ln>
+          <a:noFill/>
+        </a:ln>
+        <a:effectLst/>
+      </dsp:spPr>
+      <dsp:style>
+        <a:lnRef idx="0">
+          <a:scrgbClr r="0" g="0" b="0"/>
+        </a:lnRef>
+        <a:fillRef idx="1">
+          <a:scrgbClr r="0" g="0" b="0"/>
+        </a:fillRef>
+        <a:effectRef idx="0">
+          <a:scrgbClr r="0" g="0" b="0"/>
+        </a:effectRef>
+        <a:fontRef idx="minor"/>
+      </dsp:style>
+    </dsp:sp>
+    <dsp:sp modelId="{737A906D-A760-48AA-8C74-75ACD62F8E30}">
+      <dsp:nvSpPr>
+        <dsp:cNvPr id="0" name=""/>
+        <dsp:cNvSpPr/>
+      </dsp:nvSpPr>
+      <dsp:spPr>
+        <a:xfrm>
+          <a:off x="271034" y="2733954"/>
+          <a:ext cx="520402" cy="520402"/>
+        </a:xfrm>
+        <a:prstGeom prst="rect">
+          <a:avLst/>
+        </a:prstGeom>
+        <a:blipFill>
+          <a:blip xmlns:r="http://schemas.openxmlformats.org/officeDocument/2006/relationships" r:embed="rId7">
+            <a:extLst>
+              <a:ext uri="{28A0092B-C50C-407E-A947-70E740481C1C}">
+                <a14:useLocalDpi xmlns:a14="http://schemas.microsoft.com/office/drawing/2010/main" val="0"/>
+              </a:ext>
+              <a:ext uri="{96DAC541-7B7A-43D3-8B79-37D633B846F1}">
+                <asvg:svgBlip xmlns:asvg="http://schemas.microsoft.com/office/drawing/2016/SVG/main" r:embed="rId8"/>
+              </a:ext>
+            </a:extLst>
+          </a:blip>
+          <a:stretch>
+            <a:fillRect/>
+          </a:stretch>
+        </a:blipFill>
+        <a:ln w="12700" cap="flat" cmpd="sng" algn="ctr">
+          <a:noFill/>
+          <a:prstDash val="solid"/>
+          <a:miter lim="800000"/>
+        </a:ln>
+        <a:effectLst/>
+      </dsp:spPr>
+      <dsp:style>
+        <a:lnRef idx="2">
+          <a:scrgbClr r="0" g="0" b="0"/>
+        </a:lnRef>
+        <a:fillRef idx="1">
+          <a:scrgbClr r="0" g="0" b="0"/>
+        </a:fillRef>
+        <a:effectRef idx="0">
+          <a:scrgbClr r="0" g="0" b="0"/>
+        </a:effectRef>
+        <a:fontRef idx="minor">
+          <a:schemeClr val="lt1"/>
+        </a:fontRef>
+      </dsp:style>
+    </dsp:sp>
+    <dsp:sp modelId="{5CA19AC0-B8E8-41F8-A10A-3DAF2C3ACDDC}">
+      <dsp:nvSpPr>
+        <dsp:cNvPr id="0" name=""/>
+        <dsp:cNvSpPr/>
+      </dsp:nvSpPr>
+      <dsp:spPr>
+        <a:xfrm>
+          <a:off x="1172126" y="2545532"/>
+          <a:ext cx="2114937" cy="897246"/>
+        </a:xfrm>
+        <a:prstGeom prst="rect">
+          <a:avLst/>
+        </a:prstGeom>
+        <a:noFill/>
+        <a:ln>
+          <a:noFill/>
+        </a:ln>
+        <a:effectLst/>
+      </dsp:spPr>
+      <dsp:style>
+        <a:lnRef idx="0">
+          <a:scrgbClr r="0" g="0" b="0"/>
+        </a:lnRef>
+        <a:fillRef idx="0">
+          <a:scrgbClr r="0" g="0" b="0"/>
+        </a:fillRef>
+        <a:effectRef idx="0">
+          <a:scrgbClr r="0" g="0" b="0"/>
+        </a:effectRef>
+        <a:fontRef idx="minor"/>
+      </dsp:style>
+      <dsp:txBody>
+        <a:bodyPr spcFirstLastPara="0" vert="horz" wrap="square" lIns="0" tIns="0" rIns="0" bIns="0" numCol="1" spcCol="1270" anchor="ctr" anchorCtr="0">
+          <a:noAutofit/>
+        </a:bodyPr>
+        <a:lstStyle/>
+        <a:p>
+          <a:pPr marL="0" lvl="0" indent="0" algn="l" defTabSz="1066800">
+            <a:lnSpc>
+              <a:spcPct val="90000"/>
+            </a:lnSpc>
+            <a:spcBef>
+              <a:spcPct val="0"/>
+            </a:spcBef>
+            <a:spcAft>
+              <a:spcPct val="35000"/>
+            </a:spcAft>
+            <a:buNone/>
+          </a:pPr>
+          <a:r>
+            <a:rPr lang="fr-FR" sz="2400" kern="1200"/>
+            <a:t>Accessible</a:t>
+          </a:r>
+          <a:endParaRPr lang="en-US" sz="2400" kern="1200"/>
+        </a:p>
+      </dsp:txBody>
+      <dsp:txXfrm>
+        <a:off x="1172126" y="2545532"/>
+        <a:ext cx="2114937" cy="897246"/>
+      </dsp:txXfrm>
+    </dsp:sp>
+    <dsp:sp modelId="{2FCF2518-5A89-428D-B395-29900094400F}">
+      <dsp:nvSpPr>
+        <dsp:cNvPr id="0" name=""/>
+        <dsp:cNvSpPr/>
+      </dsp:nvSpPr>
+      <dsp:spPr>
+        <a:xfrm>
+          <a:off x="3655575" y="2545532"/>
+          <a:ext cx="897246" cy="897246"/>
+        </a:xfrm>
+        <a:prstGeom prst="ellipse">
+          <a:avLst/>
+        </a:prstGeom>
+        <a:solidFill>
+          <a:schemeClr val="accent6">
+            <a:hueOff val="0"/>
+            <a:satOff val="0"/>
+            <a:lumOff val="0"/>
+            <a:alphaOff val="0"/>
+          </a:schemeClr>
+        </a:solidFill>
+        <a:ln>
+          <a:noFill/>
+        </a:ln>
+        <a:effectLst/>
+      </dsp:spPr>
+      <dsp:style>
+        <a:lnRef idx="0">
+          <a:scrgbClr r="0" g="0" b="0"/>
+        </a:lnRef>
+        <a:fillRef idx="1">
+          <a:scrgbClr r="0" g="0" b="0"/>
+        </a:fillRef>
+        <a:effectRef idx="0">
+          <a:scrgbClr r="0" g="0" b="0"/>
+        </a:effectRef>
+        <a:fontRef idx="minor"/>
+      </dsp:style>
+    </dsp:sp>
+    <dsp:sp modelId="{88B0DC60-E0DA-4DB0-924C-3B6A4A966CAE}">
+      <dsp:nvSpPr>
+        <dsp:cNvPr id="0" name=""/>
+        <dsp:cNvSpPr/>
+      </dsp:nvSpPr>
+      <dsp:spPr>
+        <a:xfrm>
+          <a:off x="3843996" y="2733954"/>
+          <a:ext cx="520402" cy="520402"/>
+        </a:xfrm>
+        <a:prstGeom prst="rect">
+          <a:avLst/>
+        </a:prstGeom>
+        <a:blipFill>
+          <a:blip xmlns:r="http://schemas.openxmlformats.org/officeDocument/2006/relationships" r:embed="rId9">
+            <a:extLst>
+              <a:ext uri="{28A0092B-C50C-407E-A947-70E740481C1C}">
+                <a14:useLocalDpi xmlns:a14="http://schemas.microsoft.com/office/drawing/2010/main" val="0"/>
+              </a:ext>
+              <a:ext uri="{96DAC541-7B7A-43D3-8B79-37D633B846F1}">
+                <asvg:svgBlip xmlns:asvg="http://schemas.microsoft.com/office/drawing/2016/SVG/main" r:embed="rId10"/>
+              </a:ext>
+            </a:extLst>
+          </a:blip>
+          <a:srcRect/>
+          <a:stretch>
+            <a:fillRect/>
+          </a:stretch>
+        </a:blipFill>
+        <a:ln w="12700" cap="flat" cmpd="sng" algn="ctr">
+          <a:noFill/>
+          <a:prstDash val="solid"/>
+          <a:miter lim="800000"/>
+        </a:ln>
+        <a:effectLst/>
+      </dsp:spPr>
+      <dsp:style>
+        <a:lnRef idx="2">
+          <a:scrgbClr r="0" g="0" b="0"/>
+        </a:lnRef>
+        <a:fillRef idx="1">
+          <a:scrgbClr r="0" g="0" b="0"/>
+        </a:fillRef>
+        <a:effectRef idx="0">
+          <a:scrgbClr r="0" g="0" b="0"/>
+        </a:effectRef>
+        <a:fontRef idx="minor">
+          <a:schemeClr val="lt1"/>
+        </a:fontRef>
+      </dsp:style>
+    </dsp:sp>
+    <dsp:sp modelId="{0261555F-44F7-49EE-9D4B-C8314EEB1ABB}">
+      <dsp:nvSpPr>
+        <dsp:cNvPr id="0" name=""/>
+        <dsp:cNvSpPr/>
+      </dsp:nvSpPr>
+      <dsp:spPr>
+        <a:xfrm>
+          <a:off x="4745088" y="2545532"/>
+          <a:ext cx="2114937" cy="897246"/>
+        </a:xfrm>
+        <a:prstGeom prst="rect">
+          <a:avLst/>
+        </a:prstGeom>
+        <a:noFill/>
+        <a:ln>
+          <a:noFill/>
+        </a:ln>
+        <a:effectLst/>
+      </dsp:spPr>
+      <dsp:style>
+        <a:lnRef idx="0">
+          <a:scrgbClr r="0" g="0" b="0"/>
+        </a:lnRef>
+        <a:fillRef idx="0">
+          <a:scrgbClr r="0" g="0" b="0"/>
+        </a:fillRef>
+        <a:effectRef idx="0">
+          <a:scrgbClr r="0" g="0" b="0"/>
+        </a:effectRef>
+        <a:fontRef idx="minor"/>
+      </dsp:style>
+      <dsp:txBody>
+        <a:bodyPr spcFirstLastPara="0" vert="horz" wrap="square" lIns="0" tIns="0" rIns="0" bIns="0" numCol="1" spcCol="1270" anchor="ctr" anchorCtr="0">
+          <a:noAutofit/>
+        </a:bodyPr>
+        <a:lstStyle/>
+        <a:p>
+          <a:pPr marL="0" lvl="0" indent="0" algn="l" defTabSz="1066800">
+            <a:lnSpc>
+              <a:spcPct val="90000"/>
+            </a:lnSpc>
+            <a:spcBef>
+              <a:spcPct val="0"/>
+            </a:spcBef>
+            <a:spcAft>
+              <a:spcPct val="35000"/>
+            </a:spcAft>
+            <a:buNone/>
+          </a:pPr>
+          <a:r>
+            <a:rPr lang="fr-FR" sz="2400" kern="1200"/>
+            <a:t>Sobre</a:t>
+          </a:r>
+          <a:endParaRPr lang="en-US" sz="2400" kern="1200"/>
+        </a:p>
+      </dsp:txBody>
+      <dsp:txXfrm>
+        <a:off x="4745088" y="2545532"/>
+        <a:ext cx="2114937" cy="897246"/>
+      </dsp:txXfrm>
+    </dsp:sp>
+  </dsp:spTree>
+</dsp:drawing>
+</file>
+
+<file path=ppt/diagrams/layout1.xml><?xml version="1.0" encoding="utf-8"?>
+<dgm:layoutDef xmlns:dgm="http://schemas.openxmlformats.org/drawingml/2006/diagram" xmlns:a="http://schemas.openxmlformats.org/drawingml/2006/main" uniqueId="urn:microsoft.com/office/officeart/2018/2/layout/IconCircleList">
+  <dgm:title val="Icon Circle List"/>
+  <dgm:desc val="Use to show non-sequential or grouped chunks of information accompanied by related visuals. Circular shapes can hold an icon or small picture and corresponding text box shows Level 1 text. Works best for icons or small pictures with medium-length descriptions."/>
+  <dgm:catLst>
+    <dgm:cat type="icon" pri="500"/>
+  </dgm:catLst>
+  <dgm:sampData useDef="1">
+    <dgm:dataModel>
+      <dgm:ptLst/>
+      <dgm:bg/>
+      <dgm:whole/>
+    </dgm:dataModel>
+  </dgm:sampData>
+  <dgm:styleData useDef="1">
+    <dgm:dataModel>
+      <dgm:ptLst/>
+      <dgm:bg/>
+      <dgm:whole/>
+    </dgm:dataModel>
+  </dgm:styleData>
+  <dgm:clrData useDef="1">
+    <dgm:dataModel>
+      <dgm:ptLst/>
+      <dgm:bg/>
+      <dgm:whole/>
+    </dgm:dataModel>
+  </dgm:clrData>
+  <dgm:layoutNode name="root">
+    <dgm:varLst>
+      <dgm:dir/>
+      <dgm:resizeHandles val="exact"/>
+    </dgm:varLst>
+    <dgm:alg type="sp"/>
+    <dgm:shape xmlns:r="http://schemas.openxmlformats.org/officeDocument/2006/relationships" r:blip="">
+      <dgm:adjLst/>
+    </dgm:shape>
+    <dgm:presOf/>
+    <dgm:choose name="Name0">
+      <dgm:if name="Name1" axis="ch" ptType="node" func="cnt" op="lte" val="3">
+        <dgm:constrLst>
+          <dgm:constr type="w" for="ch" forName="container" refType="w"/>
+          <dgm:constr type="h" for="ch" forName="container" refType="h" fact="0.4"/>
+        </dgm:constrLst>
+      </dgm:if>
+      <dgm:else name="Name2">
+        <dgm:constrLst>
+          <dgm:constr type="w" for="ch" forName="container" refType="w"/>
+          <dgm:constr type="h" for="ch" forName="container" refType="h"/>
+        </dgm:constrLst>
+      </dgm:else>
+    </dgm:choose>
+    <dgm:ruleLst>
+      <dgm:rule type="h" for="ch" forName="container" val="INF" fact="NaN" max="NaN"/>
+    </dgm:ruleLst>
+    <dgm:layoutNode name="container">
+      <dgm:varLst>
+        <dgm:dir/>
+        <dgm:resizeHandles val="exact"/>
+      </dgm:varLst>
+      <dgm:choose name="Name3">
+        <dgm:if name="Name4" axis="self" func="var" arg="dir" op="equ" val="norm">
+          <dgm:alg type="snake">
+            <dgm:param type="grDir" val="tL"/>
+            <dgm:param type="flowDir" val="row"/>
+            <dgm:param type="contDir" val="sameDir"/>
+          </dgm:alg>
+        </dgm:if>
+        <dgm:else name="Name5">
+          <dgm:alg type="snake">
+            <dgm:param type="grDir" val="tR"/>
+            <dgm:param type="flowDir" val="row"/>
+            <dgm:param type="contDir" val="sameDir"/>
+          </dgm:alg>
+        </dgm:else>
+      </dgm:choose>
+      <dgm:shape xmlns:r="http://schemas.openxmlformats.org/officeDocument/2006/relationships" r:blip="">
+        <dgm:adjLst/>
+      </dgm:shape>
+      <dgm:presOf/>
+      <dgm:constrLst>
+        <dgm:constr type="w" for="ch" forName="compNode" refType="w"/>
+        <dgm:constr type="h" for="ch" forName="compNode" refType="w" fact="0.28"/>
+        <dgm:constr type="w" for="ch" forName="sibTrans" refType="w" refFor="ch" refForName="compNode" fact="0.115"/>
+        <dgm:constr type="sp" refType="h" op="equ" fact="0.17"/>
+        <dgm:constr type="primFontSz" for="des" ptType="node" op="equ" val="24"/>
+        <dgm:constr type="h" for="des" forName="compNode" op="equ"/>
+        <dgm:constr type="h" for="des" forName="iconBgRect" op="equ"/>
+      </dgm:constrLst>
+      <dgm:ruleLst>
+        <dgm:rule type="w" for="ch" forName="compNode" val="60" fact="NaN" max="NaN"/>
+      </dgm:ruleLst>
+      <dgm:forEach name="Name6" axis="ch" ptType="node">
+        <dgm:layoutNode name="compNode">
+          <dgm:alg type="composite"/>
+          <dgm:shape xmlns:r="http://schemas.openxmlformats.org/officeDocument/2006/relationships" r:blip="">
+            <dgm:adjLst/>
+          </dgm:shape>
+          <dgm:presOf axis="self"/>
+          <dgm:constrLst>
+            <dgm:constr type="w" for="ch" forName="iconBgRect" refType="w" fact="0.28"/>
+            <dgm:constr type="h" for="ch" forName="iconBgRect" refType="w" refFor="ch" refForName="iconBgRect"/>
+            <dgm:constr type="t" for="ch" forName="iconBgRect"/>
+            <dgm:constr type="l" for="ch" forName="iconBgRect"/>
+            <dgm:constr type="w" for="ch" forName="iconRect" refType="w" refFor="ch" refForName="iconBgRect" fact="0.58"/>
+            <dgm:constr type="h" for="ch" forName="iconRect" refType="w" refFor="ch" refForName="iconRect"/>
+            <dgm:constr type="ctrX" for="ch" forName="iconRect" refType="ctrX" refFor="ch" refForName="iconBgRect"/>
+            <dgm:constr type="ctrY" for="ch" forName="iconRect" refType="ctrY" refFor="ch" refForName="iconBgRect"/>
+            <dgm:constr type="w" for="ch" forName="spaceRect" refType="w" fact="0.06"/>
+            <dgm:constr type="h" for="ch" forName="spaceRect" refType="h" refFor="ch" refForName="iconBgRect"/>
+            <dgm:constr type="t" for="ch" forName="spaceRect" refType="t" refFor="ch" refForName="iconBgRect"/>
+            <dgm:constr type="l" for="ch" forName="spaceRect" refType="r" refFor="ch" refForName="iconBgRect"/>
+            <dgm:constr type="h" for="ch" forName="textRect" refType="h" refFor="ch" refForName="iconBgRect"/>
+            <dgm:constr type="t" for="ch" forName="textRect" refType="t" refFor="ch" refForName="iconBgRect"/>
+            <dgm:constr type="l" for="ch" forName="textRect" refType="r" refFor="ch" refForName="spaceRect"/>
+          </dgm:constrLst>
+          <dgm:ruleLst/>
+          <dgm:layoutNode name="iconBgRect" styleLbl="bgShp">
+            <dgm:alg type="sp"/>
+            <dgm:shape xmlns:r="http://schemas.openxmlformats.org/officeDocument/2006/relationships" type="ellipse" r:blip="">
+              <dgm:adjLst/>
+            </dgm:shape>
+            <dgm:presOf/>
+            <dgm:constrLst/>
+            <dgm:ruleLst/>
+          </dgm:layoutNode>
+          <dgm:layoutNode name="iconRect" styleLbl="node1">
+            <dgm:alg type="sp"/>
+            <dgm:shape xmlns:r="http://schemas.openxmlformats.org/officeDocument/2006/relationships" type="rect" r:blip="" blipPhldr="1">
+              <dgm:adjLst/>
+            </dgm:shape>
+            <dgm:presOf/>
+            <dgm:constrLst/>
+            <dgm:ruleLst/>
+          </dgm:layoutNode>
+          <dgm:layoutNode name="spaceRect">
+            <dgm:alg type="sp"/>
+            <dgm:shape xmlns:r="http://schemas.openxmlformats.org/officeDocument/2006/relationships" r:blip="">
+              <dgm:adjLst/>
+            </dgm:shape>
+            <dgm:presOf/>
+            <dgm:constrLst/>
+            <dgm:ruleLst/>
+          </dgm:layoutNode>
+          <dgm:layoutNode name="textRect" styleLbl="revTx">
+            <dgm:varLst>
+              <dgm:chMax val="1"/>
+              <dgm:chPref val="1"/>
+            </dgm:varLst>
+            <dgm:choose name="Name7">
+              <dgm:if name="Name8" func="var" arg="dir" op="equ" val="norm">
+                <dgm:alg type="tx">
+                  <dgm:param type="txAnchorVert" val="mid"/>
+                  <dgm:param type="parTxLTRAlign" val="l"/>
+                  <dgm:param type="shpTxLTRAlignCh" val="l"/>
+                  <dgm:param type="parTxRTLAlign" val="l"/>
+                  <dgm:param type="shpTxRTLAlignCh" val="l"/>
+                </dgm:alg>
+              </dgm:if>
+              <dgm:else name="Name9">
+                <dgm:alg type="tx">
+                  <dgm:param type="txAnchorVert" val="mid"/>
+                  <dgm:param type="parTxLTRAlign" val="r"/>
+                  <dgm:param type="shpTxLTRAlignCh" val="r"/>
+                  <dgm:param type="parTxRTLAlign" val="r"/>
+                  <dgm:param type="shpTxRTLAlignCh" val="r"/>
+                </dgm:alg>
+              </dgm:else>
+            </dgm:choose>
+            <dgm:shape xmlns:r="http://schemas.openxmlformats.org/officeDocument/2006/relationships" type="rect" r:blip="">
+              <dgm:adjLst/>
+            </dgm:shape>
+            <dgm:presOf axis="self" ptType="node"/>
+            <dgm:constrLst>
+              <dgm:constr type="lMarg"/>
+              <dgm:constr type="rMarg"/>
+              <dgm:constr type="tMarg"/>
+              <dgm:constr type="bMarg"/>
+            </dgm:constrLst>
+            <dgm:ruleLst>
+              <dgm:rule type="primFontSz" val="11" fact="NaN" max="NaN"/>
+            </dgm:ruleLst>
+          </dgm:layoutNode>
+        </dgm:layoutNode>
+        <dgm:forEach name="Name10" axis="followSib" ptType="sibTrans" cnt="1">
+          <dgm:layoutNode name="sibTrans">
+            <dgm:alg type="sp"/>
+            <dgm:shape xmlns:r="http://schemas.openxmlformats.org/officeDocument/2006/relationships" type="rect" r:blip="" hideGeom="1">
+              <dgm:adjLst/>
+            </dgm:shape>
+            <dgm:presOf axis="self"/>
+            <dgm:constrLst/>
+            <dgm:ruleLst/>
+          </dgm:layoutNode>
+        </dgm:forEach>
+      </dgm:forEach>
+    </dgm:layoutNode>
+  </dgm:layoutNode>
+  <dgm:extLst>
+    <a:ext uri="{68A01E43-0DF5-4B5B-8FA6-DAF915123BFB}">
+      <dgm1612:lstStyle xmlns:dgm1612="http://schemas.microsoft.com/office/drawing/2016/12/diagram">
+        <a:lvl1pPr>
+          <a:lnSpc>
+            <a:spcPct val="100000"/>
+          </a:lnSpc>
+        </a:lvl1pPr>
+      </dgm1612:lstStyle>
+    </a:ext>
+  </dgm:extLst>
+</dgm:layoutDef>
+</file>
+
+<file path=ppt/diagrams/quickStyle1.xml><?xml version="1.0" encoding="utf-8"?>
+<dgm:styleDef xmlns:dgm="http://schemas.openxmlformats.org/drawingml/2006/diagram" xmlns:a="http://schemas.openxmlformats.org/drawingml/2006/main" uniqueId="urn:microsoft.com/office/officeart/2005/8/quickstyle/simple1">
+  <dgm:title val=""/>
+  <dgm:desc val=""/>
+  <dgm:catLst>
+    <dgm:cat type="simple" pri="10100"/>
+  </dgm:catLst>
+  <dgm:scene3d>
+    <a:camera prst="orthographicFront"/>
+    <a:lightRig rig="threePt" dir="t"/>
+  </dgm:scene3d>
+  <dgm:styleLbl name="node0">
+    <dgm:scene3d>
+      <a:camera prst="orthographicFront"/>
+      <a:lightRig rig="threePt" dir="t"/>
+    </dgm:scene3d>
+    <dgm:sp3d/>
+    <dgm:txPr/>
+    <dgm:style>
+      <a:lnRef idx="2">
+        <a:scrgbClr r="0" g="0" b="0"/>
+      </a:lnRef>
+      <a:fillRef idx="1">
+        <a:scrgbClr r="0" g="0" b="0"/>
+      </a:fillRef>
+      <a:effectRef idx="0">
+        <a:scrgbClr r="0" g="0" b="0"/>
+      </a:effectRef>
+      <a:fontRef idx="minor">
+        <a:schemeClr val="lt1"/>
+      </a:fontRef>
+    </dgm:style>
+  </dgm:styleLbl>
+  <dgm:styleLbl name="lnNode1">
+    <dgm:scene3d>
+      <a:camera prst="orthographicFront"/>
+      <a:lightRig rig="threePt" dir="t"/>
+    </dgm:scene3d>
+    <dgm:sp3d/>
+    <dgm:txPr/>
+    <dgm:style>
+      <a:lnRef idx="2">
+        <a:scrgbClr r="0" g="0" b="0"/>
+      </a:lnRef>
+      <a:fillRef idx="1">
+        <a:scrgbClr r="0" g="0" b="0"/>
+      </a:fillRef>
+      <a:effectRef idx="0">
+        <a:scrgbClr r="0" g="0" b="0"/>
+      </a:effectRef>
+      <a:fontRef idx="minor">
+        <a:schemeClr val="lt1"/>
+      </a:fontRef>
+    </dgm:style>
+  </dgm:styleLbl>
+  <dgm:styleLbl name="vennNode1">
+    <dgm:scene3d>
+      <a:camera prst="orthographicFront"/>
+      <a:lightRig rig="threePt" dir="t"/>
+    </dgm:scene3d>
+    <dgm:sp3d/>
+    <dgm:txPr/>
+    <dgm:style>
+      <a:lnRef idx="2">
+        <a:scrgbClr r="0" g="0" b="0"/>
+      </a:lnRef>
+      <a:fillRef idx="1">
+        <a:scrgbClr r="0" g="0" b="0"/>
+      </a:fillRef>
+      <a:effectRef idx="0">
+        <a:scrgbClr r="0" g="0" b="0"/>
+      </a:effectRef>
+      <a:fontRef idx="minor">
+        <a:schemeClr val="tx1"/>
+      </a:fontRef>
+    </dgm:style>
+  </dgm:styleLbl>
+  <dgm:styleLbl name="alignNode1">
+    <dgm:scene3d>
+      <a:camera prst="orthographicFront"/>
+      <a:lightRig rig="threePt" dir="t"/>
+    </dgm:scene3d>
+    <dgm:sp3d/>
+    <dgm:txPr/>
+    <dgm:style>
+      <a:lnRef idx="2">
+        <a:scrgbClr r="0" g="0" b="0"/>
+      </a:lnRef>
+      <a:fillRef idx="1">
+        <a:scrgbClr r="0" g="0" b="0"/>
+      </a:fillRef>
+      <a:effectRef idx="0">
+        <a:scrgbClr r="0" g="0" b="0"/>
+      </a:effectRef>
+      <a:fontRef idx="minor">
+        <a:schemeClr val="lt1"/>
+      </a:fontRef>
+    </dgm:style>
+  </dgm:styleLbl>
+  <dgm:styleLbl name="node1">
+    <dgm:scene3d>
+      <a:camera prst="orthographicFront"/>
+      <a:lightRig rig="threePt" dir="t"/>
+    </dgm:scene3d>
+    <dgm:sp3d/>
+    <dgm:txPr/>
+    <dgm:style>
+      <a:lnRef idx="2">
+        <a:scrgbClr r="0" g="0" b="0"/>
+      </a:lnRef>
+      <a:fillRef idx="1">
+        <a:scrgbClr r="0" g="0" b="0"/>
+      </a:fillRef>
+      <a:effectRef idx="0">
+        <a:scrgbClr r="0" g="0" b="0"/>
+      </a:effectRef>
+      <a:fontRef idx="minor">
+        <a:schemeClr val="lt1"/>
+      </a:fontRef>
+    </dgm:style>
+  </dgm:styleLbl>
+  <dgm:styleLbl name="node2">
+    <dgm:scene3d>
+      <a:camera prst="orthographicFront"/>
+      <a:lightRig rig="threePt" dir="t"/>
+    </dgm:scene3d>
+    <dgm:sp3d/>
+    <dgm:txPr/>
+    <dgm:style>
+      <a:lnRef idx="2">
+        <a:scrgbClr r="0" g="0" b="0"/>
+      </a:lnRef>
+      <a:fillRef idx="1">
+        <a:scrgbClr r="0" g="0" b="0"/>
+      </a:fillRef>
+      <a:effectRef idx="0">
+        <a:scrgbClr r="0" g="0" b="0"/>
+      </a:effectRef>
+      <a:fontRef idx="minor">
+        <a:schemeClr val="lt1"/>
+      </a:fontRef>
+    </dgm:style>
+  </dgm:styleLbl>
+  <dgm:styleLbl name="node3">
+    <dgm:scene3d>
+      <a:camera prst="orthographicFront"/>
+      <a:lightRig rig="threePt" dir="t"/>
+    </dgm:scene3d>
+    <dgm:sp3d/>
+    <dgm:txPr/>
+    <dgm:style>
+      <a:lnRef idx="2">
+        <a:scrgbClr r="0" g="0" b="0"/>
+      </a:lnRef>
+      <a:fillRef idx="1">
+        <a:scrgbClr r="0" g="0" b="0"/>
+      </a:fillRef>
+      <a:effectRef idx="0">
+        <a:scrgbClr r="0" g="0" b="0"/>
+      </a:effectRef>
+      <a:fontRef idx="minor">
+        <a:schemeClr val="lt1"/>
+      </a:fontRef>
+    </dgm:style>
+  </dgm:styleLbl>
+  <dgm:styleLbl name="node4">
+    <dgm:scene3d>
+      <a:camera prst="orthographicFront"/>
+      <a:lightRig rig="threePt" dir="t"/>
+    </dgm:scene3d>
+    <dgm:sp3d/>
+    <dgm:txPr/>
+    <dgm:style>
+      <a:lnRef idx="2">
+        <a:scrgbClr r="0" g="0" b="0"/>
+      </a:lnRef>
+      <a:fillRef idx="1">
+        <a:scrgbClr r="0" g="0" b="0"/>
+      </a:fillRef>
+      <a:effectRef idx="0">
+        <a:scrgbClr r="0" g="0" b="0"/>
+      </a:effectRef>
+      <a:fontRef idx="minor">
+        <a:schemeClr val="lt1"/>
+      </a:fontRef>
+    </dgm:style>
+  </dgm:styleLbl>
+  <dgm:styleLbl name="fgImgPlace1">
+    <dgm:scene3d>
+      <a:camera prst="orthographicFront"/>
+      <a:lightRig rig="threePt" dir="t"/>
+    </dgm:scene3d>
+    <dgm:sp3d/>
+    <dgm:txPr/>
+    <dgm:style>
+      <a:lnRef idx="2">
+        <a:scrgbClr r="0" g="0" b="0"/>
+      </a:lnRef>
+      <a:fillRef idx="1">
+        <a:scrgbClr r="0" g="0" b="0"/>
+      </a:fillRef>
+      <a:effectRef idx="0">
+        <a:scrgbClr r="0" g="0" b="0"/>
+      </a:effectRef>
+      <a:fontRef idx="minor"/>
+    </dgm:style>
+  </dgm:styleLbl>
+  <dgm:styleLbl name="alignImgPlace1">
+    <dgm:scene3d>
+      <a:camera prst="orthographicFront"/>
+      <a:lightRig rig="threePt" dir="t"/>
+    </dgm:scene3d>
+    <dgm:sp3d/>
+    <dgm:txPr/>
+    <dgm:style>
+      <a:lnRef idx="2">
+        <a:scrgbClr r="0" g="0" b="0"/>
+      </a:lnRef>
+      <a:fillRef idx="1">
+        <a:scrgbClr r="0" g="0" b="0"/>
+      </a:fillRef>
+      <a:effectRef idx="0">
+        <a:scrgbClr r="0" g="0" b="0"/>
+      </a:effectRef>
+      <a:fontRef idx="minor"/>
+    </dgm:style>
+  </dgm:styleLbl>
+  <dgm:styleLbl name="bgImgPlace1">
+    <dgm:scene3d>
+      <a:camera prst="orthographicFront"/>
+      <a:lightRig rig="threePt" dir="t"/>
+    </dgm:scene3d>
+    <dgm:sp3d/>
+    <dgm:txPr/>
+    <dgm:style>
+      <a:lnRef idx="2">
+        <a:scrgbClr r="0" g="0" b="0"/>
+      </a:lnRef>
+      <a:fillRef idx="1">
+        <a:scrgbClr r="0" g="0" b="0"/>
+      </a:fillRef>
+      <a:effectRef idx="0">
+        <a:scrgbClr r="0" g="0" b="0"/>
+      </a:effectRef>
+      <a:fontRef idx="minor"/>
+    </dgm:style>
+  </dgm:styleLbl>
+  <dgm:styleLbl name="sibTrans2D1">
+    <dgm:scene3d>
+      <a:camera prst="orthographicFront"/>
+      <a:lightRig rig="threePt" dir="t"/>
+    </dgm:scene3d>
+    <dgm:sp3d/>
+    <dgm:txPr/>
+    <dgm:style>
+      <a:lnRef idx="0">
+        <a:scrgbClr r="0" g="0" b="0"/>
+      </a:lnRef>
+      <a:fillRef idx="1">
+        <a:scrgbClr r="0" g="0" b="0"/>
+      </a:fillRef>
+      <a:effectRef idx="0">
+        <a:scrgbClr r="0" g="0" b="0"/>
+      </a:effectRef>
+      <a:fontRef idx="minor">
+        <a:schemeClr val="lt1"/>
+      </a:fontRef>
+    </dgm:style>
+  </dgm:styleLbl>
+  <dgm:styleLbl name="fgSibTrans2D1">
+    <dgm:scene3d>
+      <a:camera prst="orthographicFront"/>
+      <a:lightRig rig="threePt" dir="t"/>
+    </dgm:scene3d>
+    <dgm:sp3d/>
+    <dgm:txPr/>
+    <dgm:style>
+      <a:lnRef idx="0">
+        <a:scrgbClr r="0" g="0" b="0"/>
+      </a:lnRef>
+      <a:fillRef idx="1">
+        <a:scrgbClr r="0" g="0" b="0"/>
+      </a:fillRef>
+      <a:effectRef idx="0">
+        <a:scrgbClr r="0" g="0" b="0"/>
+      </a:effectRef>
+      <a:fontRef idx="minor">
+        <a:schemeClr val="lt1"/>
+      </a:fontRef>
+    </dgm:style>
+  </dgm:styleLbl>
+  <dgm:styleLbl name="bgSibTrans2D1">
+    <dgm:scene3d>
+      <a:camera prst="orthographicFront"/>
+      <a:lightRig rig="threePt" dir="t"/>
+    </dgm:scene3d>
+    <dgm:sp3d/>
+    <dgm:txPr/>
+    <dgm:style>
+      <a:lnRef idx="0">
+        <a:scrgbClr r="0" g="0" b="0"/>
+      </a:lnRef>
+      <a:fillRef idx="1">
+        <a:scrgbClr r="0" g="0" b="0"/>
+      </a:fillRef>
+      <a:effectRef idx="0">
+        <a:scrgbClr r="0" g="0" b="0"/>
+      </a:effectRef>
+      <a:fontRef idx="minor">
+        <a:schemeClr val="lt1"/>
+      </a:fontRef>
+    </dgm:style>
+  </dgm:styleLbl>
+  <dgm:styleLbl name="sibTrans1D1">
+    <dgm:scene3d>
+      <a:camera prst="orthographicFront"/>
+      <a:lightRig rig="threePt" dir="t"/>
+    </dgm:scene3d>
+    <dgm:sp3d/>
+    <dgm:txPr/>
+    <dgm:style>
+      <a:lnRef idx="1">
+        <a:scrgbClr r="0" g="0" b="0"/>
+      </a:lnRef>
+      <a:fillRef idx="0">
+        <a:scrgbClr r="0" g="0" b="0"/>
+      </a:fillRef>
+      <a:effectRef idx="0">
+        <a:scrgbClr r="0" g="0" b="0"/>
+      </a:effectRef>
+      <a:fontRef idx="minor"/>
+    </dgm:style>
+  </dgm:styleLbl>
+  <dgm:styleLbl name="callout">
+    <dgm:scene3d>
+      <a:camera prst="orthographicFront"/>
+      <a:lightRig rig="threePt" dir="t"/>
+    </dgm:scene3d>
+    <dgm:sp3d/>
+    <dgm:txPr/>
+    <dgm:style>
+      <a:lnRef idx="2">
+        <a:scrgbClr r="0" g="0" b="0"/>
+      </a:lnRef>
+      <a:fillRef idx="1">
+        <a:scrgbClr r="0" g="0" b="0"/>
+      </a:fillRef>
+      <a:effectRef idx="0">
+        <a:scrgbClr r="0" g="0" b="0"/>
+      </a:effectRef>
+      <a:fontRef idx="minor"/>
+    </dgm:style>
+  </dgm:styleLbl>
+  <dgm:styleLbl name="asst0">
+    <dgm:scene3d>
+      <a:camera prst="orthographicFront"/>
+      <a:lightRig rig="threePt" dir="t"/>
+    </dgm:scene3d>
+    <dgm:sp3d/>
+    <dgm:txPr/>
+    <dgm:style>
+      <a:lnRef idx="2">
+        <a:scrgbClr r="0" g="0" b="0"/>
+      </a:lnRef>
+      <a:fillRef idx="1">
+        <a:scrgbClr r="0" g="0" b="0"/>
+      </a:fillRef>
+      <a:effectRef idx="0">
+        <a:scrgbClr r="0" g="0" b="0"/>
+      </a:effectRef>
+      <a:fontRef idx="minor">
+        <a:schemeClr val="lt1"/>
+      </a:fontRef>
+    </dgm:style>
+  </dgm:styleLbl>
+  <dgm:styleLbl name="asst1">
+    <dgm:scene3d>
+      <a:camera prst="orthographicFront"/>
+      <a:lightRig rig="threePt" dir="t"/>
+    </dgm:scene3d>
+    <dgm:sp3d/>
+    <dgm:txPr/>
+    <dgm:style>
+      <a:lnRef idx="2">
+        <a:scrgbClr r="0" g="0" b="0"/>
+      </a:lnRef>
+      <a:fillRef idx="1">
+        <a:scrgbClr r="0" g="0" b="0"/>
+      </a:fillRef>
+      <a:effectRef idx="0">
+        <a:scrgbClr r="0" g="0" b="0"/>
+      </a:effectRef>
+      <a:fontRef idx="minor">
+        <a:schemeClr val="lt1"/>
+      </a:fontRef>
+    </dgm:style>
+  </dgm:styleLbl>
+  <dgm:styleLbl name="asst2">
+    <dgm:scene3d>
+      <a:camera prst="orthographicFront"/>
+      <a:lightRig rig="threePt" dir="t"/>
+    </dgm:scene3d>
+    <dgm:sp3d/>
+    <dgm:txPr/>
+    <dgm:style>
+      <a:lnRef idx="2">
+        <a:scrgbClr r="0" g="0" b="0"/>
+      </a:lnRef>
+      <a:fillRef idx="1">
+        <a:scrgbClr r="0" g="0" b="0"/>
+      </a:fillRef>
+      <a:effectRef idx="0">
+        <a:scrgbClr r="0" g="0" b="0"/>
+      </a:effectRef>
+      <a:fontRef idx="minor">
+        <a:schemeClr val="lt1"/>
+      </a:fontRef>
+    </dgm:style>
+  </dgm:styleLbl>
+  <dgm:styleLbl name="asst3">
+    <dgm:scene3d>
+      <a:camera prst="orthographicFront"/>
+      <a:lightRig rig="threePt" dir="t"/>
+    </dgm:scene3d>
+    <dgm:sp3d/>
+    <dgm:txPr/>
+    <dgm:style>
+      <a:lnRef idx="2">
+        <a:scrgbClr r="0" g="0" b="0"/>
+      </a:lnRef>
+      <a:fillRef idx="1">
+        <a:scrgbClr r="0" g="0" b="0"/>
+      </a:fillRef>
+      <a:effectRef idx="0">
+        <a:scrgbClr r="0" g="0" b="0"/>
+      </a:effectRef>
+      <a:fontRef idx="minor">
+        <a:schemeClr val="lt1"/>
+      </a:fontRef>
+    </dgm:style>
+  </dgm:styleLbl>
+  <dgm:styleLbl name="asst4">
+    <dgm:scene3d>
+      <a:camera prst="orthographicFront"/>
+      <a:lightRig rig="threePt" dir="t"/>
+    </dgm:scene3d>
+    <dgm:sp3d/>
+    <dgm:txPr/>
+    <dgm:style>
+      <a:lnRef idx="2">
+        <a:scrgbClr r="0" g="0" b="0"/>
+      </a:lnRef>
+      <a:fillRef idx="1">
+        <a:scrgbClr r="0" g="0" b="0"/>
+      </a:fillRef>
+      <a:effectRef idx="0">
+        <a:scrgbClr r="0" g="0" b="0"/>
+      </a:effectRef>
+      <a:fontRef idx="minor">
+        <a:schemeClr val="lt1"/>
+      </a:fontRef>
+    </dgm:style>
+  </dgm:styleLbl>
+  <dgm:styleLbl name="parChTrans2D1">
+    <dgm:scene3d>
+      <a:camera prst="orthographicFront"/>
+      <a:lightRig rig="threePt" dir="t"/>
+    </dgm:scene3d>
+    <dgm:sp3d/>
+    <dgm:txPr/>
+    <dgm:style>
+      <a:lnRef idx="2">
+        <a:scrgbClr r="0" g="0" b="0"/>
+      </a:lnRef>
+      <a:fillRef idx="1">
+        <a:scrgbClr r="0" g="0" b="0"/>
+      </a:fillRef>
+      <a:effectRef idx="0">
+        <a:scrgbClr r="0" g="0" b="0"/>
+      </a:effectRef>
+      <a:fontRef idx="minor">
+        <a:schemeClr val="lt1"/>
+      </a:fontRef>
+    </dgm:style>
+  </dgm:styleLbl>
+  <dgm:styleLbl name="parChTrans2D2">
+    <dgm:scene3d>
+      <a:camera prst="orthographicFront"/>
+      <a:lightRig rig="threePt" dir="t"/>
+    </dgm:scene3d>
+    <dgm:sp3d/>
+    <dgm:txPr/>
+    <dgm:style>
+      <a:lnRef idx="2">
+        <a:scrgbClr r="0" g="0" b="0"/>
+      </a:lnRef>
+      <a:fillRef idx="1">
+        <a:scrgbClr r="0" g="0" b="0"/>
+      </a:fillRef>
+      <a:effectRef idx="0">
+        <a:scrgbClr r="0" g="0" b="0"/>
+      </a:effectRef>
+      <a:fontRef idx="minor">
+        <a:schemeClr val="lt1"/>
+      </a:fontRef>
+    </dgm:style>
+  </dgm:styleLbl>
+  <dgm:styleLbl name="parChTrans2D3">
+    <dgm:scene3d>
+      <a:camera prst="orthographicFront"/>
+      <a:lightRig rig="threePt" dir="t"/>
+    </dgm:scene3d>
+    <dgm:sp3d/>
+    <dgm:txPr/>
+    <dgm:style>
+      <a:lnRef idx="2">
+        <a:scrgbClr r="0" g="0" b="0"/>
+      </a:lnRef>
+      <a:fillRef idx="1">
+        <a:scrgbClr r="0" g="0" b="0"/>
+      </a:fillRef>
+      <a:effectRef idx="0">
+        <a:scrgbClr r="0" g="0" b="0"/>
+      </a:effectRef>
+      <a:fontRef idx="minor">
+        <a:schemeClr val="lt1"/>
+      </a:fontRef>
+    </dgm:style>
+  </dgm:styleLbl>
+  <dgm:styleLbl name="parChTrans2D4">
+    <dgm:scene3d>
+      <a:camera prst="orthographicFront"/>
+      <a:lightRig rig="threePt" dir="t"/>
+    </dgm:scene3d>
+    <dgm:sp3d/>
+    <dgm:txPr/>
+    <dgm:style>
+      <a:lnRef idx="2">
+        <a:scrgbClr r="0" g="0" b="0"/>
+      </a:lnRef>
+      <a:fillRef idx="1">
+        <a:scrgbClr r="0" g="0" b="0"/>
+      </a:fillRef>
+      <a:effectRef idx="0">
+        <a:scrgbClr r="0" g="0" b="0"/>
+      </a:effectRef>
+      <a:fontRef idx="minor">
+        <a:schemeClr val="lt1"/>
+      </a:fontRef>
+    </dgm:style>
+  </dgm:styleLbl>
+  <dgm:styleLbl name="parChTrans1D1">
+    <dgm:scene3d>
+      <a:camera prst="orthographicFront"/>
+      <a:lightRig rig="threePt" dir="t"/>
+    </dgm:scene3d>
+    <dgm:sp3d/>
+    <dgm:txPr/>
+    <dgm:style>
+      <a:lnRef idx="2">
+        <a:scrgbClr r="0" g="0" b="0"/>
+      </a:lnRef>
+      <a:fillRef idx="0">
+        <a:scrgbClr r="0" g="0" b="0"/>
+      </a:fillRef>
+      <a:effectRef idx="0">
+        <a:scrgbClr r="0" g="0" b="0"/>
+      </a:effectRef>
+      <a:fontRef idx="minor"/>
+    </dgm:style>
+  </dgm:styleLbl>
+  <dgm:styleLbl name="parChTrans1D2">
+    <dgm:scene3d>
+      <a:camera prst="orthographicFront"/>
+      <a:lightRig rig="threePt" dir="t"/>
+    </dgm:scene3d>
+    <dgm:sp3d/>
+    <dgm:txPr/>
+    <dgm:style>
+      <a:lnRef idx="2">
+        <a:scrgbClr r="0" g="0" b="0"/>
+      </a:lnRef>
+      <a:fillRef idx="0">
+        <a:scrgbClr r="0" g="0" b="0"/>
+      </a:fillRef>
+      <a:effectRef idx="0">
+        <a:scrgbClr r="0" g="0" b="0"/>
+      </a:effectRef>
+      <a:fontRef idx="minor"/>
+    </dgm:style>
+  </dgm:styleLbl>
+  <dgm:styleLbl name="parChTrans1D3">
+    <dgm:scene3d>
+      <a:camera prst="orthographicFront"/>
+      <a:lightRig rig="threePt" dir="t"/>
+    </dgm:scene3d>
+    <dgm:sp3d/>
+    <dgm:txPr/>
+    <dgm:style>
+      <a:lnRef idx="2">
+        <a:scrgbClr r="0" g="0" b="0"/>
+      </a:lnRef>
+      <a:fillRef idx="0">
+        <a:scrgbClr r="0" g="0" b="0"/>
+      </a:fillRef>
+      <a:effectRef idx="0">
+        <a:scrgbClr r="0" g="0" b="0"/>
+      </a:effectRef>
+      <a:fontRef idx="minor"/>
+    </dgm:style>
+  </dgm:styleLbl>
+  <dgm:styleLbl name="parChTrans1D4">
+    <dgm:scene3d>
+      <a:camera prst="orthographicFront"/>
+      <a:lightRig rig="threePt" dir="t"/>
+    </dgm:scene3d>
+    <dgm:sp3d/>
+    <dgm:txPr/>
+    <dgm:style>
+      <a:lnRef idx="2">
+        <a:scrgbClr r="0" g="0" b="0"/>
+      </a:lnRef>
+      <a:fillRef idx="0">
+        <a:scrgbClr r="0" g="0" b="0"/>
+      </a:fillRef>
+      <a:effectRef idx="0">
+        <a:scrgbClr r="0" g="0" b="0"/>
+      </a:effectRef>
+      <a:fontRef idx="minor"/>
+    </dgm:style>
+  </dgm:styleLbl>
+  <dgm:styleLbl name="fgAcc1">
+    <dgm:scene3d>
+      <a:camera prst="orthographicFront"/>
+      <a:lightRig rig="threePt" dir="t"/>
+    </dgm:scene3d>
+    <dgm:sp3d/>
+    <dgm:txPr/>
+    <dgm:style>
+      <a:lnRef idx="2">
+        <a:scrgbClr r="0" g="0" b="0"/>
+      </a:lnRef>
+      <a:fillRef idx="1">
+        <a:scrgbClr r="0" g="0" b="0"/>
+      </a:fillRef>
+      <a:effectRef idx="0">
+        <a:scrgbClr r="0" g="0" b="0"/>
+      </a:effectRef>
+      <a:fontRef idx="minor"/>
+    </dgm:style>
+  </dgm:styleLbl>
+  <dgm:styleLbl name="conFgAcc1">
+    <dgm:scene3d>
+      <a:camera prst="orthographicFront"/>
+      <a:lightRig rig="threePt" dir="t"/>
+    </dgm:scene3d>
+    <dgm:sp3d/>
+    <dgm:txPr/>
+    <dgm:style>
+      <a:lnRef idx="2">
+        <a:scrgbClr r="0" g="0" b="0"/>
+      </a:lnRef>
+      <a:fillRef idx="1">
+        <a:scrgbClr r="0" g="0" b="0"/>
+      </a:fillRef>
+      <a:effectRef idx="0">
+        <a:scrgbClr r="0" g="0" b="0"/>
+      </a:effectRef>
+      <a:fontRef idx="minor"/>
+    </dgm:style>
+  </dgm:styleLbl>
+  <dgm:styleLbl name="alignAcc1">
+    <dgm:scene3d>
+      <a:camera prst="orthographicFront"/>
+      <a:lightRig rig="threePt" dir="t"/>
+    </dgm:scene3d>
+    <dgm:sp3d/>
+    <dgm:txPr/>
+    <dgm:style>
+      <a:lnRef idx="2">
+        <a:scrgbClr r="0" g="0" b="0"/>
+      </a:lnRef>
+      <a:fillRef idx="1">
+        <a:scrgbClr r="0" g="0" b="0"/>
+      </a:fillRef>
+      <a:effectRef idx="0">
+        <a:scrgbClr r="0" g="0" b="0"/>
+      </a:effectRef>
+      <a:fontRef idx="minor"/>
+    </dgm:style>
+  </dgm:styleLbl>
+  <dgm:styleLbl name="trAlignAcc1">
+    <dgm:scene3d>
+      <a:camera prst="orthographicFront"/>
+      <a:lightRig rig="threePt" dir="t"/>
+    </dgm:scene3d>
+    <dgm:sp3d/>
+    <dgm:txPr/>
+    <dgm:style>
+      <a:lnRef idx="1">
+        <a:scrgbClr r="0" g="0" b="0"/>
+      </a:lnRef>
+      <a:fillRef idx="1">
+        <a:scrgbClr r="0" g="0" b="0"/>
+      </a:fillRef>
+      <a:effectRef idx="0">
+        <a:scrgbClr r="0" g="0" b="0"/>
+      </a:effectRef>
+      <a:fontRef idx="minor"/>
+    </dgm:style>
+  </dgm:styleLbl>
+  <dgm:styleLbl name="bgAcc1">
+    <dgm:scene3d>
+      <a:camera prst="orthographicFront"/>
+      <a:lightRig rig="threePt" dir="t"/>
+    </dgm:scene3d>
+    <dgm:sp3d/>
+    <dgm:txPr/>
+    <dgm:style>
+      <a:lnRef idx="2">
+        <a:scrgbClr r="0" g="0" b="0"/>
+      </a:lnRef>
+      <a:fillRef idx="1">
+        <a:scrgbClr r="0" g="0" b="0"/>
+      </a:fillRef>
+      <a:effectRef idx="0">
+        <a:scrgbClr r="0" g="0" b="0"/>
+      </a:effectRef>
+      <a:fontRef idx="minor"/>
+    </dgm:style>
+  </dgm:styleLbl>
+  <dgm:styleLbl name="solidFgAcc1">
+    <dgm:scene3d>
+      <a:camera prst="orthographicFront"/>
+      <a:lightRig rig="threePt" dir="t"/>
+    </dgm:scene3d>
+    <dgm:sp3d/>
+    <dgm:txPr/>
+    <dgm:style>
+      <a:lnRef idx="2">
+        <a:scrgbClr r="0" g="0" b="0"/>
+      </a:lnRef>
+      <a:fillRef idx="1">
+        <a:scrgbClr r="0" g="0" b="0"/>
+      </a:fillRef>
+      <a:effectRef idx="0">
+        <a:scrgbClr r="0" g="0" b="0"/>
+      </a:effectRef>
+      <a:fontRef idx="minor"/>
+    </dgm:style>
+  </dgm:styleLbl>
+  <dgm:styleLbl name="solidAlignAcc1">
+    <dgm:scene3d>
+      <a:camera prst="orthographicFront"/>
+      <a:lightRig rig="threePt" dir="t"/>
+    </dgm:scene3d>
+    <dgm:sp3d/>
+    <dgm:txPr/>
+    <dgm:style>
+      <a:lnRef idx="2">
+        <a:scrgbClr r="0" g="0" b="0"/>
+      </a:lnRef>
+      <a:fillRef idx="1">
+        <a:scrgbClr r="0" g="0" b="0"/>
+      </a:fillRef>
+      <a:effectRef idx="0">
+        <a:scrgbClr r="0" g="0" b="0"/>
+      </a:effectRef>
+      <a:fontRef idx="minor"/>
+    </dgm:style>
+  </dgm:styleLbl>
+  <dgm:styleLbl name="solidBgAcc1">
+    <dgm:scene3d>
+      <a:camera prst="orthographicFront"/>
+      <a:lightRig rig="threePt" dir="t"/>
+    </dgm:scene3d>
+    <dgm:sp3d/>
+    <dgm:txPr/>
+    <dgm:style>
+      <a:lnRef idx="2">
+        <a:scrgbClr r="0" g="0" b="0"/>
+      </a:lnRef>
+      <a:fillRef idx="1">
+        <a:scrgbClr r="0" g="0" b="0"/>
+      </a:fillRef>
+      <a:effectRef idx="0">
+        <a:scrgbClr r="0" g="0" b="0"/>
+      </a:effectRef>
+      <a:fontRef idx="minor"/>
+    </dgm:style>
+  </dgm:styleLbl>
+  <dgm:styleLbl name="fgAccFollowNode1">
+    <dgm:scene3d>
+      <a:camera prst="orthographicFront"/>
+      <a:lightRig rig="threePt" dir="t"/>
+    </dgm:scene3d>
+    <dgm:sp3d/>
+    <dgm:txPr/>
+    <dgm:style>
+      <a:lnRef idx="2">
+        <a:scrgbClr r="0" g="0" b="0"/>
+      </a:lnRef>
+      <a:fillRef idx="1">
+        <a:scrgbClr r="0" g="0" b="0"/>
+      </a:fillRef>
+      <a:effectRef idx="0">
+        <a:scrgbClr r="0" g="0" b="0"/>
+      </a:effectRef>
+      <a:fontRef idx="minor"/>
+    </dgm:style>
+  </dgm:styleLbl>
+  <dgm:styleLbl name="alignAccFollowNode1">
+    <dgm:scene3d>
+      <a:camera prst="orthographicFront"/>
+      <a:lightRig rig="threePt" dir="t"/>
+    </dgm:scene3d>
+    <dgm:sp3d/>
+    <dgm:txPr/>
+    <dgm:style>
+      <a:lnRef idx="2">
+        <a:scrgbClr r="0" g="0" b="0"/>
+      </a:lnRef>
+      <a:fillRef idx="1">
+        <a:scrgbClr r="0" g="0" b="0"/>
+      </a:fillRef>
+      <a:effectRef idx="0">
+        <a:scrgbClr r="0" g="0" b="0"/>
+      </a:effectRef>
+      <a:fontRef idx="minor"/>
+    </dgm:style>
+  </dgm:styleLbl>
+  <dgm:styleLbl name="bgAccFollowNode1">
+    <dgm:scene3d>
+      <a:camera prst="orthographicFront"/>
+      <a:lightRig rig="threePt" dir="t"/>
+    </dgm:scene3d>
+    <dgm:sp3d/>
+    <dgm:txPr/>
+    <dgm:style>
+      <a:lnRef idx="2">
+        <a:scrgbClr r="0" g="0" b="0"/>
+      </a:lnRef>
+      <a:fillRef idx="1">
+        <a:scrgbClr r="0" g="0" b="0"/>
+      </a:fillRef>
+      <a:effectRef idx="0">
+        <a:scrgbClr r="0" g="0" b="0"/>
+      </a:effectRef>
+      <a:fontRef idx="minor"/>
+    </dgm:style>
+  </dgm:styleLbl>
+  <dgm:styleLbl name="fgAcc0">
+    <dgm:scene3d>
+      <a:camera prst="orthographicFront"/>
+      <a:lightRig rig="threePt" dir="t"/>
+    </dgm:scene3d>
+    <dgm:sp3d/>
+    <dgm:txPr/>
+    <dgm:style>
+      <a:lnRef idx="2">
+        <a:scrgbClr r="0" g="0" b="0"/>
+      </a:lnRef>
+      <a:fillRef idx="1">
+        <a:scrgbClr r="0" g="0" b="0"/>
+      </a:fillRef>
+      <a:effectRef idx="0">
+        <a:scrgbClr r="0" g="0" b="0"/>
+      </a:effectRef>
+      <a:fontRef idx="minor"/>
+    </dgm:style>
+  </dgm:styleLbl>
+  <dgm:styleLbl name="fgAcc2">
+    <dgm:scene3d>
+      <a:camera prst="orthographicFront"/>
+      <a:lightRig rig="threePt" dir="t"/>
+    </dgm:scene3d>
+    <dgm:sp3d/>
+    <dgm:txPr/>
+    <dgm:style>
+      <a:lnRef idx="2">
+        <a:scrgbClr r="0" g="0" b="0"/>
+      </a:lnRef>
+      <a:fillRef idx="1">
+        <a:scrgbClr r="0" g="0" b="0"/>
+      </a:fillRef>
+      <a:effectRef idx="0">
+        <a:scrgbClr r="0" g="0" b="0"/>
+      </a:effectRef>
+      <a:fontRef idx="minor"/>
+    </dgm:style>
+  </dgm:styleLbl>
+  <dgm:styleLbl name="fgAcc3">
+    <dgm:scene3d>
+      <a:camera prst="orthographicFront"/>
+      <a:lightRig rig="threePt" dir="t"/>
+    </dgm:scene3d>
+    <dgm:sp3d/>
+    <dgm:txPr/>
+    <dgm:style>
+      <a:lnRef idx="2">
+        <a:scrgbClr r="0" g="0" b="0"/>
+      </a:lnRef>
+      <a:fillRef idx="1">
+        <a:scrgbClr r="0" g="0" b="0"/>
+      </a:fillRef>
+      <a:effectRef idx="0">
+        <a:scrgbClr r="0" g="0" b="0"/>
+      </a:effectRef>
+      <a:fontRef idx="minor"/>
+    </dgm:style>
+  </dgm:styleLbl>
+  <dgm:styleLbl name="fgAcc4">
+    <dgm:scene3d>
+      <a:camera prst="orthographicFront"/>
+      <a:lightRig rig="threePt" dir="t"/>
+    </dgm:scene3d>
+    <dgm:sp3d/>
+    <dgm:txPr/>
+    <dgm:style>
+      <a:lnRef idx="2">
+        <a:scrgbClr r="0" g="0" b="0"/>
+      </a:lnRef>
+      <a:fillRef idx="1">
+        <a:scrgbClr r="0" g="0" b="0"/>
+      </a:fillRef>
+      <a:effectRef idx="0">
+        <a:scrgbClr r="0" g="0" b="0"/>
+      </a:effectRef>
+      <a:fontRef idx="minor"/>
+    </dgm:style>
+  </dgm:styleLbl>
+  <dgm:styleLbl name="bgShp">
+    <dgm:scene3d>
+      <a:camera prst="orthographicFront"/>
+      <a:lightRig rig="threePt" dir="t"/>
+    </dgm:scene3d>
+    <dgm:sp3d/>
+    <dgm:txPr/>
+    <dgm:style>
+      <a:lnRef idx="0">
+        <a:scrgbClr r="0" g="0" b="0"/>
+      </a:lnRef>
+      <a:fillRef idx="1">
+        <a:scrgbClr r="0" g="0" b="0"/>
+      </a:fillRef>
+      <a:effectRef idx="0">
+        <a:scrgbClr r="0" g="0" b="0"/>
+      </a:effectRef>
+      <a:fontRef idx="minor"/>
+    </dgm:style>
+  </dgm:styleLbl>
+  <dgm:styleLbl name="dkBgShp">
+    <dgm:scene3d>
+      <a:camera prst="orthographicFront"/>
+      <a:lightRig rig="threePt" dir="t"/>
+    </dgm:scene3d>
+    <dgm:sp3d/>
+    <dgm:txPr/>
+    <dgm:style>
+      <a:lnRef idx="0">
+        <a:scrgbClr r="0" g="0" b="0"/>
+      </a:lnRef>
+      <a:fillRef idx="1">
+        <a:scrgbClr r="0" g="0" b="0"/>
+      </a:fillRef>
+      <a:effectRef idx="0">
+        <a:scrgbClr r="0" g="0" b="0"/>
+      </a:effectRef>
+      <a:fontRef idx="minor"/>
+    </dgm:style>
+  </dgm:styleLbl>
+  <dgm:styleLbl name="trBgShp">
+    <dgm:scene3d>
+      <a:camera prst="orthographicFront"/>
+      <a:lightRig rig="threePt" dir="t"/>
+    </dgm:scene3d>
+    <dgm:sp3d/>
+    <dgm:txPr/>
+    <dgm:style>
+      <a:lnRef idx="0">
+        <a:scrgbClr r="0" g="0" b="0"/>
+      </a:lnRef>
+      <a:fillRef idx="1">
+        <a:scrgbClr r="0" g="0" b="0"/>
+      </a:fillRef>
+      <a:effectRef idx="0">
+        <a:scrgbClr r="0" g="0" b="0"/>
+      </a:effectRef>
+      <a:fontRef idx="minor"/>
+    </dgm:style>
+  </dgm:styleLbl>
+  <dgm:styleLbl name="fgShp">
+    <dgm:scene3d>
+      <a:camera prst="orthographicFront"/>
+      <a:lightRig rig="threePt" dir="t"/>
+    </dgm:scene3d>
+    <dgm:sp3d/>
+    <dgm:txPr/>
+    <dgm:style>
+      <a:lnRef idx="2">
+        <a:scrgbClr r="0" g="0" b="0"/>
+      </a:lnRef>
+      <a:fillRef idx="1">
+        <a:scrgbClr r="0" g="0" b="0"/>
+      </a:fillRef>
+      <a:effectRef idx="0">
+        <a:scrgbClr r="0" g="0" b="0"/>
+      </a:effectRef>
+      <a:fontRef idx="minor"/>
+    </dgm:style>
+  </dgm:styleLbl>
+  <dgm:styleLbl name="revTx">
+    <dgm:scene3d>
+      <a:camera prst="orthographicFront"/>
+      <a:lightRig rig="threePt" dir="t"/>
+    </dgm:scene3d>
+    <dgm:sp3d/>
+    <dgm:txPr/>
+    <dgm:style>
+      <a:lnRef idx="0">
+        <a:scrgbClr r="0" g="0" b="0"/>
+      </a:lnRef>
+      <a:fillRef idx="0">
+        <a:scrgbClr r="0" g="0" b="0"/>
+      </a:fillRef>
+      <a:effectRef idx="0">
+        <a:scrgbClr r="0" g="0" b="0"/>
+      </a:effectRef>
+      <a:fontRef idx="minor"/>
+    </dgm:style>
+  </dgm:styleLbl>
+</dgm:styleDef>
+</file>
+
 <file path=ppt/slideLayouts/slideLayout1.xml><?xml version="1.0" encoding="utf-8"?>
 <p:sldLayout xmlns:a="http://schemas.openxmlformats.org/drawingml/2006/main" xmlns:r="http://schemas.openxmlformats.org/officeDocument/2006/relationships" xmlns:p="http://schemas.openxmlformats.org/presentationml/2006/main" type="title" preserve="1">
   <p:cSld name="Diapositive de titre">
@@ -263,7 +3730,7 @@
           <a:p>
             <a:fld id="{F3A718E8-50A8-44FB-9B8C-B3586663F83C}" type="datetimeFigureOut">
               <a:rPr lang="fr-FR" smtClean="0"/>
-              <a:t>02/06/2020</a:t>
+              <a:t>03/06/2020</a:t>
             </a:fld>
             <a:endParaRPr lang="fr-FR"/>
           </a:p>
@@ -461,7 +3928,7 @@
           <a:p>
             <a:fld id="{F3A718E8-50A8-44FB-9B8C-B3586663F83C}" type="datetimeFigureOut">
               <a:rPr lang="fr-FR" smtClean="0"/>
-              <a:t>02/06/2020</a:t>
+              <a:t>03/06/2020</a:t>
             </a:fld>
             <a:endParaRPr lang="fr-FR"/>
           </a:p>
@@ -669,7 +4136,7 @@
           <a:p>
             <a:fld id="{F3A718E8-50A8-44FB-9B8C-B3586663F83C}" type="datetimeFigureOut">
               <a:rPr lang="fr-FR" smtClean="0"/>
-              <a:t>02/06/2020</a:t>
+              <a:t>03/06/2020</a:t>
             </a:fld>
             <a:endParaRPr lang="fr-FR"/>
           </a:p>
@@ -867,7 +4334,7 @@
           <a:p>
             <a:fld id="{F3A718E8-50A8-44FB-9B8C-B3586663F83C}" type="datetimeFigureOut">
               <a:rPr lang="fr-FR" smtClean="0"/>
-              <a:t>02/06/2020</a:t>
+              <a:t>03/06/2020</a:t>
             </a:fld>
             <a:endParaRPr lang="fr-FR"/>
           </a:p>
@@ -1142,7 +4609,7 @@
           <a:p>
             <a:fld id="{F3A718E8-50A8-44FB-9B8C-B3586663F83C}" type="datetimeFigureOut">
               <a:rPr lang="fr-FR" smtClean="0"/>
-              <a:t>02/06/2020</a:t>
+              <a:t>03/06/2020</a:t>
             </a:fld>
             <a:endParaRPr lang="fr-FR"/>
           </a:p>
@@ -1407,7 +4874,7 @@
           <a:p>
             <a:fld id="{F3A718E8-50A8-44FB-9B8C-B3586663F83C}" type="datetimeFigureOut">
               <a:rPr lang="fr-FR" smtClean="0"/>
-              <a:t>02/06/2020</a:t>
+              <a:t>03/06/2020</a:t>
             </a:fld>
             <a:endParaRPr lang="fr-FR"/>
           </a:p>
@@ -1819,7 +5286,7 @@
           <a:p>
             <a:fld id="{F3A718E8-50A8-44FB-9B8C-B3586663F83C}" type="datetimeFigureOut">
               <a:rPr lang="fr-FR" smtClean="0"/>
-              <a:t>02/06/2020</a:t>
+              <a:t>03/06/2020</a:t>
             </a:fld>
             <a:endParaRPr lang="fr-FR"/>
           </a:p>
@@ -1960,7 +5427,7 @@
           <a:p>
             <a:fld id="{F3A718E8-50A8-44FB-9B8C-B3586663F83C}" type="datetimeFigureOut">
               <a:rPr lang="fr-FR" smtClean="0"/>
-              <a:t>02/06/2020</a:t>
+              <a:t>03/06/2020</a:t>
             </a:fld>
             <a:endParaRPr lang="fr-FR"/>
           </a:p>
@@ -2073,7 +5540,7 @@
           <a:p>
             <a:fld id="{F3A718E8-50A8-44FB-9B8C-B3586663F83C}" type="datetimeFigureOut">
               <a:rPr lang="fr-FR" smtClean="0"/>
-              <a:t>02/06/2020</a:t>
+              <a:t>03/06/2020</a:t>
             </a:fld>
             <a:endParaRPr lang="fr-FR"/>
           </a:p>
@@ -2384,7 +5851,7 @@
           <a:p>
             <a:fld id="{F3A718E8-50A8-44FB-9B8C-B3586663F83C}" type="datetimeFigureOut">
               <a:rPr lang="fr-FR" smtClean="0"/>
-              <a:t>02/06/2020</a:t>
+              <a:t>03/06/2020</a:t>
             </a:fld>
             <a:endParaRPr lang="fr-FR"/>
           </a:p>
@@ -2672,7 +6139,7 @@
           <a:p>
             <a:fld id="{F3A718E8-50A8-44FB-9B8C-B3586663F83C}" type="datetimeFigureOut">
               <a:rPr lang="fr-FR" smtClean="0"/>
-              <a:t>02/06/2020</a:t>
+              <a:t>03/06/2020</a:t>
             </a:fld>
             <a:endParaRPr lang="fr-FR"/>
           </a:p>
@@ -2913,7 +6380,7 @@
           <a:p>
             <a:fld id="{F3A718E8-50A8-44FB-9B8C-B3586663F83C}" type="datetimeFigureOut">
               <a:rPr lang="fr-FR" smtClean="0"/>
-              <a:t>02/06/2020</a:t>
+              <a:t>03/06/2020</a:t>
             </a:fld>
             <a:endParaRPr lang="fr-FR"/>
           </a:p>
@@ -3889,9 +7356,8 @@
             <a:endParaRPr lang="fr-FR" sz="2200" dirty="0"/>
           </a:p>
           <a:p>
-            <a:pPr>
-              <a:buFont typeface="Symbol" panose="05050102010706020507" pitchFamily="18" charset="2"/>
-              <a:buChar char="Þ"/>
+            <a:pPr marL="0" indent="0">
+              <a:buNone/>
             </a:pPr>
             <a:endParaRPr lang="fr-FR" sz="2200" dirty="0"/>
           </a:p>
@@ -5112,7 +8578,6 @@
           </a:bodyPr>
           <a:lstStyle/>
           <a:p>
-            <a:pPr algn="ctr"/>
             <a:r>
               <a:rPr lang="fr-FR" dirty="0"/>
               <a:t>Notre solution en quelques mots…</a:t>
@@ -5121,1274 +8586,41 @@
           </a:p>
         </p:txBody>
       </p:sp>
-      <p:grpSp>
-        <p:nvGrpSpPr>
-          <p:cNvPr id="6" name="Groupe 5">
+      <p:graphicFrame>
+        <p:nvGraphicFramePr>
+          <p:cNvPr id="5" name="Espace réservé du contenu 2">
             <a:extLst>
               <a:ext uri="{FF2B5EF4-FFF2-40B4-BE49-F238E27FC236}">
-                <a16:creationId xmlns:a16="http://schemas.microsoft.com/office/drawing/2014/main" id="{03092793-8ECD-4914-85B7-621942F094BF}"/>
+                <a16:creationId xmlns:a16="http://schemas.microsoft.com/office/drawing/2014/main" id="{BD4B4193-ACDE-4F24-9D8B-25833BBA22A7}"/>
               </a:ext>
             </a:extLst>
           </p:cNvPr>
-          <p:cNvGrpSpPr/>
-          <p:nvPr/>
-        </p:nvGrpSpPr>
-        <p:grpSpPr>
-          <a:xfrm>
-            <a:off x="920813" y="2737859"/>
-            <a:ext cx="10350373" cy="2534425"/>
-            <a:chOff x="920813" y="2737859"/>
-            <a:chExt cx="10350373" cy="2534425"/>
-          </a:xfrm>
-        </p:grpSpPr>
-        <p:sp>
-          <p:nvSpPr>
-            <p:cNvPr id="7" name="Ellipse 6">
-              <a:extLst>
-                <a:ext uri="{FF2B5EF4-FFF2-40B4-BE49-F238E27FC236}">
-                  <a16:creationId xmlns:a16="http://schemas.microsoft.com/office/drawing/2014/main" id="{FE96F568-99C3-49CD-82D2-27DB87C30540}"/>
-                </a:ext>
-              </a:extLst>
-            </p:cNvPr>
-            <p:cNvSpPr/>
-            <p:nvPr/>
-          </p:nvSpPr>
-          <p:spPr>
-            <a:xfrm>
-              <a:off x="920813" y="2737859"/>
-              <a:ext cx="897246" cy="897246"/>
-            </a:xfrm>
-            <a:prstGeom prst="ellipse">
-              <a:avLst/>
-            </a:prstGeom>
-          </p:spPr>
-          <p:style>
-            <a:lnRef idx="0">
-              <a:schemeClr val="lt1">
-                <a:alpha val="0"/>
-                <a:hueOff val="0"/>
-                <a:satOff val="0"/>
-                <a:lumOff val="0"/>
-                <a:alphaOff val="0"/>
-              </a:schemeClr>
-            </a:lnRef>
-            <a:fillRef idx="1">
-              <a:schemeClr val="accent4">
-                <a:hueOff val="0"/>
-                <a:satOff val="0"/>
-                <a:lumOff val="0"/>
-                <a:alphaOff val="0"/>
-              </a:schemeClr>
-            </a:fillRef>
-            <a:effectRef idx="2">
-              <a:schemeClr val="accent4">
-                <a:hueOff val="0"/>
-                <a:satOff val="0"/>
-                <a:lumOff val="0"/>
-                <a:alphaOff val="0"/>
-              </a:schemeClr>
-            </a:effectRef>
-            <a:fontRef idx="minor"/>
-          </p:style>
-        </p:sp>
-        <p:sp>
-          <p:nvSpPr>
-            <p:cNvPr id="8" name="Rectangle 7" descr="Stopwatch">
-              <a:extLst>
-                <a:ext uri="{FF2B5EF4-FFF2-40B4-BE49-F238E27FC236}">
-                  <a16:creationId xmlns:a16="http://schemas.microsoft.com/office/drawing/2014/main" id="{B436A1F8-AF5A-406F-BC26-756957CC4522}"/>
-                </a:ext>
-              </a:extLst>
-            </p:cNvPr>
-            <p:cNvSpPr/>
-            <p:nvPr/>
-          </p:nvSpPr>
-          <p:spPr>
-            <a:xfrm>
-              <a:off x="1109234" y="2926281"/>
-              <a:ext cx="520402" cy="520402"/>
-            </a:xfrm>
-            <a:prstGeom prst="rect">
-              <a:avLst/>
-            </a:prstGeom>
-            <a:blipFill>
-              <a:blip r:embed="rId2">
-                <a:extLst>
-                  <a:ext uri="{28A0092B-C50C-407E-A947-70E740481C1C}">
-                    <a14:useLocalDpi xmlns:a14="http://schemas.microsoft.com/office/drawing/2010/main" val="0"/>
-                  </a:ext>
-                  <a:ext uri="{96DAC541-7B7A-43D3-8B79-37D633B846F1}">
-                    <asvg:svgBlip xmlns:asvg="http://schemas.microsoft.com/office/drawing/2016/SVG/main" r:embed="rId3"/>
-                  </a:ext>
-                </a:extLst>
-              </a:blip>
-              <a:stretch>
-                <a:fillRect/>
-              </a:stretch>
-            </a:blipFill>
-          </p:spPr>
-          <p:style>
-            <a:lnRef idx="0">
-              <a:schemeClr val="lt1">
-                <a:alpha val="0"/>
-                <a:hueOff val="0"/>
-                <a:satOff val="0"/>
-                <a:lumOff val="0"/>
-                <a:alphaOff val="0"/>
-              </a:schemeClr>
-            </a:lnRef>
-            <a:fillRef idx="3">
-              <a:scrgbClr r="0" g="0" b="0"/>
-            </a:fillRef>
-            <a:effectRef idx="2">
-              <a:schemeClr val="bg1">
-                <a:hueOff val="0"/>
-                <a:satOff val="0"/>
-                <a:lumOff val="0"/>
-                <a:alphaOff val="0"/>
-              </a:schemeClr>
-            </a:effectRef>
-            <a:fontRef idx="minor">
-              <a:schemeClr val="dk1">
-                <a:hueOff val="0"/>
-                <a:satOff val="0"/>
-                <a:lumOff val="0"/>
-                <a:alphaOff val="0"/>
-              </a:schemeClr>
-            </a:fontRef>
-          </p:style>
-        </p:sp>
-        <p:sp>
-          <p:nvSpPr>
-            <p:cNvPr id="9" name="Forme libre : forme 8">
-              <a:extLst>
-                <a:ext uri="{FF2B5EF4-FFF2-40B4-BE49-F238E27FC236}">
-                  <a16:creationId xmlns:a16="http://schemas.microsoft.com/office/drawing/2014/main" id="{CE87E704-95E4-48F6-AFC3-ABF1A98A3EC1}"/>
-                </a:ext>
-              </a:extLst>
-            </p:cNvPr>
-            <p:cNvSpPr/>
-            <p:nvPr/>
-          </p:nvSpPr>
-          <p:spPr>
-            <a:xfrm>
-              <a:off x="2010326" y="2737859"/>
-              <a:ext cx="2114937" cy="897246"/>
-            </a:xfrm>
-            <a:custGeom>
-              <a:avLst/>
-              <a:gdLst>
-                <a:gd name="connsiteX0" fmla="*/ 0 w 2114937"/>
-                <a:gd name="connsiteY0" fmla="*/ 0 h 897246"/>
-                <a:gd name="connsiteX1" fmla="*/ 2114937 w 2114937"/>
-                <a:gd name="connsiteY1" fmla="*/ 0 h 897246"/>
-                <a:gd name="connsiteX2" fmla="*/ 2114937 w 2114937"/>
-                <a:gd name="connsiteY2" fmla="*/ 897246 h 897246"/>
-                <a:gd name="connsiteX3" fmla="*/ 0 w 2114937"/>
-                <a:gd name="connsiteY3" fmla="*/ 897246 h 897246"/>
-                <a:gd name="connsiteX4" fmla="*/ 0 w 2114937"/>
-                <a:gd name="connsiteY4" fmla="*/ 0 h 897246"/>
-              </a:gdLst>
-              <a:ahLst/>
-              <a:cxnLst>
-                <a:cxn ang="0">
-                  <a:pos x="connsiteX0" y="connsiteY0"/>
-                </a:cxn>
-                <a:cxn ang="0">
-                  <a:pos x="connsiteX1" y="connsiteY1"/>
-                </a:cxn>
-                <a:cxn ang="0">
-                  <a:pos x="connsiteX2" y="connsiteY2"/>
-                </a:cxn>
-                <a:cxn ang="0">
-                  <a:pos x="connsiteX3" y="connsiteY3"/>
-                </a:cxn>
-                <a:cxn ang="0">
-                  <a:pos x="connsiteX4" y="connsiteY4"/>
-                </a:cxn>
-              </a:cxnLst>
-              <a:rect l="l" t="t" r="r" b="b"/>
-              <a:pathLst>
-                <a:path w="2114937" h="897246">
-                  <a:moveTo>
-                    <a:pt x="0" y="0"/>
-                  </a:moveTo>
-                  <a:lnTo>
-                    <a:pt x="2114937" y="0"/>
-                  </a:lnTo>
-                  <a:lnTo>
-                    <a:pt x="2114937" y="897246"/>
-                  </a:lnTo>
-                  <a:lnTo>
-                    <a:pt x="0" y="897246"/>
-                  </a:lnTo>
-                  <a:lnTo>
-                    <a:pt x="0" y="0"/>
-                  </a:lnTo>
-                  <a:close/>
-                </a:path>
-              </a:pathLst>
-            </a:custGeom>
-          </p:spPr>
-          <p:style>
-            <a:lnRef idx="0">
-              <a:schemeClr val="dk1">
-                <a:alpha val="0"/>
-                <a:hueOff val="0"/>
-                <a:satOff val="0"/>
-                <a:lumOff val="0"/>
-                <a:alphaOff val="0"/>
-              </a:schemeClr>
-            </a:lnRef>
-            <a:fillRef idx="0">
-              <a:schemeClr val="lt1">
-                <a:alpha val="0"/>
-                <a:hueOff val="0"/>
-                <a:satOff val="0"/>
-                <a:lumOff val="0"/>
-                <a:alphaOff val="0"/>
-              </a:schemeClr>
-            </a:fillRef>
-            <a:effectRef idx="0">
-              <a:schemeClr val="lt1">
-                <a:alpha val="0"/>
-                <a:hueOff val="0"/>
-                <a:satOff val="0"/>
-                <a:lumOff val="0"/>
-                <a:alphaOff val="0"/>
-              </a:schemeClr>
-            </a:effectRef>
-            <a:fontRef idx="minor">
-              <a:schemeClr val="tx1">
-                <a:hueOff val="0"/>
-                <a:satOff val="0"/>
-                <a:lumOff val="0"/>
-                <a:alphaOff val="0"/>
-              </a:schemeClr>
-            </a:fontRef>
-          </p:style>
-          <p:txBody>
-            <a:bodyPr spcFirstLastPara="0" vert="horz" wrap="square" lIns="0" tIns="0" rIns="0" bIns="0" numCol="1" spcCol="1270" anchor="ctr" anchorCtr="0">
-              <a:noAutofit/>
-            </a:bodyPr>
-            <a:lstStyle/>
-            <a:p>
-              <a:pPr marL="0" lvl="0" indent="0" algn="l" defTabSz="1066800">
-                <a:lnSpc>
-                  <a:spcPct val="100000"/>
-                </a:lnSpc>
-                <a:spcBef>
-                  <a:spcPct val="0"/>
-                </a:spcBef>
-                <a:spcAft>
-                  <a:spcPct val="35000"/>
-                </a:spcAft>
-                <a:buNone/>
-              </a:pPr>
-              <a:r>
-                <a:rPr lang="fr-FR" sz="2400" kern="1200" dirty="0"/>
-                <a:t>Efficace</a:t>
-              </a:r>
-            </a:p>
-          </p:txBody>
-        </p:sp>
-        <p:sp>
-          <p:nvSpPr>
-            <p:cNvPr id="10" name="Ellipse 9">
-              <a:extLst>
-                <a:ext uri="{FF2B5EF4-FFF2-40B4-BE49-F238E27FC236}">
-                  <a16:creationId xmlns:a16="http://schemas.microsoft.com/office/drawing/2014/main" id="{4E38492B-B33E-4115-B8C4-17D9085FC3E9}"/>
-                </a:ext>
-              </a:extLst>
-            </p:cNvPr>
-            <p:cNvSpPr/>
-            <p:nvPr/>
-          </p:nvSpPr>
-          <p:spPr>
-            <a:xfrm>
-              <a:off x="4493775" y="2737859"/>
-              <a:ext cx="897246" cy="897246"/>
-            </a:xfrm>
-            <a:prstGeom prst="ellipse">
-              <a:avLst/>
-            </a:prstGeom>
-          </p:spPr>
-          <p:style>
-            <a:lnRef idx="0">
-              <a:schemeClr val="lt1">
-                <a:alpha val="0"/>
-                <a:hueOff val="0"/>
-                <a:satOff val="0"/>
-                <a:lumOff val="0"/>
-                <a:alphaOff val="0"/>
-              </a:schemeClr>
-            </a:lnRef>
-            <a:fillRef idx="1">
-              <a:schemeClr val="accent4">
-                <a:hueOff val="0"/>
-                <a:satOff val="0"/>
-                <a:lumOff val="0"/>
-                <a:alphaOff val="0"/>
-              </a:schemeClr>
-            </a:fillRef>
-            <a:effectRef idx="2">
-              <a:schemeClr val="accent4">
-                <a:hueOff val="0"/>
-                <a:satOff val="0"/>
-                <a:lumOff val="0"/>
-                <a:alphaOff val="0"/>
-              </a:schemeClr>
-            </a:effectRef>
-            <a:fontRef idx="minor"/>
-          </p:style>
-        </p:sp>
-        <p:sp>
-          <p:nvSpPr>
-            <p:cNvPr id="11" name="Rectangle 10" descr="Head with Gears">
-              <a:extLst>
-                <a:ext uri="{FF2B5EF4-FFF2-40B4-BE49-F238E27FC236}">
-                  <a16:creationId xmlns:a16="http://schemas.microsoft.com/office/drawing/2014/main" id="{7824F1D9-18A5-4261-9352-F216427735D1}"/>
-                </a:ext>
-              </a:extLst>
-            </p:cNvPr>
-            <p:cNvSpPr/>
-            <p:nvPr/>
-          </p:nvSpPr>
-          <p:spPr>
-            <a:xfrm>
-              <a:off x="4682196" y="2926281"/>
-              <a:ext cx="520402" cy="520402"/>
-            </a:xfrm>
-            <a:prstGeom prst="rect">
-              <a:avLst/>
-            </a:prstGeom>
-            <a:blipFill>
-              <a:blip r:embed="rId4">
-                <a:extLst>
-                  <a:ext uri="{28A0092B-C50C-407E-A947-70E740481C1C}">
-                    <a14:useLocalDpi xmlns:a14="http://schemas.microsoft.com/office/drawing/2010/main" val="0"/>
-                  </a:ext>
-                  <a:ext uri="{96DAC541-7B7A-43D3-8B79-37D633B846F1}">
-                    <asvg:svgBlip xmlns:asvg="http://schemas.microsoft.com/office/drawing/2016/SVG/main" r:embed="rId5"/>
-                  </a:ext>
-                </a:extLst>
-              </a:blip>
-              <a:stretch>
-                <a:fillRect/>
-              </a:stretch>
-            </a:blipFill>
-          </p:spPr>
-          <p:style>
-            <a:lnRef idx="0">
-              <a:schemeClr val="lt1">
-                <a:alpha val="0"/>
-                <a:hueOff val="0"/>
-                <a:satOff val="0"/>
-                <a:lumOff val="0"/>
-                <a:alphaOff val="0"/>
-              </a:schemeClr>
-            </a:lnRef>
-            <a:fillRef idx="3">
-              <a:scrgbClr r="0" g="0" b="0"/>
-            </a:fillRef>
-            <a:effectRef idx="2">
-              <a:schemeClr val="bg1">
-                <a:hueOff val="0"/>
-                <a:satOff val="0"/>
-                <a:lumOff val="0"/>
-                <a:alphaOff val="0"/>
-              </a:schemeClr>
-            </a:effectRef>
-            <a:fontRef idx="minor">
-              <a:schemeClr val="dk1">
-                <a:hueOff val="0"/>
-                <a:satOff val="0"/>
-                <a:lumOff val="0"/>
-                <a:alphaOff val="0"/>
-              </a:schemeClr>
-            </a:fontRef>
-          </p:style>
-        </p:sp>
-        <p:sp>
-          <p:nvSpPr>
-            <p:cNvPr id="12" name="Forme libre : forme 11">
-              <a:extLst>
-                <a:ext uri="{FF2B5EF4-FFF2-40B4-BE49-F238E27FC236}">
-                  <a16:creationId xmlns:a16="http://schemas.microsoft.com/office/drawing/2014/main" id="{78C2B517-7378-41A8-9EC6-01CAE1E6819B}"/>
-                </a:ext>
-              </a:extLst>
-            </p:cNvPr>
-            <p:cNvSpPr/>
-            <p:nvPr/>
-          </p:nvSpPr>
-          <p:spPr>
-            <a:xfrm>
-              <a:off x="5583288" y="2737859"/>
-              <a:ext cx="2114937" cy="897246"/>
-            </a:xfrm>
-            <a:custGeom>
-              <a:avLst/>
-              <a:gdLst>
-                <a:gd name="connsiteX0" fmla="*/ 0 w 2114937"/>
-                <a:gd name="connsiteY0" fmla="*/ 0 h 897246"/>
-                <a:gd name="connsiteX1" fmla="*/ 2114937 w 2114937"/>
-                <a:gd name="connsiteY1" fmla="*/ 0 h 897246"/>
-                <a:gd name="connsiteX2" fmla="*/ 2114937 w 2114937"/>
-                <a:gd name="connsiteY2" fmla="*/ 897246 h 897246"/>
-                <a:gd name="connsiteX3" fmla="*/ 0 w 2114937"/>
-                <a:gd name="connsiteY3" fmla="*/ 897246 h 897246"/>
-                <a:gd name="connsiteX4" fmla="*/ 0 w 2114937"/>
-                <a:gd name="connsiteY4" fmla="*/ 0 h 897246"/>
-              </a:gdLst>
-              <a:ahLst/>
-              <a:cxnLst>
-                <a:cxn ang="0">
-                  <a:pos x="connsiteX0" y="connsiteY0"/>
-                </a:cxn>
-                <a:cxn ang="0">
-                  <a:pos x="connsiteX1" y="connsiteY1"/>
-                </a:cxn>
-                <a:cxn ang="0">
-                  <a:pos x="connsiteX2" y="connsiteY2"/>
-                </a:cxn>
-                <a:cxn ang="0">
-                  <a:pos x="connsiteX3" y="connsiteY3"/>
-                </a:cxn>
-                <a:cxn ang="0">
-                  <a:pos x="connsiteX4" y="connsiteY4"/>
-                </a:cxn>
-              </a:cxnLst>
-              <a:rect l="l" t="t" r="r" b="b"/>
-              <a:pathLst>
-                <a:path w="2114937" h="897246">
-                  <a:moveTo>
-                    <a:pt x="0" y="0"/>
-                  </a:moveTo>
-                  <a:lnTo>
-                    <a:pt x="2114937" y="0"/>
-                  </a:lnTo>
-                  <a:lnTo>
-                    <a:pt x="2114937" y="897246"/>
-                  </a:lnTo>
-                  <a:lnTo>
-                    <a:pt x="0" y="897246"/>
-                  </a:lnTo>
-                  <a:lnTo>
-                    <a:pt x="0" y="0"/>
-                  </a:lnTo>
-                  <a:close/>
-                </a:path>
-              </a:pathLst>
-            </a:custGeom>
-          </p:spPr>
-          <p:style>
-            <a:lnRef idx="0">
-              <a:schemeClr val="dk1">
-                <a:alpha val="0"/>
-                <a:hueOff val="0"/>
-                <a:satOff val="0"/>
-                <a:lumOff val="0"/>
-                <a:alphaOff val="0"/>
-              </a:schemeClr>
-            </a:lnRef>
-            <a:fillRef idx="0">
-              <a:schemeClr val="lt1">
-                <a:alpha val="0"/>
-                <a:hueOff val="0"/>
-                <a:satOff val="0"/>
-                <a:lumOff val="0"/>
-                <a:alphaOff val="0"/>
-              </a:schemeClr>
-            </a:fillRef>
-            <a:effectRef idx="0">
-              <a:schemeClr val="lt1">
-                <a:alpha val="0"/>
-                <a:hueOff val="0"/>
-                <a:satOff val="0"/>
-                <a:lumOff val="0"/>
-                <a:alphaOff val="0"/>
-              </a:schemeClr>
-            </a:effectRef>
-            <a:fontRef idx="minor">
-              <a:schemeClr val="tx1">
-                <a:hueOff val="0"/>
-                <a:satOff val="0"/>
-                <a:lumOff val="0"/>
-                <a:alphaOff val="0"/>
-              </a:schemeClr>
-            </a:fontRef>
-          </p:style>
-          <p:txBody>
-            <a:bodyPr spcFirstLastPara="0" vert="horz" wrap="square" lIns="0" tIns="0" rIns="0" bIns="0" numCol="1" spcCol="1270" anchor="ctr" anchorCtr="0">
-              <a:noAutofit/>
-            </a:bodyPr>
-            <a:lstStyle/>
-            <a:p>
-              <a:pPr marL="0" lvl="0" indent="0" algn="l" defTabSz="1066800">
-                <a:lnSpc>
-                  <a:spcPct val="100000"/>
-                </a:lnSpc>
-                <a:spcBef>
-                  <a:spcPct val="0"/>
-                </a:spcBef>
-                <a:spcAft>
-                  <a:spcPct val="35000"/>
-                </a:spcAft>
-                <a:buNone/>
-              </a:pPr>
-              <a:r>
-                <a:rPr lang="fr-FR" sz="2400" kern="1200" dirty="0"/>
-                <a:t>Intuitive</a:t>
-              </a:r>
-            </a:p>
-          </p:txBody>
-        </p:sp>
-        <p:sp>
-          <p:nvSpPr>
-            <p:cNvPr id="13" name="Ellipse 12">
-              <a:extLst>
-                <a:ext uri="{FF2B5EF4-FFF2-40B4-BE49-F238E27FC236}">
-                  <a16:creationId xmlns:a16="http://schemas.microsoft.com/office/drawing/2014/main" id="{49A816FA-EA34-412F-893C-4FA4F5DBDC03}"/>
-                </a:ext>
-              </a:extLst>
-            </p:cNvPr>
-            <p:cNvSpPr/>
-            <p:nvPr/>
-          </p:nvSpPr>
-          <p:spPr>
-            <a:xfrm>
-              <a:off x="8066736" y="2737859"/>
-              <a:ext cx="897246" cy="897246"/>
-            </a:xfrm>
-            <a:prstGeom prst="ellipse">
-              <a:avLst/>
-            </a:prstGeom>
-          </p:spPr>
-          <p:style>
-            <a:lnRef idx="0">
-              <a:schemeClr val="lt1">
-                <a:alpha val="0"/>
-                <a:hueOff val="0"/>
-                <a:satOff val="0"/>
-                <a:lumOff val="0"/>
-                <a:alphaOff val="0"/>
-              </a:schemeClr>
-            </a:lnRef>
-            <a:fillRef idx="1">
-              <a:schemeClr val="accent4">
-                <a:hueOff val="0"/>
-                <a:satOff val="0"/>
-                <a:lumOff val="0"/>
-                <a:alphaOff val="0"/>
-              </a:schemeClr>
-            </a:fillRef>
-            <a:effectRef idx="2">
-              <a:schemeClr val="accent4">
-                <a:hueOff val="0"/>
-                <a:satOff val="0"/>
-                <a:lumOff val="0"/>
-                <a:alphaOff val="0"/>
-              </a:schemeClr>
-            </a:effectRef>
-            <a:fontRef idx="minor"/>
-          </p:style>
-        </p:sp>
-        <p:sp>
-          <p:nvSpPr>
-            <p:cNvPr id="14" name="Rectangle 13" descr="Tools">
-              <a:extLst>
-                <a:ext uri="{FF2B5EF4-FFF2-40B4-BE49-F238E27FC236}">
-                  <a16:creationId xmlns:a16="http://schemas.microsoft.com/office/drawing/2014/main" id="{5A589A0B-0CE6-42D3-B1CA-E46F7B44992F}"/>
-                </a:ext>
-              </a:extLst>
-            </p:cNvPr>
-            <p:cNvSpPr/>
-            <p:nvPr/>
-          </p:nvSpPr>
-          <p:spPr>
-            <a:xfrm>
-              <a:off x="8255158" y="2926281"/>
-              <a:ext cx="520402" cy="520402"/>
-            </a:xfrm>
-            <a:prstGeom prst="rect">
-              <a:avLst/>
-            </a:prstGeom>
-            <a:blipFill>
-              <a:blip r:embed="rId6">
-                <a:extLst>
-                  <a:ext uri="{28A0092B-C50C-407E-A947-70E740481C1C}">
-                    <a14:useLocalDpi xmlns:a14="http://schemas.microsoft.com/office/drawing/2010/main" val="0"/>
-                  </a:ext>
-                  <a:ext uri="{96DAC541-7B7A-43D3-8B79-37D633B846F1}">
-                    <asvg:svgBlip xmlns:asvg="http://schemas.microsoft.com/office/drawing/2016/SVG/main" r:embed="rId7"/>
-                  </a:ext>
-                </a:extLst>
-              </a:blip>
-              <a:stretch>
-                <a:fillRect/>
-              </a:stretch>
-            </a:blipFill>
-          </p:spPr>
-          <p:style>
-            <a:lnRef idx="0">
-              <a:schemeClr val="lt1">
-                <a:alpha val="0"/>
-                <a:hueOff val="0"/>
-                <a:satOff val="0"/>
-                <a:lumOff val="0"/>
-                <a:alphaOff val="0"/>
-              </a:schemeClr>
-            </a:lnRef>
-            <a:fillRef idx="3">
-              <a:scrgbClr r="0" g="0" b="0"/>
-            </a:fillRef>
-            <a:effectRef idx="2">
-              <a:schemeClr val="bg1">
-                <a:hueOff val="0"/>
-                <a:satOff val="0"/>
-                <a:lumOff val="0"/>
-                <a:alphaOff val="0"/>
-              </a:schemeClr>
-            </a:effectRef>
-            <a:fontRef idx="minor">
-              <a:schemeClr val="dk1">
-                <a:hueOff val="0"/>
-                <a:satOff val="0"/>
-                <a:lumOff val="0"/>
-                <a:alphaOff val="0"/>
-              </a:schemeClr>
-            </a:fontRef>
-          </p:style>
-        </p:sp>
-        <p:sp>
-          <p:nvSpPr>
-            <p:cNvPr id="15" name="Forme libre : forme 14">
-              <a:extLst>
-                <a:ext uri="{FF2B5EF4-FFF2-40B4-BE49-F238E27FC236}">
-                  <a16:creationId xmlns:a16="http://schemas.microsoft.com/office/drawing/2014/main" id="{03F86283-9D26-4333-88E2-BFE2832A0D23}"/>
-                </a:ext>
-              </a:extLst>
-            </p:cNvPr>
-            <p:cNvSpPr/>
-            <p:nvPr/>
-          </p:nvSpPr>
-          <p:spPr>
-            <a:xfrm>
-              <a:off x="9156249" y="2737859"/>
-              <a:ext cx="2114937" cy="897246"/>
-            </a:xfrm>
-            <a:custGeom>
-              <a:avLst/>
-              <a:gdLst>
-                <a:gd name="connsiteX0" fmla="*/ 0 w 2114937"/>
-                <a:gd name="connsiteY0" fmla="*/ 0 h 897246"/>
-                <a:gd name="connsiteX1" fmla="*/ 2114937 w 2114937"/>
-                <a:gd name="connsiteY1" fmla="*/ 0 h 897246"/>
-                <a:gd name="connsiteX2" fmla="*/ 2114937 w 2114937"/>
-                <a:gd name="connsiteY2" fmla="*/ 897246 h 897246"/>
-                <a:gd name="connsiteX3" fmla="*/ 0 w 2114937"/>
-                <a:gd name="connsiteY3" fmla="*/ 897246 h 897246"/>
-                <a:gd name="connsiteX4" fmla="*/ 0 w 2114937"/>
-                <a:gd name="connsiteY4" fmla="*/ 0 h 897246"/>
-              </a:gdLst>
-              <a:ahLst/>
-              <a:cxnLst>
-                <a:cxn ang="0">
-                  <a:pos x="connsiteX0" y="connsiteY0"/>
-                </a:cxn>
-                <a:cxn ang="0">
-                  <a:pos x="connsiteX1" y="connsiteY1"/>
-                </a:cxn>
-                <a:cxn ang="0">
-                  <a:pos x="connsiteX2" y="connsiteY2"/>
-                </a:cxn>
-                <a:cxn ang="0">
-                  <a:pos x="connsiteX3" y="connsiteY3"/>
-                </a:cxn>
-                <a:cxn ang="0">
-                  <a:pos x="connsiteX4" y="connsiteY4"/>
-                </a:cxn>
-              </a:cxnLst>
-              <a:rect l="l" t="t" r="r" b="b"/>
-              <a:pathLst>
-                <a:path w="2114937" h="897246">
-                  <a:moveTo>
-                    <a:pt x="0" y="0"/>
-                  </a:moveTo>
-                  <a:lnTo>
-                    <a:pt x="2114937" y="0"/>
-                  </a:lnTo>
-                  <a:lnTo>
-                    <a:pt x="2114937" y="897246"/>
-                  </a:lnTo>
-                  <a:lnTo>
-                    <a:pt x="0" y="897246"/>
-                  </a:lnTo>
-                  <a:lnTo>
-                    <a:pt x="0" y="0"/>
-                  </a:lnTo>
-                  <a:close/>
-                </a:path>
-              </a:pathLst>
-            </a:custGeom>
-          </p:spPr>
-          <p:style>
-            <a:lnRef idx="0">
-              <a:schemeClr val="dk1">
-                <a:alpha val="0"/>
-                <a:hueOff val="0"/>
-                <a:satOff val="0"/>
-                <a:lumOff val="0"/>
-                <a:alphaOff val="0"/>
-              </a:schemeClr>
-            </a:lnRef>
-            <a:fillRef idx="0">
-              <a:schemeClr val="lt1">
-                <a:alpha val="0"/>
-                <a:hueOff val="0"/>
-                <a:satOff val="0"/>
-                <a:lumOff val="0"/>
-                <a:alphaOff val="0"/>
-              </a:schemeClr>
-            </a:fillRef>
-            <a:effectRef idx="0">
-              <a:schemeClr val="lt1">
-                <a:alpha val="0"/>
-                <a:hueOff val="0"/>
-                <a:satOff val="0"/>
-                <a:lumOff val="0"/>
-                <a:alphaOff val="0"/>
-              </a:schemeClr>
-            </a:effectRef>
-            <a:fontRef idx="minor">
-              <a:schemeClr val="tx1">
-                <a:hueOff val="0"/>
-                <a:satOff val="0"/>
-                <a:lumOff val="0"/>
-                <a:alphaOff val="0"/>
-              </a:schemeClr>
-            </a:fontRef>
-          </p:style>
-          <p:txBody>
-            <a:bodyPr spcFirstLastPara="0" vert="horz" wrap="square" lIns="0" tIns="0" rIns="0" bIns="0" numCol="1" spcCol="1270" anchor="ctr" anchorCtr="0">
-              <a:noAutofit/>
-            </a:bodyPr>
-            <a:lstStyle/>
-            <a:p>
-              <a:pPr marL="0" lvl="0" indent="0" algn="l" defTabSz="1066800">
-                <a:lnSpc>
-                  <a:spcPct val="100000"/>
-                </a:lnSpc>
-                <a:spcBef>
-                  <a:spcPct val="0"/>
-                </a:spcBef>
-                <a:spcAft>
-                  <a:spcPct val="35000"/>
-                </a:spcAft>
-                <a:buNone/>
-              </a:pPr>
-              <a:r>
-                <a:rPr lang="fr-FR" sz="2400" kern="1200" dirty="0"/>
-                <a:t>Outil d’aide</a:t>
-              </a:r>
-            </a:p>
-          </p:txBody>
-        </p:sp>
-        <p:sp>
-          <p:nvSpPr>
-            <p:cNvPr id="16" name="Ellipse 15">
-              <a:extLst>
-                <a:ext uri="{FF2B5EF4-FFF2-40B4-BE49-F238E27FC236}">
-                  <a16:creationId xmlns:a16="http://schemas.microsoft.com/office/drawing/2014/main" id="{2D1A3A6D-7C58-4C48-9362-2FDF21E35E1B}"/>
-                </a:ext>
-              </a:extLst>
-            </p:cNvPr>
-            <p:cNvSpPr/>
-            <p:nvPr/>
-          </p:nvSpPr>
-          <p:spPr>
-            <a:xfrm>
-              <a:off x="920813" y="4375038"/>
-              <a:ext cx="897246" cy="897246"/>
-            </a:xfrm>
-            <a:prstGeom prst="ellipse">
-              <a:avLst/>
-            </a:prstGeom>
-          </p:spPr>
-          <p:style>
-            <a:lnRef idx="0">
-              <a:schemeClr val="lt1">
-                <a:alpha val="0"/>
-                <a:hueOff val="0"/>
-                <a:satOff val="0"/>
-                <a:lumOff val="0"/>
-                <a:alphaOff val="0"/>
-              </a:schemeClr>
-            </a:lnRef>
-            <a:fillRef idx="1">
-              <a:schemeClr val="accent4">
-                <a:hueOff val="0"/>
-                <a:satOff val="0"/>
-                <a:lumOff val="0"/>
-                <a:alphaOff val="0"/>
-              </a:schemeClr>
-            </a:fillRef>
-            <a:effectRef idx="2">
-              <a:schemeClr val="accent4">
-                <a:hueOff val="0"/>
-                <a:satOff val="0"/>
-                <a:lumOff val="0"/>
-                <a:alphaOff val="0"/>
-              </a:schemeClr>
-            </a:effectRef>
-            <a:fontRef idx="minor"/>
-          </p:style>
-        </p:sp>
-        <p:sp>
-          <p:nvSpPr>
-            <p:cNvPr id="17" name="Rectangle 16">
-              <a:extLst>
-                <a:ext uri="{FF2B5EF4-FFF2-40B4-BE49-F238E27FC236}">
-                  <a16:creationId xmlns:a16="http://schemas.microsoft.com/office/drawing/2014/main" id="{7DFED9F3-B753-4483-ABDC-81767B243AB8}"/>
-                </a:ext>
-              </a:extLst>
-            </p:cNvPr>
-            <p:cNvSpPr/>
-            <p:nvPr/>
-          </p:nvSpPr>
-          <p:spPr>
-            <a:xfrm>
-              <a:off x="1109234" y="4563459"/>
-              <a:ext cx="520402" cy="520402"/>
-            </a:xfrm>
-            <a:prstGeom prst="rect">
-              <a:avLst/>
-            </a:prstGeom>
-          </p:spPr>
-          <p:style>
-            <a:lnRef idx="0">
-              <a:schemeClr val="lt1">
-                <a:alpha val="0"/>
-                <a:hueOff val="0"/>
-                <a:satOff val="0"/>
-                <a:lumOff val="0"/>
-                <a:alphaOff val="0"/>
-              </a:schemeClr>
-            </a:lnRef>
-            <a:fillRef idx="3">
-              <a:schemeClr val="bg1">
-                <a:hueOff val="0"/>
-                <a:satOff val="0"/>
-                <a:lumOff val="0"/>
-                <a:alphaOff val="0"/>
-              </a:schemeClr>
-            </a:fillRef>
-            <a:effectRef idx="2">
-              <a:schemeClr val="bg1">
-                <a:hueOff val="0"/>
-                <a:satOff val="0"/>
-                <a:lumOff val="0"/>
-                <a:alphaOff val="0"/>
-              </a:schemeClr>
-            </a:effectRef>
-            <a:fontRef idx="minor">
-              <a:schemeClr val="dk1">
-                <a:hueOff val="0"/>
-                <a:satOff val="0"/>
-                <a:lumOff val="0"/>
-                <a:alphaOff val="0"/>
-              </a:schemeClr>
-            </a:fontRef>
-          </p:style>
-        </p:sp>
-        <p:sp>
-          <p:nvSpPr>
-            <p:cNvPr id="18" name="Forme libre : forme 17">
-              <a:extLst>
-                <a:ext uri="{FF2B5EF4-FFF2-40B4-BE49-F238E27FC236}">
-                  <a16:creationId xmlns:a16="http://schemas.microsoft.com/office/drawing/2014/main" id="{7FFB11DE-9C86-4D47-A94E-FC6A9180DBDE}"/>
-                </a:ext>
-              </a:extLst>
-            </p:cNvPr>
-            <p:cNvSpPr/>
-            <p:nvPr/>
-          </p:nvSpPr>
-          <p:spPr>
-            <a:xfrm>
-              <a:off x="2010326" y="4375038"/>
-              <a:ext cx="2114937" cy="897246"/>
-            </a:xfrm>
-            <a:custGeom>
-              <a:avLst/>
-              <a:gdLst>
-                <a:gd name="connsiteX0" fmla="*/ 0 w 2114937"/>
-                <a:gd name="connsiteY0" fmla="*/ 0 h 897246"/>
-                <a:gd name="connsiteX1" fmla="*/ 2114937 w 2114937"/>
-                <a:gd name="connsiteY1" fmla="*/ 0 h 897246"/>
-                <a:gd name="connsiteX2" fmla="*/ 2114937 w 2114937"/>
-                <a:gd name="connsiteY2" fmla="*/ 897246 h 897246"/>
-                <a:gd name="connsiteX3" fmla="*/ 0 w 2114937"/>
-                <a:gd name="connsiteY3" fmla="*/ 897246 h 897246"/>
-                <a:gd name="connsiteX4" fmla="*/ 0 w 2114937"/>
-                <a:gd name="connsiteY4" fmla="*/ 0 h 897246"/>
-              </a:gdLst>
-              <a:ahLst/>
-              <a:cxnLst>
-                <a:cxn ang="0">
-                  <a:pos x="connsiteX0" y="connsiteY0"/>
-                </a:cxn>
-                <a:cxn ang="0">
-                  <a:pos x="connsiteX1" y="connsiteY1"/>
-                </a:cxn>
-                <a:cxn ang="0">
-                  <a:pos x="connsiteX2" y="connsiteY2"/>
-                </a:cxn>
-                <a:cxn ang="0">
-                  <a:pos x="connsiteX3" y="connsiteY3"/>
-                </a:cxn>
-                <a:cxn ang="0">
-                  <a:pos x="connsiteX4" y="connsiteY4"/>
-                </a:cxn>
-              </a:cxnLst>
-              <a:rect l="l" t="t" r="r" b="b"/>
-              <a:pathLst>
-                <a:path w="2114937" h="897246">
-                  <a:moveTo>
-                    <a:pt x="0" y="0"/>
-                  </a:moveTo>
-                  <a:lnTo>
-                    <a:pt x="2114937" y="0"/>
-                  </a:lnTo>
-                  <a:lnTo>
-                    <a:pt x="2114937" y="897246"/>
-                  </a:lnTo>
-                  <a:lnTo>
-                    <a:pt x="0" y="897246"/>
-                  </a:lnTo>
-                  <a:lnTo>
-                    <a:pt x="0" y="0"/>
-                  </a:lnTo>
-                  <a:close/>
-                </a:path>
-              </a:pathLst>
-            </a:custGeom>
-          </p:spPr>
-          <p:style>
-            <a:lnRef idx="0">
-              <a:schemeClr val="dk1">
-                <a:alpha val="0"/>
-                <a:hueOff val="0"/>
-                <a:satOff val="0"/>
-                <a:lumOff val="0"/>
-                <a:alphaOff val="0"/>
-              </a:schemeClr>
-            </a:lnRef>
-            <a:fillRef idx="0">
-              <a:schemeClr val="lt1">
-                <a:alpha val="0"/>
-                <a:hueOff val="0"/>
-                <a:satOff val="0"/>
-                <a:lumOff val="0"/>
-                <a:alphaOff val="0"/>
-              </a:schemeClr>
-            </a:fillRef>
-            <a:effectRef idx="0">
-              <a:schemeClr val="lt1">
-                <a:alpha val="0"/>
-                <a:hueOff val="0"/>
-                <a:satOff val="0"/>
-                <a:lumOff val="0"/>
-                <a:alphaOff val="0"/>
-              </a:schemeClr>
-            </a:effectRef>
-            <a:fontRef idx="minor">
-              <a:schemeClr val="tx1">
-                <a:hueOff val="0"/>
-                <a:satOff val="0"/>
-                <a:lumOff val="0"/>
-                <a:alphaOff val="0"/>
-              </a:schemeClr>
-            </a:fontRef>
-          </p:style>
-          <p:txBody>
-            <a:bodyPr spcFirstLastPara="0" vert="horz" wrap="square" lIns="0" tIns="0" rIns="0" bIns="0" numCol="1" spcCol="1270" anchor="ctr" anchorCtr="0">
-              <a:noAutofit/>
-            </a:bodyPr>
-            <a:lstStyle/>
-            <a:p>
-              <a:pPr marL="0" lvl="0" indent="0" algn="l" defTabSz="1066800">
-                <a:lnSpc>
-                  <a:spcPct val="100000"/>
-                </a:lnSpc>
-                <a:spcBef>
-                  <a:spcPct val="0"/>
-                </a:spcBef>
-                <a:spcAft>
-                  <a:spcPct val="35000"/>
-                </a:spcAft>
-                <a:buNone/>
-              </a:pPr>
-              <a:r>
-                <a:rPr lang="fr-FR" sz="2400" dirty="0"/>
-                <a:t>Accessible</a:t>
-              </a:r>
-              <a:endParaRPr lang="fr-FR" sz="2400" kern="1200" dirty="0"/>
-            </a:p>
-          </p:txBody>
-        </p:sp>
-        <p:sp>
-          <p:nvSpPr>
-            <p:cNvPr id="19" name="Ellipse 18">
-              <a:extLst>
-                <a:ext uri="{FF2B5EF4-FFF2-40B4-BE49-F238E27FC236}">
-                  <a16:creationId xmlns:a16="http://schemas.microsoft.com/office/drawing/2014/main" id="{D23D3988-0212-4208-B1EA-3259BF227A67}"/>
-                </a:ext>
-              </a:extLst>
-            </p:cNvPr>
-            <p:cNvSpPr/>
-            <p:nvPr/>
-          </p:nvSpPr>
-          <p:spPr>
-            <a:xfrm>
-              <a:off x="4493775" y="4375038"/>
-              <a:ext cx="897246" cy="897246"/>
-            </a:xfrm>
-            <a:prstGeom prst="ellipse">
-              <a:avLst/>
-            </a:prstGeom>
-          </p:spPr>
-          <p:style>
-            <a:lnRef idx="0">
-              <a:schemeClr val="lt1">
-                <a:alpha val="0"/>
-                <a:hueOff val="0"/>
-                <a:satOff val="0"/>
-                <a:lumOff val="0"/>
-                <a:alphaOff val="0"/>
-              </a:schemeClr>
-            </a:lnRef>
-            <a:fillRef idx="1">
-              <a:schemeClr val="accent4">
-                <a:hueOff val="0"/>
-                <a:satOff val="0"/>
-                <a:lumOff val="0"/>
-                <a:alphaOff val="0"/>
-              </a:schemeClr>
-            </a:fillRef>
-            <a:effectRef idx="2">
-              <a:schemeClr val="accent4">
-                <a:hueOff val="0"/>
-                <a:satOff val="0"/>
-                <a:lumOff val="0"/>
-                <a:alphaOff val="0"/>
-              </a:schemeClr>
-            </a:effectRef>
-            <a:fontRef idx="minor"/>
-          </p:style>
-          <p:txBody>
-            <a:bodyPr/>
-            <a:lstStyle/>
-            <a:p>
-              <a:endParaRPr lang="fr-FR" dirty="0"/>
-            </a:p>
-          </p:txBody>
-        </p:sp>
-        <p:sp>
-          <p:nvSpPr>
-            <p:cNvPr id="20" name="Rectangle 19">
-              <a:extLst>
-                <a:ext uri="{FF2B5EF4-FFF2-40B4-BE49-F238E27FC236}">
-                  <a16:creationId xmlns:a16="http://schemas.microsoft.com/office/drawing/2014/main" id="{CC045B25-5D89-4DC0-A8D9-559626B95479}"/>
-                </a:ext>
-              </a:extLst>
-            </p:cNvPr>
-            <p:cNvSpPr/>
-            <p:nvPr/>
-          </p:nvSpPr>
-          <p:spPr>
-            <a:xfrm>
-              <a:off x="4682196" y="4563459"/>
-              <a:ext cx="520402" cy="520402"/>
-            </a:xfrm>
-            <a:prstGeom prst="rect">
-              <a:avLst/>
-            </a:prstGeom>
-          </p:spPr>
-          <p:style>
-            <a:lnRef idx="0">
-              <a:schemeClr val="lt1">
-                <a:alpha val="0"/>
-                <a:hueOff val="0"/>
-                <a:satOff val="0"/>
-                <a:lumOff val="0"/>
-                <a:alphaOff val="0"/>
-              </a:schemeClr>
-            </a:lnRef>
-            <a:fillRef idx="3">
-              <a:schemeClr val="bg1">
-                <a:hueOff val="0"/>
-                <a:satOff val="0"/>
-                <a:lumOff val="0"/>
-                <a:alphaOff val="0"/>
-              </a:schemeClr>
-            </a:fillRef>
-            <a:effectRef idx="2">
-              <a:schemeClr val="bg1">
-                <a:hueOff val="0"/>
-                <a:satOff val="0"/>
-                <a:lumOff val="0"/>
-                <a:alphaOff val="0"/>
-              </a:schemeClr>
-            </a:effectRef>
-            <a:fontRef idx="minor">
-              <a:schemeClr val="dk1">
-                <a:hueOff val="0"/>
-                <a:satOff val="0"/>
-                <a:lumOff val="0"/>
-                <a:alphaOff val="0"/>
-              </a:schemeClr>
-            </a:fontRef>
-          </p:style>
-        </p:sp>
-        <p:sp>
-          <p:nvSpPr>
-            <p:cNvPr id="21" name="Forme libre : forme 20">
-              <a:extLst>
-                <a:ext uri="{FF2B5EF4-FFF2-40B4-BE49-F238E27FC236}">
-                  <a16:creationId xmlns:a16="http://schemas.microsoft.com/office/drawing/2014/main" id="{0D711886-4770-49BD-BA8D-1E43DBA70674}"/>
-                </a:ext>
-              </a:extLst>
-            </p:cNvPr>
-            <p:cNvSpPr/>
-            <p:nvPr/>
-          </p:nvSpPr>
-          <p:spPr>
-            <a:xfrm>
-              <a:off x="5583288" y="4375038"/>
-              <a:ext cx="2114937" cy="897246"/>
-            </a:xfrm>
-            <a:custGeom>
-              <a:avLst/>
-              <a:gdLst>
-                <a:gd name="connsiteX0" fmla="*/ 0 w 2114937"/>
-                <a:gd name="connsiteY0" fmla="*/ 0 h 897246"/>
-                <a:gd name="connsiteX1" fmla="*/ 2114937 w 2114937"/>
-                <a:gd name="connsiteY1" fmla="*/ 0 h 897246"/>
-                <a:gd name="connsiteX2" fmla="*/ 2114937 w 2114937"/>
-                <a:gd name="connsiteY2" fmla="*/ 897246 h 897246"/>
-                <a:gd name="connsiteX3" fmla="*/ 0 w 2114937"/>
-                <a:gd name="connsiteY3" fmla="*/ 897246 h 897246"/>
-                <a:gd name="connsiteX4" fmla="*/ 0 w 2114937"/>
-                <a:gd name="connsiteY4" fmla="*/ 0 h 897246"/>
-              </a:gdLst>
-              <a:ahLst/>
-              <a:cxnLst>
-                <a:cxn ang="0">
-                  <a:pos x="connsiteX0" y="connsiteY0"/>
-                </a:cxn>
-                <a:cxn ang="0">
-                  <a:pos x="connsiteX1" y="connsiteY1"/>
-                </a:cxn>
-                <a:cxn ang="0">
-                  <a:pos x="connsiteX2" y="connsiteY2"/>
-                </a:cxn>
-                <a:cxn ang="0">
-                  <a:pos x="connsiteX3" y="connsiteY3"/>
-                </a:cxn>
-                <a:cxn ang="0">
-                  <a:pos x="connsiteX4" y="connsiteY4"/>
-                </a:cxn>
-              </a:cxnLst>
-              <a:rect l="l" t="t" r="r" b="b"/>
-              <a:pathLst>
-                <a:path w="2114937" h="897246">
-                  <a:moveTo>
-                    <a:pt x="0" y="0"/>
-                  </a:moveTo>
-                  <a:lnTo>
-                    <a:pt x="2114937" y="0"/>
-                  </a:lnTo>
-                  <a:lnTo>
-                    <a:pt x="2114937" y="897246"/>
-                  </a:lnTo>
-                  <a:lnTo>
-                    <a:pt x="0" y="897246"/>
-                  </a:lnTo>
-                  <a:lnTo>
-                    <a:pt x="0" y="0"/>
-                  </a:lnTo>
-                  <a:close/>
-                </a:path>
-              </a:pathLst>
-            </a:custGeom>
-          </p:spPr>
-          <p:style>
-            <a:lnRef idx="0">
-              <a:schemeClr val="dk1">
-                <a:alpha val="0"/>
-                <a:hueOff val="0"/>
-                <a:satOff val="0"/>
-                <a:lumOff val="0"/>
-                <a:alphaOff val="0"/>
-              </a:schemeClr>
-            </a:lnRef>
-            <a:fillRef idx="0">
-              <a:schemeClr val="lt1">
-                <a:alpha val="0"/>
-                <a:hueOff val="0"/>
-                <a:satOff val="0"/>
-                <a:lumOff val="0"/>
-                <a:alphaOff val="0"/>
-              </a:schemeClr>
-            </a:fillRef>
-            <a:effectRef idx="0">
-              <a:schemeClr val="lt1">
-                <a:alpha val="0"/>
-                <a:hueOff val="0"/>
-                <a:satOff val="0"/>
-                <a:lumOff val="0"/>
-                <a:alphaOff val="0"/>
-              </a:schemeClr>
-            </a:effectRef>
-            <a:fontRef idx="minor">
-              <a:schemeClr val="tx1">
-                <a:hueOff val="0"/>
-                <a:satOff val="0"/>
-                <a:lumOff val="0"/>
-                <a:alphaOff val="0"/>
-              </a:schemeClr>
-            </a:fontRef>
-          </p:style>
-          <p:txBody>
-            <a:bodyPr spcFirstLastPara="0" vert="horz" wrap="square" lIns="0" tIns="0" rIns="0" bIns="0" numCol="1" spcCol="1270" anchor="ctr" anchorCtr="0">
-              <a:noAutofit/>
-            </a:bodyPr>
-            <a:lstStyle/>
-            <a:p>
-              <a:pPr marL="0" lvl="0" indent="0" algn="l" defTabSz="1066800">
-                <a:lnSpc>
-                  <a:spcPct val="100000"/>
-                </a:lnSpc>
-                <a:spcBef>
-                  <a:spcPct val="0"/>
-                </a:spcBef>
-                <a:spcAft>
-                  <a:spcPct val="35000"/>
-                </a:spcAft>
-                <a:buNone/>
-              </a:pPr>
-              <a:r>
-                <a:rPr lang="fr-FR" sz="2400" kern="1200" dirty="0"/>
-                <a:t>Sobre</a:t>
-              </a:r>
-            </a:p>
-          </p:txBody>
-        </p:sp>
-      </p:grpSp>
+          <p:cNvGraphicFramePr>
+            <a:graphicFrameLocks noGrp="1"/>
+          </p:cNvGraphicFramePr>
+          <p:nvPr>
+            <p:ph idx="1"/>
+            <p:extLst>
+              <p:ext uri="{D42A27DB-BD31-4B8C-83A1-F6EECF244321}">
+                <p14:modId xmlns:p14="http://schemas.microsoft.com/office/powerpoint/2010/main" val="400827359"/>
+              </p:ext>
+            </p:extLst>
+          </p:nvPr>
+        </p:nvGraphicFramePr>
+        <p:xfrm>
+          <a:off x="838200" y="1825625"/>
+          <a:ext cx="10515600" cy="4351338"/>
+        </p:xfrm>
+        <a:graphic>
+          <a:graphicData uri="http://schemas.openxmlformats.org/drawingml/2006/diagram">
+            <dgm:relIds xmlns:dgm="http://schemas.openxmlformats.org/drawingml/2006/diagram" xmlns:r="http://schemas.openxmlformats.org/officeDocument/2006/relationships" r:dm="rId2" r:lo="rId3" r:qs="rId4" r:cs="rId5"/>
+          </a:graphicData>
+        </a:graphic>
+      </p:graphicFrame>
     </p:spTree>
     <p:extLst>
       <p:ext uri="{BB962C8B-B14F-4D97-AF65-F5344CB8AC3E}">
-        <p14:creationId xmlns:p14="http://schemas.microsoft.com/office/powerpoint/2010/main" val="3000210373"/>
+        <p14:creationId xmlns:p14="http://schemas.microsoft.com/office/powerpoint/2010/main" val="1957395506"/>
       </p:ext>
     </p:extLst>
   </p:cSld>

--- a/Presentation_03_06_2020.pptx
+++ b/Presentation_03_06_2020.pptx
@@ -1170,10 +1170,10 @@
         <a:lstStyle/>
         <a:p>
           <a:r>
-            <a:rPr lang="fr-FR"/>
+            <a:rPr lang="fr-FR" dirty="0"/>
             <a:t>Accessible</a:t>
           </a:r>
-          <a:endParaRPr lang="en-US"/>
+          <a:endParaRPr lang="en-US" dirty="0"/>
         </a:p>
       </dgm:t>
     </dgm:pt>
@@ -1207,10 +1207,10 @@
         <a:lstStyle/>
         <a:p>
           <a:r>
-            <a:rPr lang="fr-FR"/>
+            <a:rPr lang="fr-FR" dirty="0"/>
             <a:t>Sobre</a:t>
           </a:r>
-          <a:endParaRPr lang="en-US"/>
+          <a:endParaRPr lang="en-US" dirty="0"/>
         </a:p>
       </dgm:t>
     </dgm:pt>
@@ -1418,11 +1418,11 @@
       <dgm:spPr/>
     </dgm:pt>
     <dgm:pt modelId="{05E76196-C469-4380-9D7D-37EB8CC00BB8}" type="pres">
-      <dgm:prSet presAssocID="{A193BB00-CA6A-44F0-B3CA-E0767A09776D}" presName="iconBgRect" presStyleLbl="bgShp" presStyleIdx="3" presStyleCnt="5"/>
+      <dgm:prSet presAssocID="{A193BB00-CA6A-44F0-B3CA-E0767A09776D}" presName="iconBgRect" presStyleLbl="bgShp" presStyleIdx="3" presStyleCnt="5" custLinFactX="97204" custLinFactNeighborX="100000"/>
       <dgm:spPr/>
     </dgm:pt>
     <dgm:pt modelId="{737A906D-A760-48AA-8C74-75ACD62F8E30}" type="pres">
-      <dgm:prSet presAssocID="{A193BB00-CA6A-44F0-B3CA-E0767A09776D}" presName="iconRect" presStyleLbl="node1" presStyleIdx="3" presStyleCnt="5"/>
+      <dgm:prSet presAssocID="{A193BB00-CA6A-44F0-B3CA-E0767A09776D}" presName="iconRect" presStyleLbl="node1" presStyleIdx="3" presStyleCnt="5" custLinFactX="140049" custLinFactNeighborX="200000"/>
       <dgm:spPr>
         <a:blipFill>
           <a:blip xmlns:r="http://schemas.openxmlformats.org/officeDocument/2006/relationships" r:embed="rId7">
@@ -1454,7 +1454,7 @@
       <dgm:spPr/>
     </dgm:pt>
     <dgm:pt modelId="{5CA19AC0-B8E8-41F8-A10A-3DAF2C3ACDDC}" type="pres">
-      <dgm:prSet presAssocID="{A193BB00-CA6A-44F0-B3CA-E0767A09776D}" presName="textRect" presStyleLbl="revTx" presStyleIdx="3" presStyleCnt="5">
+      <dgm:prSet presAssocID="{A193BB00-CA6A-44F0-B3CA-E0767A09776D}" presName="textRect" presStyleLbl="revTx" presStyleIdx="3" presStyleCnt="5" custLinFactNeighborX="83651">
         <dgm:presLayoutVars>
           <dgm:chMax val="1"/>
           <dgm:chPref val="1"/>
@@ -1471,11 +1471,11 @@
       <dgm:spPr/>
     </dgm:pt>
     <dgm:pt modelId="{2FCF2518-5A89-428D-B395-29900094400F}" type="pres">
-      <dgm:prSet presAssocID="{F6DC559D-359C-4F66-BCC9-51D3E78974B9}" presName="iconBgRect" presStyleLbl="bgShp" presStyleIdx="4" presStyleCnt="5"/>
+      <dgm:prSet presAssocID="{F6DC559D-359C-4F66-BCC9-51D3E78974B9}" presName="iconBgRect" presStyleLbl="bgShp" presStyleIdx="4" presStyleCnt="5" custLinFactX="100000" custLinFactNeighborX="110433"/>
       <dgm:spPr/>
     </dgm:pt>
     <dgm:pt modelId="{88B0DC60-E0DA-4DB0-924C-3B6A4A966CAE}" type="pres">
-      <dgm:prSet presAssocID="{F6DC559D-359C-4F66-BCC9-51D3E78974B9}" presName="iconRect" presStyleLbl="node1" presStyleIdx="4" presStyleCnt="5"/>
+      <dgm:prSet presAssocID="{F6DC559D-359C-4F66-BCC9-51D3E78974B9}" presName="iconRect" presStyleLbl="node1" presStyleIdx="4" presStyleCnt="5" custLinFactX="164437" custLinFactNeighborX="200000"/>
       <dgm:spPr>
         <a:blipFill>
           <a:blip xmlns:r="http://schemas.openxmlformats.org/officeDocument/2006/relationships" r:embed="rId9">
@@ -1508,7 +1508,7 @@
       <dgm:spPr/>
     </dgm:pt>
     <dgm:pt modelId="{0261555F-44F7-49EE-9D4B-C8314EEB1ABB}" type="pres">
-      <dgm:prSet presAssocID="{F6DC559D-359C-4F66-BCC9-51D3E78974B9}" presName="textRect" presStyleLbl="revTx" presStyleIdx="4" presStyleCnt="5">
+      <dgm:prSet presAssocID="{F6DC559D-359C-4F66-BCC9-51D3E78974B9}" presName="textRect" presStyleLbl="revTx" presStyleIdx="4" presStyleCnt="5" custLinFactNeighborX="88872" custLinFactNeighborY="-944">
         <dgm:presLayoutVars>
           <dgm:chMax val="1"/>
           <dgm:chPref val="1"/>
@@ -2039,7 +2039,7 @@
       </dsp:nvSpPr>
       <dsp:spPr>
         <a:xfrm>
-          <a:off x="82613" y="2545532"/>
+          <a:off x="1852018" y="2545532"/>
           <a:ext cx="897246" cy="897246"/>
         </a:xfrm>
         <a:prstGeom prst="ellipse">
@@ -2078,7 +2078,7 @@
       </dsp:nvSpPr>
       <dsp:spPr>
         <a:xfrm>
-          <a:off x="271034" y="2733954"/>
+          <a:off x="2040659" y="2733954"/>
           <a:ext cx="520402" cy="520402"/>
         </a:xfrm>
         <a:prstGeom prst="rect">
@@ -2128,7 +2128,7 @@
       </dsp:nvSpPr>
       <dsp:spPr>
         <a:xfrm>
-          <a:off x="1172126" y="2545532"/>
+          <a:off x="2941292" y="2545532"/>
           <a:ext cx="2114937" cy="897246"/>
         </a:xfrm>
         <a:prstGeom prst="rect">
@@ -2171,14 +2171,14 @@
             <a:buNone/>
           </a:pPr>
           <a:r>
-            <a:rPr lang="fr-FR" sz="2400" kern="1200"/>
+            <a:rPr lang="fr-FR" sz="2400" kern="1200" dirty="0"/>
             <a:t>Accessible</a:t>
           </a:r>
-          <a:endParaRPr lang="en-US" sz="2400" kern="1200"/>
+          <a:endParaRPr lang="en-US" sz="2400" kern="1200" dirty="0"/>
         </a:p>
       </dsp:txBody>
       <dsp:txXfrm>
-        <a:off x="1172126" y="2545532"/>
+        <a:off x="2941292" y="2545532"/>
         <a:ext cx="2114937" cy="897246"/>
       </dsp:txXfrm>
     </dsp:sp>
@@ -2189,7 +2189,7 @@
       </dsp:nvSpPr>
       <dsp:spPr>
         <a:xfrm>
-          <a:off x="3655575" y="2545532"/>
+          <a:off x="5543676" y="2545532"/>
           <a:ext cx="897246" cy="897246"/>
         </a:xfrm>
         <a:prstGeom prst="ellipse">
@@ -2228,7 +2228,7 @@
       </dsp:nvSpPr>
       <dsp:spPr>
         <a:xfrm>
-          <a:off x="3843996" y="2733954"/>
+          <a:off x="5740536" y="2733954"/>
           <a:ext cx="520402" cy="520402"/>
         </a:xfrm>
         <a:prstGeom prst="rect">
@@ -2279,7 +2279,7 @@
       </dsp:nvSpPr>
       <dsp:spPr>
         <a:xfrm>
-          <a:off x="4745088" y="2545532"/>
+          <a:off x="6624674" y="2537062"/>
           <a:ext cx="2114937" cy="897246"/>
         </a:xfrm>
         <a:prstGeom prst="rect">
@@ -2322,14 +2322,14 @@
             <a:buNone/>
           </a:pPr>
           <a:r>
-            <a:rPr lang="fr-FR" sz="2400" kern="1200"/>
+            <a:rPr lang="fr-FR" sz="2400" kern="1200" dirty="0"/>
             <a:t>Sobre</a:t>
           </a:r>
-          <a:endParaRPr lang="en-US" sz="2400" kern="1200"/>
+          <a:endParaRPr lang="en-US" sz="2400" kern="1200" dirty="0"/>
         </a:p>
       </dsp:txBody>
       <dsp:txXfrm>
-        <a:off x="4745088" y="2545532"/>
+        <a:off x="6624674" y="2537062"/>
         <a:ext cx="2114937" cy="897246"/>
       </dsp:txXfrm>
     </dsp:sp>
@@ -8602,13 +8602,13 @@
             <p:ph idx="1"/>
             <p:extLst>
               <p:ext uri="{D42A27DB-BD31-4B8C-83A1-F6EECF244321}">
-                <p14:modId xmlns:p14="http://schemas.microsoft.com/office/powerpoint/2010/main" val="400827359"/>
+                <p14:modId xmlns:p14="http://schemas.microsoft.com/office/powerpoint/2010/main" val="4064966464"/>
               </p:ext>
             </p:extLst>
           </p:nvPr>
         </p:nvGraphicFramePr>
         <p:xfrm>
-          <a:off x="838200" y="1825625"/>
+          <a:off x="1092198" y="1825625"/>
           <a:ext cx="10515600" cy="4351338"/>
         </p:xfrm>
         <a:graphic>

--- a/Presentation_03_06_2020.pptx
+++ b/Presentation_03_06_2020.pptx
@@ -7609,7 +7609,7 @@
             <a:pPr algn="ctr"/>
             <a:r>
               <a:rPr lang="fr-FR" dirty="0"/>
-              <a:t>Logo</a:t>
+              <a:t>Logotype</a:t>
             </a:r>
           </a:p>
         </p:txBody>
@@ -8071,7 +8071,7 @@
         </p:blipFill>
         <p:spPr>
           <a:xfrm>
-            <a:off x="2754181" y="2309557"/>
+            <a:off x="2283180" y="2908190"/>
             <a:ext cx="1688297" cy="571559"/>
           </a:xfrm>
           <a:prstGeom prst="rect">
@@ -8186,7 +8186,7 @@
         </p:nvSpPr>
         <p:spPr bwMode="auto">
           <a:xfrm>
-            <a:off x="8394954" y="3171949"/>
+            <a:off x="8459002" y="3178124"/>
             <a:ext cx="1414463" cy="301625"/>
           </a:xfrm>
           <a:prstGeom prst="rect">
@@ -8277,7 +8277,7 @@
         </p:nvSpPr>
         <p:spPr bwMode="auto">
           <a:xfrm>
-            <a:off x="8999456" y="5191987"/>
+            <a:off x="8459002" y="5130231"/>
             <a:ext cx="1587501" cy="500063"/>
           </a:xfrm>
           <a:prstGeom prst="rect">
@@ -8409,7 +8409,7 @@
         <p:spPr bwMode="auto">
           <a:xfrm>
             <a:off x="7506045" y="5341377"/>
-            <a:ext cx="1527993" cy="0"/>
+            <a:ext cx="952957" cy="0"/>
           </a:xfrm>
           <a:prstGeom prst="straightConnector1">
             <a:avLst/>
@@ -8512,6 +8512,287 @@
           </a:extLst>
         </p:spPr>
       </p:cxnSp>
+      <p:cxnSp>
+        <p:nvCxnSpPr>
+          <p:cNvPr id="17" name="AutoShape 56">
+            <a:extLst>
+              <a:ext uri="{FF2B5EF4-FFF2-40B4-BE49-F238E27FC236}">
+                <a16:creationId xmlns:a16="http://schemas.microsoft.com/office/drawing/2014/main" id="{C93FD8E0-B09A-45AF-930C-3B0B8FF19CFF}"/>
+              </a:ext>
+            </a:extLst>
+          </p:cNvPr>
+          <p:cNvCxnSpPr>
+            <a:cxnSpLocks noChangeShapeType="1"/>
+          </p:cNvCxnSpPr>
+          <p:nvPr/>
+        </p:nvCxnSpPr>
+        <p:spPr bwMode="auto">
+          <a:xfrm>
+            <a:off x="7109708" y="2278038"/>
+            <a:ext cx="1349294" cy="0"/>
+          </a:xfrm>
+          <a:prstGeom prst="straightConnector1">
+            <a:avLst/>
+          </a:prstGeom>
+          <a:noFill/>
+          <a:ln w="9525">
+            <a:solidFill>
+              <a:srgbClr val="000000"/>
+            </a:solidFill>
+            <a:round/>
+            <a:headEnd/>
+            <a:tailEnd/>
+          </a:ln>
+          <a:extLst>
+            <a:ext uri="{909E8E84-426E-40DD-AFC4-6F175D3DCCD1}">
+              <a14:hiddenFill xmlns:a14="http://schemas.microsoft.com/office/drawing/2010/main">
+                <a:noFill/>
+              </a14:hiddenFill>
+            </a:ext>
+          </a:extLst>
+        </p:spPr>
+      </p:cxnSp>
+      <p:sp>
+        <p:nvSpPr>
+          <p:cNvPr id="18" name="Text Box 54">
+            <a:extLst>
+              <a:ext uri="{FF2B5EF4-FFF2-40B4-BE49-F238E27FC236}">
+                <a16:creationId xmlns:a16="http://schemas.microsoft.com/office/drawing/2014/main" id="{5ACF3D73-3B7F-4133-A7A8-B399E8D5CD11}"/>
+              </a:ext>
+            </a:extLst>
+          </p:cNvPr>
+          <p:cNvSpPr txBox="1">
+            <a:spLocks noChangeArrowheads="1"/>
+          </p:cNvSpPr>
+          <p:nvPr/>
+        </p:nvSpPr>
+        <p:spPr bwMode="auto">
+          <a:xfrm>
+            <a:off x="8459001" y="1991138"/>
+            <a:ext cx="1414463" cy="571558"/>
+          </a:xfrm>
+          <a:prstGeom prst="rect">
+            <a:avLst/>
+          </a:prstGeom>
+          <a:solidFill>
+            <a:srgbClr val="FFFFFF"/>
+          </a:solidFill>
+          <a:ln>
+            <a:noFill/>
+          </a:ln>
+          <a:extLst>
+            <a:ext uri="{91240B29-F687-4F45-9708-019B960494DF}">
+              <a14:hiddenLine xmlns:a14="http://schemas.microsoft.com/office/drawing/2010/main" w="9525">
+                <a:solidFill>
+                  <a:srgbClr val="000000"/>
+                </a:solidFill>
+                <a:miter lim="800000"/>
+                <a:headEnd/>
+                <a:tailEnd/>
+              </a14:hiddenLine>
+            </a:ext>
+          </a:extLst>
+        </p:spPr>
+        <p:txBody>
+          <a:bodyPr vert="horz" wrap="square" lIns="91440" tIns="45720" rIns="91440" bIns="45720" numCol="1" anchor="t" anchorCtr="0" compatLnSpc="1">
+            <a:prstTxWarp prst="textNoShape">
+              <a:avLst/>
+            </a:prstTxWarp>
+          </a:bodyPr>
+          <a:lstStyle/>
+          <a:p>
+            <a:pPr marL="0" marR="0" lvl="0" indent="0" algn="l" defTabSz="914400" rtl="0" eaLnBrk="0" fontAlgn="base" latinLnBrk="0" hangingPunct="0">
+              <a:lnSpc>
+                <a:spcPct val="100000"/>
+              </a:lnSpc>
+              <a:spcBef>
+                <a:spcPct val="0"/>
+              </a:spcBef>
+              <a:spcAft>
+                <a:spcPts val="800"/>
+              </a:spcAft>
+              <a:buClrTx/>
+              <a:buSzTx/>
+              <a:buFontTx/>
+              <a:buNone/>
+              <a:tabLst/>
+            </a:pPr>
+            <a:r>
+              <a:rPr kumimoji="0" lang="fr-FR" altLang="fr-FR" sz="1100" b="0" i="0" u="none" strike="noStrike" cap="none" normalizeH="0" baseline="0" dirty="0">
+                <a:ln>
+                  <a:noFill/>
+                </a:ln>
+                <a:solidFill>
+                  <a:schemeClr val="tx1"/>
+                </a:solidFill>
+                <a:effectLst/>
+                <a:latin typeface="Calibri" panose="020F0502020204030204" pitchFamily="34" charset="0"/>
+              </a:rPr>
+              <a:t>Cercle englobant la société dans le vert du biologique</a:t>
+            </a:r>
+          </a:p>
+          <a:p>
+            <a:pPr marL="0" marR="0" lvl="0" indent="0" algn="l" defTabSz="914400" rtl="0" eaLnBrk="0" fontAlgn="base" latinLnBrk="0" hangingPunct="0">
+              <a:lnSpc>
+                <a:spcPct val="100000"/>
+              </a:lnSpc>
+              <a:spcBef>
+                <a:spcPct val="0"/>
+              </a:spcBef>
+              <a:spcAft>
+                <a:spcPts val="800"/>
+              </a:spcAft>
+              <a:buClrTx/>
+              <a:buSzTx/>
+              <a:buFontTx/>
+              <a:buNone/>
+              <a:tabLst/>
+            </a:pPr>
+            <a:endParaRPr kumimoji="0" lang="fr-FR" altLang="fr-FR" sz="1800" b="0" i="0" u="none" strike="noStrike" cap="none" normalizeH="0" baseline="0" dirty="0">
+              <a:ln>
+                <a:noFill/>
+              </a:ln>
+              <a:solidFill>
+                <a:schemeClr val="tx1"/>
+              </a:solidFill>
+              <a:effectLst/>
+              <a:latin typeface="Arial" panose="020B0604020202020204" pitchFamily="34" charset="0"/>
+            </a:endParaRPr>
+          </a:p>
+        </p:txBody>
+      </p:sp>
+      <p:sp>
+        <p:nvSpPr>
+          <p:cNvPr id="19" name="Text Box 54">
+            <a:extLst>
+              <a:ext uri="{FF2B5EF4-FFF2-40B4-BE49-F238E27FC236}">
+                <a16:creationId xmlns:a16="http://schemas.microsoft.com/office/drawing/2014/main" id="{BE4431DB-37C1-4DEF-BED1-A8B5E3ABD7E7}"/>
+              </a:ext>
+            </a:extLst>
+          </p:cNvPr>
+          <p:cNvSpPr txBox="1">
+            <a:spLocks noChangeArrowheads="1"/>
+          </p:cNvSpPr>
+          <p:nvPr/>
+        </p:nvSpPr>
+        <p:spPr bwMode="auto">
+          <a:xfrm>
+            <a:off x="2737105" y="2293614"/>
+            <a:ext cx="1414463" cy="571558"/>
+          </a:xfrm>
+          <a:prstGeom prst="rect">
+            <a:avLst/>
+          </a:prstGeom>
+          <a:solidFill>
+            <a:srgbClr val="FFFFFF"/>
+          </a:solidFill>
+          <a:ln>
+            <a:noFill/>
+          </a:ln>
+          <a:extLst>
+            <a:ext uri="{91240B29-F687-4F45-9708-019B960494DF}">
+              <a14:hiddenLine xmlns:a14="http://schemas.microsoft.com/office/drawing/2010/main" w="9525">
+                <a:solidFill>
+                  <a:srgbClr val="000000"/>
+                </a:solidFill>
+                <a:miter lim="800000"/>
+                <a:headEnd/>
+                <a:tailEnd/>
+              </a14:hiddenLine>
+            </a:ext>
+          </a:extLst>
+        </p:spPr>
+        <p:txBody>
+          <a:bodyPr vert="horz" wrap="square" lIns="91440" tIns="45720" rIns="91440" bIns="45720" numCol="1" anchor="t" anchorCtr="0" compatLnSpc="1">
+            <a:prstTxWarp prst="textNoShape">
+              <a:avLst/>
+            </a:prstTxWarp>
+          </a:bodyPr>
+          <a:lstStyle/>
+          <a:p>
+            <a:pPr marL="0" marR="0" lvl="0" indent="0" algn="l" defTabSz="914400" rtl="0" eaLnBrk="0" fontAlgn="base" latinLnBrk="0" hangingPunct="0">
+              <a:lnSpc>
+                <a:spcPct val="100000"/>
+              </a:lnSpc>
+              <a:spcBef>
+                <a:spcPct val="0"/>
+              </a:spcBef>
+              <a:spcAft>
+                <a:spcPts val="800"/>
+              </a:spcAft>
+              <a:buClrTx/>
+              <a:buSzTx/>
+              <a:buFontTx/>
+              <a:buNone/>
+              <a:tabLst/>
+            </a:pPr>
+            <a:r>
+              <a:rPr kumimoji="0" lang="fr-FR" altLang="fr-FR" sz="1100" b="0" i="0" u="none" strike="noStrike" cap="none" normalizeH="0" baseline="0" dirty="0">
+                <a:ln>
+                  <a:noFill/>
+                </a:ln>
+                <a:solidFill>
+                  <a:schemeClr val="tx1"/>
+                </a:solidFill>
+                <a:effectLst/>
+                <a:latin typeface="Calibri" panose="020F0502020204030204" pitchFamily="34" charset="0"/>
+              </a:rPr>
+              <a:t>Epi de blé rappelant la provenance locale des produits </a:t>
+            </a:r>
+            <a:r>
+              <a:rPr kumimoji="0" lang="fr-FR" altLang="fr-FR" sz="1100" b="0" i="0" u="none" strike="noStrike" cap="none" normalizeH="0" baseline="0">
+                <a:ln>
+                  <a:noFill/>
+                </a:ln>
+                <a:solidFill>
+                  <a:schemeClr val="tx1"/>
+                </a:solidFill>
+                <a:effectLst/>
+                <a:latin typeface="Calibri" panose="020F0502020204030204" pitchFamily="34" charset="0"/>
+              </a:rPr>
+              <a:t>de l’entreprise</a:t>
+            </a:r>
+            <a:endParaRPr kumimoji="0" lang="fr-FR" altLang="fr-FR" sz="1100" b="0" i="0" u="none" strike="noStrike" cap="none" normalizeH="0" baseline="0" dirty="0">
+              <a:ln>
+                <a:noFill/>
+              </a:ln>
+              <a:solidFill>
+                <a:schemeClr val="tx1"/>
+              </a:solidFill>
+              <a:effectLst/>
+              <a:latin typeface="Calibri" panose="020F0502020204030204" pitchFamily="34" charset="0"/>
+            </a:endParaRPr>
+          </a:p>
+          <a:p>
+            <a:pPr marL="0" marR="0" lvl="0" indent="0" algn="l" defTabSz="914400" rtl="0" eaLnBrk="0" fontAlgn="base" latinLnBrk="0" hangingPunct="0">
+              <a:lnSpc>
+                <a:spcPct val="100000"/>
+              </a:lnSpc>
+              <a:spcBef>
+                <a:spcPct val="0"/>
+              </a:spcBef>
+              <a:spcAft>
+                <a:spcPts val="800"/>
+              </a:spcAft>
+              <a:buClrTx/>
+              <a:buSzTx/>
+              <a:buFontTx/>
+              <a:buNone/>
+              <a:tabLst/>
+            </a:pPr>
+            <a:endParaRPr kumimoji="0" lang="fr-FR" altLang="fr-FR" sz="1800" b="0" i="0" u="none" strike="noStrike" cap="none" normalizeH="0" baseline="0" dirty="0">
+              <a:ln>
+                <a:noFill/>
+              </a:ln>
+              <a:solidFill>
+                <a:schemeClr val="tx1"/>
+              </a:solidFill>
+              <a:effectLst/>
+              <a:latin typeface="Arial" panose="020B0604020202020204" pitchFamily="34" charset="0"/>
+            </a:endParaRPr>
+          </a:p>
+        </p:txBody>
+      </p:sp>
     </p:spTree>
     <p:extLst>
       <p:ext uri="{BB962C8B-B14F-4D97-AF65-F5344CB8AC3E}">
